--- a/A3_AI.pptx
+++ b/A3_AI.pptx
@@ -5,7 +5,7 @@
     <p:sldMasterId id="2147483673" r:id="rId1"/>
   </p:sldMasterIdLst>
   <p:notesMasterIdLst>
-    <p:notesMasterId r:id="rId35"/>
+    <p:notesMasterId r:id="rId33"/>
   </p:notesMasterIdLst>
   <p:sldIdLst>
     <p:sldId id="256" r:id="rId2"/>
@@ -16,43 +16,41 @@
     <p:sldId id="264" r:id="rId7"/>
     <p:sldId id="297" r:id="rId8"/>
     <p:sldId id="298" r:id="rId9"/>
-    <p:sldId id="299" r:id="rId10"/>
-    <p:sldId id="300" r:id="rId11"/>
-    <p:sldId id="301" r:id="rId12"/>
-    <p:sldId id="302" r:id="rId13"/>
-    <p:sldId id="303" r:id="rId14"/>
-    <p:sldId id="305" r:id="rId15"/>
-    <p:sldId id="307" r:id="rId16"/>
-    <p:sldId id="306" r:id="rId17"/>
-    <p:sldId id="308" r:id="rId18"/>
-    <p:sldId id="309" r:id="rId19"/>
-    <p:sldId id="310" r:id="rId20"/>
-    <p:sldId id="311" r:id="rId21"/>
-    <p:sldId id="312" r:id="rId22"/>
-    <p:sldId id="313" r:id="rId23"/>
-    <p:sldId id="314" r:id="rId24"/>
-    <p:sldId id="315" r:id="rId25"/>
-    <p:sldId id="316" r:id="rId26"/>
-    <p:sldId id="317" r:id="rId27"/>
-    <p:sldId id="268" r:id="rId28"/>
-    <p:sldId id="318" r:id="rId29"/>
-    <p:sldId id="319" r:id="rId30"/>
-    <p:sldId id="320" r:id="rId31"/>
-    <p:sldId id="321" r:id="rId32"/>
-    <p:sldId id="322" r:id="rId33"/>
-    <p:sldId id="323" r:id="rId34"/>
+    <p:sldId id="300" r:id="rId10"/>
+    <p:sldId id="301" r:id="rId11"/>
+    <p:sldId id="302" r:id="rId12"/>
+    <p:sldId id="303" r:id="rId13"/>
+    <p:sldId id="305" r:id="rId14"/>
+    <p:sldId id="307" r:id="rId15"/>
+    <p:sldId id="306" r:id="rId16"/>
+    <p:sldId id="308" r:id="rId17"/>
+    <p:sldId id="309" r:id="rId18"/>
+    <p:sldId id="310" r:id="rId19"/>
+    <p:sldId id="311" r:id="rId20"/>
+    <p:sldId id="312" r:id="rId21"/>
+    <p:sldId id="314" r:id="rId22"/>
+    <p:sldId id="315" r:id="rId23"/>
+    <p:sldId id="316" r:id="rId24"/>
+    <p:sldId id="317" r:id="rId25"/>
+    <p:sldId id="268" r:id="rId26"/>
+    <p:sldId id="318" r:id="rId27"/>
+    <p:sldId id="319" r:id="rId28"/>
+    <p:sldId id="320" r:id="rId29"/>
+    <p:sldId id="321" r:id="rId30"/>
+    <p:sldId id="322" r:id="rId31"/>
+    <p:sldId id="323" r:id="rId32"/>
   </p:sldIdLst>
   <p:sldSz cx="9144000" cy="5143500" type="screen16x9"/>
   <p:notesSz cx="6858000" cy="9144000"/>
   <p:embeddedFontLst>
     <p:embeddedFont>
       <p:font typeface="Michroma" panose="020B0604020202020204" charset="0"/>
-      <p:regular r:id="rId36"/>
+      <p:regular r:id="rId34"/>
     </p:embeddedFont>
     <p:embeddedFont>
       <p:font typeface="Space Grotesk" panose="020B0604020202020204" charset="0"/>
-      <p:regular r:id="rId37"/>
-      <p:bold r:id="rId38"/>
+      <p:regular r:id="rId35"/>
+      <p:bold r:id="rId36"/>
     </p:embeddedFont>
   </p:embeddedFontLst>
   <p:defaultTextStyle>
@@ -284,6 +282,11 @@
       </a:defRPr>
     </a:lvl9pPr>
   </p:defaultTextStyle>
+  <p:extLst>
+    <p:ext uri="{EFAFB233-063F-42B5-8137-9DF3F51BA10A}">
+      <p15:sldGuideLst xmlns:p15="http://schemas.microsoft.com/office/powerpoint/2012/main"/>
+    </p:ext>
+  </p:extLst>
 </p:presentation>
 </file>
 
@@ -840,133 +843,6 @@
         <p:cNvPr id="1" name="Shape 668">
           <a:extLst>
             <a:ext uri="{FF2B5EF4-FFF2-40B4-BE49-F238E27FC236}">
-              <a16:creationId xmlns:a16="http://schemas.microsoft.com/office/drawing/2014/main" id="{0EE59EEC-CB9D-49C1-C680-7025BB7207F3}"/>
-            </a:ext>
-          </a:extLst>
-        </p:cNvPr>
-        <p:cNvGrpSpPr/>
-        <p:nvPr/>
-      </p:nvGrpSpPr>
-      <p:grpSpPr>
-        <a:xfrm>
-          <a:off x="0" y="0"/>
-          <a:ext cx="0" cy="0"/>
-          <a:chOff x="0" y="0"/>
-          <a:chExt cx="0" cy="0"/>
-        </a:xfrm>
-      </p:grpSpPr>
-      <p:sp>
-        <p:nvSpPr>
-          <p:cNvPr id="669" name="Google Shape;669;g184d99d1a72_0_2:notes">
-            <a:extLst>
-              <a:ext uri="{FF2B5EF4-FFF2-40B4-BE49-F238E27FC236}">
-                <a16:creationId xmlns:a16="http://schemas.microsoft.com/office/drawing/2014/main" id="{EBA162E1-AE2C-A765-E228-D6C6B5AB3A3A}"/>
-              </a:ext>
-            </a:extLst>
-          </p:cNvPr>
-          <p:cNvSpPr>
-            <a:spLocks noGrp="1" noRot="1" noChangeAspect="1"/>
-          </p:cNvSpPr>
-          <p:nvPr>
-            <p:ph type="sldImg" idx="2"/>
-          </p:nvPr>
-        </p:nvSpPr>
-        <p:spPr>
-          <a:xfrm>
-            <a:off x="381000" y="685800"/>
-            <a:ext cx="6096000" cy="3429000"/>
-          </a:xfrm>
-          <a:custGeom>
-            <a:avLst/>
-            <a:gdLst/>
-            <a:ahLst/>
-            <a:cxnLst/>
-            <a:rect l="l" t="t" r="r" b="b"/>
-            <a:pathLst>
-              <a:path w="120000" h="120000" extrusionOk="0">
-                <a:moveTo>
-                  <a:pt x="0" y="0"/>
-                </a:moveTo>
-                <a:lnTo>
-                  <a:pt x="120000" y="0"/>
-                </a:lnTo>
-                <a:lnTo>
-                  <a:pt x="120000" y="120000"/>
-                </a:lnTo>
-                <a:lnTo>
-                  <a:pt x="0" y="120000"/>
-                </a:lnTo>
-                <a:close/>
-              </a:path>
-            </a:pathLst>
-          </a:custGeom>
-        </p:spPr>
-      </p:sp>
-      <p:sp>
-        <p:nvSpPr>
-          <p:cNvPr id="670" name="Google Shape;670;g184d99d1a72_0_2:notes">
-            <a:extLst>
-              <a:ext uri="{FF2B5EF4-FFF2-40B4-BE49-F238E27FC236}">
-                <a16:creationId xmlns:a16="http://schemas.microsoft.com/office/drawing/2014/main" id="{1E3257FB-0AAC-1D63-7DC0-8EBFE3E0CCD6}"/>
-              </a:ext>
-            </a:extLst>
-          </p:cNvPr>
-          <p:cNvSpPr txBox="1">
-            <a:spLocks noGrp="1"/>
-          </p:cNvSpPr>
-          <p:nvPr>
-            <p:ph type="body" idx="1"/>
-          </p:nvPr>
-        </p:nvSpPr>
-        <p:spPr>
-          <a:xfrm>
-            <a:off x="685800" y="4343400"/>
-            <a:ext cx="5486400" cy="4114800"/>
-          </a:xfrm>
-          <a:prstGeom prst="rect">
-            <a:avLst/>
-          </a:prstGeom>
-        </p:spPr>
-        <p:txBody>
-          <a:bodyPr spcFirstLastPara="1" wrap="square" lIns="91425" tIns="91425" rIns="91425" bIns="91425" anchor="t" anchorCtr="0">
-            <a:noAutofit/>
-          </a:bodyPr>
-          <a:lstStyle/>
-          <a:p>
-            <a:pPr marL="0" lvl="0" indent="0" algn="l" rtl="0">
-              <a:spcBef>
-                <a:spcPts val="0"/>
-              </a:spcBef>
-              <a:spcAft>
-                <a:spcPts val="0"/>
-              </a:spcAft>
-              <a:buNone/>
-            </a:pPr>
-            <a:endParaRPr/>
-          </a:p>
-        </p:txBody>
-      </p:sp>
-    </p:spTree>
-    <p:extLst>
-      <p:ext uri="{BB962C8B-B14F-4D97-AF65-F5344CB8AC3E}">
-        <p14:creationId xmlns:p14="http://schemas.microsoft.com/office/powerpoint/2010/main" val="2968128957"/>
-      </p:ext>
-    </p:extLst>
-  </p:cSld>
-  <p:clrMapOvr>
-    <a:masterClrMapping/>
-  </p:clrMapOvr>
-</p:notes>
-</file>
-
-<file path=ppt/notesSlides/notesSlide11.xml><?xml version="1.0" encoding="utf-8"?>
-<p:notes xmlns:a="http://schemas.openxmlformats.org/drawingml/2006/main" xmlns:r="http://schemas.openxmlformats.org/officeDocument/2006/relationships" xmlns:p="http://schemas.openxmlformats.org/presentationml/2006/main" showMasterSp="0" showMasterPhAnim="0">
-  <p:cSld>
-    <p:spTree>
-      <p:nvGrpSpPr>
-        <p:cNvPr id="1" name="Shape 668">
-          <a:extLst>
-            <a:ext uri="{FF2B5EF4-FFF2-40B4-BE49-F238E27FC236}">
               <a16:creationId xmlns:a16="http://schemas.microsoft.com/office/drawing/2014/main" id="{5ED93005-6140-90E5-397F-6E9E47798296}"/>
             </a:ext>
           </a:extLst>
@@ -1086,7 +962,7 @@
 </p:notes>
 </file>
 
-<file path=ppt/notesSlides/notesSlide12.xml><?xml version="1.0" encoding="utf-8"?>
+<file path=ppt/notesSlides/notesSlide11.xml><?xml version="1.0" encoding="utf-8"?>
 <p:notes xmlns:a="http://schemas.openxmlformats.org/drawingml/2006/main" xmlns:r="http://schemas.openxmlformats.org/officeDocument/2006/relationships" xmlns:p="http://schemas.openxmlformats.org/presentationml/2006/main" showMasterSp="0" showMasterPhAnim="0">
   <p:cSld>
     <p:spTree>
@@ -1213,7 +1089,7 @@
 </p:notes>
 </file>
 
-<file path=ppt/notesSlides/notesSlide13.xml><?xml version="1.0" encoding="utf-8"?>
+<file path=ppt/notesSlides/notesSlide12.xml><?xml version="1.0" encoding="utf-8"?>
 <p:notes xmlns:a="http://schemas.openxmlformats.org/drawingml/2006/main" xmlns:r="http://schemas.openxmlformats.org/officeDocument/2006/relationships" xmlns:p="http://schemas.openxmlformats.org/presentationml/2006/main" showMasterSp="0" showMasterPhAnim="0">
   <p:cSld>
     <p:spTree>
@@ -1340,7 +1216,7 @@
 </p:notes>
 </file>
 
-<file path=ppt/notesSlides/notesSlide14.xml><?xml version="1.0" encoding="utf-8"?>
+<file path=ppt/notesSlides/notesSlide13.xml><?xml version="1.0" encoding="utf-8"?>
 <p:notes xmlns:a="http://schemas.openxmlformats.org/drawingml/2006/main" xmlns:r="http://schemas.openxmlformats.org/officeDocument/2006/relationships" xmlns:p="http://schemas.openxmlformats.org/presentationml/2006/main" showMasterSp="0" showMasterPhAnim="0">
   <p:cSld>
     <p:spTree>
@@ -1467,7 +1343,7 @@
 </p:notes>
 </file>
 
-<file path=ppt/notesSlides/notesSlide15.xml><?xml version="1.0" encoding="utf-8"?>
+<file path=ppt/notesSlides/notesSlide14.xml><?xml version="1.0" encoding="utf-8"?>
 <p:notes xmlns:a="http://schemas.openxmlformats.org/drawingml/2006/main" xmlns:r="http://schemas.openxmlformats.org/officeDocument/2006/relationships" xmlns:p="http://schemas.openxmlformats.org/presentationml/2006/main" showMasterSp="0" showMasterPhAnim="0">
   <p:cSld>
     <p:spTree>
@@ -1594,7 +1470,7 @@
 </p:notes>
 </file>
 
-<file path=ppt/notesSlides/notesSlide16.xml><?xml version="1.0" encoding="utf-8"?>
+<file path=ppt/notesSlides/notesSlide15.xml><?xml version="1.0" encoding="utf-8"?>
 <p:notes xmlns:a="http://schemas.openxmlformats.org/drawingml/2006/main" xmlns:r="http://schemas.openxmlformats.org/officeDocument/2006/relationships" xmlns:p="http://schemas.openxmlformats.org/presentationml/2006/main" showMasterSp="0" showMasterPhAnim="0">
   <p:cSld>
     <p:spTree>
@@ -1721,7 +1597,7 @@
 </p:notes>
 </file>
 
-<file path=ppt/notesSlides/notesSlide17.xml><?xml version="1.0" encoding="utf-8"?>
+<file path=ppt/notesSlides/notesSlide16.xml><?xml version="1.0" encoding="utf-8"?>
 <p:notes xmlns:a="http://schemas.openxmlformats.org/drawingml/2006/main" xmlns:r="http://schemas.openxmlformats.org/officeDocument/2006/relationships" xmlns:p="http://schemas.openxmlformats.org/presentationml/2006/main" showMasterSp="0" showMasterPhAnim="0">
   <p:cSld>
     <p:spTree>
@@ -1848,7 +1724,7 @@
 </p:notes>
 </file>
 
-<file path=ppt/notesSlides/notesSlide18.xml><?xml version="1.0" encoding="utf-8"?>
+<file path=ppt/notesSlides/notesSlide17.xml><?xml version="1.0" encoding="utf-8"?>
 <p:notes xmlns:a="http://schemas.openxmlformats.org/drawingml/2006/main" xmlns:r="http://schemas.openxmlformats.org/officeDocument/2006/relationships" xmlns:p="http://schemas.openxmlformats.org/presentationml/2006/main" showMasterSp="0" showMasterPhAnim="0">
   <p:cSld>
     <p:spTree>
@@ -1975,7 +1851,7 @@
 </p:notes>
 </file>
 
-<file path=ppt/notesSlides/notesSlide19.xml><?xml version="1.0" encoding="utf-8"?>
+<file path=ppt/notesSlides/notesSlide18.xml><?xml version="1.0" encoding="utf-8"?>
 <p:notes xmlns:a="http://schemas.openxmlformats.org/drawingml/2006/main" xmlns:r="http://schemas.openxmlformats.org/officeDocument/2006/relationships" xmlns:p="http://schemas.openxmlformats.org/presentationml/2006/main" showMasterSp="0" showMasterPhAnim="0">
   <p:cSld>
     <p:spTree>
@@ -2102,111 +1978,7 @@
 </p:notes>
 </file>
 
-<file path=ppt/notesSlides/notesSlide2.xml><?xml version="1.0" encoding="utf-8"?>
-<p:notes xmlns:a="http://schemas.openxmlformats.org/drawingml/2006/main" xmlns:r="http://schemas.openxmlformats.org/officeDocument/2006/relationships" xmlns:p="http://schemas.openxmlformats.org/presentationml/2006/main" showMasterSp="0" showMasterPhAnim="0">
-  <p:cSld>
-    <p:spTree>
-      <p:nvGrpSpPr>
-        <p:cNvPr id="1" name="Shape 613"/>
-        <p:cNvGrpSpPr/>
-        <p:nvPr/>
-      </p:nvGrpSpPr>
-      <p:grpSpPr>
-        <a:xfrm>
-          <a:off x="0" y="0"/>
-          <a:ext cx="0" cy="0"/>
-          <a:chOff x="0" y="0"/>
-          <a:chExt cx="0" cy="0"/>
-        </a:xfrm>
-      </p:grpSpPr>
-      <p:sp>
-        <p:nvSpPr>
-          <p:cNvPr id="614" name="Google Shape;614;g54dda1946d_6_308:notes"/>
-          <p:cNvSpPr>
-            <a:spLocks noGrp="1" noRot="1" noChangeAspect="1"/>
-          </p:cNvSpPr>
-          <p:nvPr>
-            <p:ph type="sldImg" idx="2"/>
-          </p:nvPr>
-        </p:nvSpPr>
-        <p:spPr>
-          <a:xfrm>
-            <a:off x="381000" y="685800"/>
-            <a:ext cx="6096000" cy="3429000"/>
-          </a:xfrm>
-          <a:custGeom>
-            <a:avLst/>
-            <a:gdLst/>
-            <a:ahLst/>
-            <a:cxnLst/>
-            <a:rect l="l" t="t" r="r" b="b"/>
-            <a:pathLst>
-              <a:path w="120000" h="120000" extrusionOk="0">
-                <a:moveTo>
-                  <a:pt x="0" y="0"/>
-                </a:moveTo>
-                <a:lnTo>
-                  <a:pt x="120000" y="0"/>
-                </a:lnTo>
-                <a:lnTo>
-                  <a:pt x="120000" y="120000"/>
-                </a:lnTo>
-                <a:lnTo>
-                  <a:pt x="0" y="120000"/>
-                </a:lnTo>
-                <a:close/>
-              </a:path>
-            </a:pathLst>
-          </a:custGeom>
-        </p:spPr>
-      </p:sp>
-      <p:sp>
-        <p:nvSpPr>
-          <p:cNvPr id="615" name="Google Shape;615;g54dda1946d_6_308:notes"/>
-          <p:cNvSpPr txBox="1">
-            <a:spLocks noGrp="1"/>
-          </p:cNvSpPr>
-          <p:nvPr>
-            <p:ph type="body" idx="1"/>
-          </p:nvPr>
-        </p:nvSpPr>
-        <p:spPr>
-          <a:xfrm>
-            <a:off x="685800" y="4343400"/>
-            <a:ext cx="5486400" cy="4114800"/>
-          </a:xfrm>
-          <a:prstGeom prst="rect">
-            <a:avLst/>
-          </a:prstGeom>
-        </p:spPr>
-        <p:txBody>
-          <a:bodyPr spcFirstLastPara="1" wrap="square" lIns="91425" tIns="91425" rIns="91425" bIns="91425" anchor="t" anchorCtr="0">
-            <a:noAutofit/>
-          </a:bodyPr>
-          <a:lstStyle/>
-          <a:p>
-            <a:pPr marL="0" lvl="0" indent="0" algn="l" rtl="0">
-              <a:spcBef>
-                <a:spcPts val="0"/>
-              </a:spcBef>
-              <a:spcAft>
-                <a:spcPts val="0"/>
-              </a:spcAft>
-              <a:buNone/>
-            </a:pPr>
-            <a:endParaRPr/>
-          </a:p>
-        </p:txBody>
-      </p:sp>
-    </p:spTree>
-  </p:cSld>
-  <p:clrMapOvr>
-    <a:masterClrMapping/>
-  </p:clrMapOvr>
-</p:notes>
-</file>
-
-<file path=ppt/notesSlides/notesSlide20.xml><?xml version="1.0" encoding="utf-8"?>
+<file path=ppt/notesSlides/notesSlide19.xml><?xml version="1.0" encoding="utf-8"?>
 <p:notes xmlns:a="http://schemas.openxmlformats.org/drawingml/2006/main" xmlns:r="http://schemas.openxmlformats.org/officeDocument/2006/relationships" xmlns:p="http://schemas.openxmlformats.org/presentationml/2006/main" showMasterSp="0" showMasterPhAnim="0">
   <p:cSld>
     <p:spTree>
@@ -2333,7 +2105,111 @@
 </p:notes>
 </file>
 
-<file path=ppt/notesSlides/notesSlide21.xml><?xml version="1.0" encoding="utf-8"?>
+<file path=ppt/notesSlides/notesSlide2.xml><?xml version="1.0" encoding="utf-8"?>
+<p:notes xmlns:a="http://schemas.openxmlformats.org/drawingml/2006/main" xmlns:r="http://schemas.openxmlformats.org/officeDocument/2006/relationships" xmlns:p="http://schemas.openxmlformats.org/presentationml/2006/main" showMasterSp="0" showMasterPhAnim="0">
+  <p:cSld>
+    <p:spTree>
+      <p:nvGrpSpPr>
+        <p:cNvPr id="1" name="Shape 613"/>
+        <p:cNvGrpSpPr/>
+        <p:nvPr/>
+      </p:nvGrpSpPr>
+      <p:grpSpPr>
+        <a:xfrm>
+          <a:off x="0" y="0"/>
+          <a:ext cx="0" cy="0"/>
+          <a:chOff x="0" y="0"/>
+          <a:chExt cx="0" cy="0"/>
+        </a:xfrm>
+      </p:grpSpPr>
+      <p:sp>
+        <p:nvSpPr>
+          <p:cNvPr id="614" name="Google Shape;614;g54dda1946d_6_308:notes"/>
+          <p:cNvSpPr>
+            <a:spLocks noGrp="1" noRot="1" noChangeAspect="1"/>
+          </p:cNvSpPr>
+          <p:nvPr>
+            <p:ph type="sldImg" idx="2"/>
+          </p:nvPr>
+        </p:nvSpPr>
+        <p:spPr>
+          <a:xfrm>
+            <a:off x="381000" y="685800"/>
+            <a:ext cx="6096000" cy="3429000"/>
+          </a:xfrm>
+          <a:custGeom>
+            <a:avLst/>
+            <a:gdLst/>
+            <a:ahLst/>
+            <a:cxnLst/>
+            <a:rect l="l" t="t" r="r" b="b"/>
+            <a:pathLst>
+              <a:path w="120000" h="120000" extrusionOk="0">
+                <a:moveTo>
+                  <a:pt x="0" y="0"/>
+                </a:moveTo>
+                <a:lnTo>
+                  <a:pt x="120000" y="0"/>
+                </a:lnTo>
+                <a:lnTo>
+                  <a:pt x="120000" y="120000"/>
+                </a:lnTo>
+                <a:lnTo>
+                  <a:pt x="0" y="120000"/>
+                </a:lnTo>
+                <a:close/>
+              </a:path>
+            </a:pathLst>
+          </a:custGeom>
+        </p:spPr>
+      </p:sp>
+      <p:sp>
+        <p:nvSpPr>
+          <p:cNvPr id="615" name="Google Shape;615;g54dda1946d_6_308:notes"/>
+          <p:cNvSpPr txBox="1">
+            <a:spLocks noGrp="1"/>
+          </p:cNvSpPr>
+          <p:nvPr>
+            <p:ph type="body" idx="1"/>
+          </p:nvPr>
+        </p:nvSpPr>
+        <p:spPr>
+          <a:xfrm>
+            <a:off x="685800" y="4343400"/>
+            <a:ext cx="5486400" cy="4114800"/>
+          </a:xfrm>
+          <a:prstGeom prst="rect">
+            <a:avLst/>
+          </a:prstGeom>
+        </p:spPr>
+        <p:txBody>
+          <a:bodyPr spcFirstLastPara="1" wrap="square" lIns="91425" tIns="91425" rIns="91425" bIns="91425" anchor="t" anchorCtr="0">
+            <a:noAutofit/>
+          </a:bodyPr>
+          <a:lstStyle/>
+          <a:p>
+            <a:pPr marL="0" lvl="0" indent="0" algn="l" rtl="0">
+              <a:spcBef>
+                <a:spcPts val="0"/>
+              </a:spcBef>
+              <a:spcAft>
+                <a:spcPts val="0"/>
+              </a:spcAft>
+              <a:buNone/>
+            </a:pPr>
+            <a:endParaRPr/>
+          </a:p>
+        </p:txBody>
+      </p:sp>
+    </p:spTree>
+  </p:cSld>
+  <p:clrMapOvr>
+    <a:masterClrMapping/>
+  </p:clrMapOvr>
+</p:notes>
+</file>
+
+<file path=ppt/notesSlides/notesSlide20.xml><?xml version="1.0" encoding="utf-8"?>
 <p:notes xmlns:a="http://schemas.openxmlformats.org/drawingml/2006/main" xmlns:r="http://schemas.openxmlformats.org/officeDocument/2006/relationships" xmlns:p="http://schemas.openxmlformats.org/presentationml/2006/main" showMasterSp="0" showMasterPhAnim="0">
   <p:cSld>
     <p:spTree>
@@ -2460,134 +2336,7 @@
 </p:notes>
 </file>
 
-<file path=ppt/notesSlides/notesSlide22.xml><?xml version="1.0" encoding="utf-8"?>
-<p:notes xmlns:a="http://schemas.openxmlformats.org/drawingml/2006/main" xmlns:r="http://schemas.openxmlformats.org/officeDocument/2006/relationships" xmlns:p="http://schemas.openxmlformats.org/presentationml/2006/main" showMasterSp="0" showMasterPhAnim="0">
-  <p:cSld>
-    <p:spTree>
-      <p:nvGrpSpPr>
-        <p:cNvPr id="1" name="Shape 668">
-          <a:extLst>
-            <a:ext uri="{FF2B5EF4-FFF2-40B4-BE49-F238E27FC236}">
-              <a16:creationId xmlns:a16="http://schemas.microsoft.com/office/drawing/2014/main" id="{3593058B-B96A-9576-B833-9AA3A3AE878E}"/>
-            </a:ext>
-          </a:extLst>
-        </p:cNvPr>
-        <p:cNvGrpSpPr/>
-        <p:nvPr/>
-      </p:nvGrpSpPr>
-      <p:grpSpPr>
-        <a:xfrm>
-          <a:off x="0" y="0"/>
-          <a:ext cx="0" cy="0"/>
-          <a:chOff x="0" y="0"/>
-          <a:chExt cx="0" cy="0"/>
-        </a:xfrm>
-      </p:grpSpPr>
-      <p:sp>
-        <p:nvSpPr>
-          <p:cNvPr id="669" name="Google Shape;669;g184d99d1a72_0_2:notes">
-            <a:extLst>
-              <a:ext uri="{FF2B5EF4-FFF2-40B4-BE49-F238E27FC236}">
-                <a16:creationId xmlns:a16="http://schemas.microsoft.com/office/drawing/2014/main" id="{A982DD16-7033-9F44-1D95-433563F3526C}"/>
-              </a:ext>
-            </a:extLst>
-          </p:cNvPr>
-          <p:cNvSpPr>
-            <a:spLocks noGrp="1" noRot="1" noChangeAspect="1"/>
-          </p:cNvSpPr>
-          <p:nvPr>
-            <p:ph type="sldImg" idx="2"/>
-          </p:nvPr>
-        </p:nvSpPr>
-        <p:spPr>
-          <a:xfrm>
-            <a:off x="381000" y="685800"/>
-            <a:ext cx="6096000" cy="3429000"/>
-          </a:xfrm>
-          <a:custGeom>
-            <a:avLst/>
-            <a:gdLst/>
-            <a:ahLst/>
-            <a:cxnLst/>
-            <a:rect l="l" t="t" r="r" b="b"/>
-            <a:pathLst>
-              <a:path w="120000" h="120000" extrusionOk="0">
-                <a:moveTo>
-                  <a:pt x="0" y="0"/>
-                </a:moveTo>
-                <a:lnTo>
-                  <a:pt x="120000" y="0"/>
-                </a:lnTo>
-                <a:lnTo>
-                  <a:pt x="120000" y="120000"/>
-                </a:lnTo>
-                <a:lnTo>
-                  <a:pt x="0" y="120000"/>
-                </a:lnTo>
-                <a:close/>
-              </a:path>
-            </a:pathLst>
-          </a:custGeom>
-        </p:spPr>
-      </p:sp>
-      <p:sp>
-        <p:nvSpPr>
-          <p:cNvPr id="670" name="Google Shape;670;g184d99d1a72_0_2:notes">
-            <a:extLst>
-              <a:ext uri="{FF2B5EF4-FFF2-40B4-BE49-F238E27FC236}">
-                <a16:creationId xmlns:a16="http://schemas.microsoft.com/office/drawing/2014/main" id="{E4CB06FF-CF38-4AC4-A419-E944CE6B87D9}"/>
-              </a:ext>
-            </a:extLst>
-          </p:cNvPr>
-          <p:cNvSpPr txBox="1">
-            <a:spLocks noGrp="1"/>
-          </p:cNvSpPr>
-          <p:nvPr>
-            <p:ph type="body" idx="1"/>
-          </p:nvPr>
-        </p:nvSpPr>
-        <p:spPr>
-          <a:xfrm>
-            <a:off x="685800" y="4343400"/>
-            <a:ext cx="5486400" cy="4114800"/>
-          </a:xfrm>
-          <a:prstGeom prst="rect">
-            <a:avLst/>
-          </a:prstGeom>
-        </p:spPr>
-        <p:txBody>
-          <a:bodyPr spcFirstLastPara="1" wrap="square" lIns="91425" tIns="91425" rIns="91425" bIns="91425" anchor="t" anchorCtr="0">
-            <a:noAutofit/>
-          </a:bodyPr>
-          <a:lstStyle/>
-          <a:p>
-            <a:pPr marL="0" lvl="0" indent="0" algn="l" rtl="0">
-              <a:spcBef>
-                <a:spcPts val="0"/>
-              </a:spcBef>
-              <a:spcAft>
-                <a:spcPts val="0"/>
-              </a:spcAft>
-              <a:buNone/>
-            </a:pPr>
-            <a:endParaRPr dirty="0"/>
-          </a:p>
-        </p:txBody>
-      </p:sp>
-    </p:spTree>
-    <p:extLst>
-      <p:ext uri="{BB962C8B-B14F-4D97-AF65-F5344CB8AC3E}">
-        <p14:creationId xmlns:p14="http://schemas.microsoft.com/office/powerpoint/2010/main" val="808056208"/>
-      </p:ext>
-    </p:extLst>
-  </p:cSld>
-  <p:clrMapOvr>
-    <a:masterClrMapping/>
-  </p:clrMapOvr>
-</p:notes>
-</file>
-
-<file path=ppt/notesSlides/notesSlide23.xml><?xml version="1.0" encoding="utf-8"?>
+<file path=ppt/notesSlides/notesSlide21.xml><?xml version="1.0" encoding="utf-8"?>
 <p:notes xmlns:a="http://schemas.openxmlformats.org/drawingml/2006/main" xmlns:r="http://schemas.openxmlformats.org/officeDocument/2006/relationships" xmlns:p="http://schemas.openxmlformats.org/presentationml/2006/main" showMasterSp="0" showMasterPhAnim="0">
   <p:cSld>
     <p:spTree>
@@ -2714,7 +2463,7 @@
 </p:notes>
 </file>
 
-<file path=ppt/notesSlides/notesSlide24.xml><?xml version="1.0" encoding="utf-8"?>
+<file path=ppt/notesSlides/notesSlide22.xml><?xml version="1.0" encoding="utf-8"?>
 <p:notes xmlns:a="http://schemas.openxmlformats.org/drawingml/2006/main" xmlns:r="http://schemas.openxmlformats.org/officeDocument/2006/relationships" xmlns:p="http://schemas.openxmlformats.org/presentationml/2006/main" showMasterSp="0" showMasterPhAnim="0">
   <p:cSld>
     <p:spTree>
@@ -2841,7 +2590,7 @@
 </p:notes>
 </file>
 
-<file path=ppt/notesSlides/notesSlide25.xml><?xml version="1.0" encoding="utf-8"?>
+<file path=ppt/notesSlides/notesSlide23.xml><?xml version="1.0" encoding="utf-8"?>
 <p:notes xmlns:a="http://schemas.openxmlformats.org/drawingml/2006/main" xmlns:r="http://schemas.openxmlformats.org/officeDocument/2006/relationships" xmlns:p="http://schemas.openxmlformats.org/presentationml/2006/main" showMasterSp="0" showMasterPhAnim="0">
   <p:cSld>
     <p:spTree>
@@ -2968,7 +2717,7 @@
 </p:notes>
 </file>
 
-<file path=ppt/notesSlides/notesSlide26.xml><?xml version="1.0" encoding="utf-8"?>
+<file path=ppt/notesSlides/notesSlide24.xml><?xml version="1.0" encoding="utf-8"?>
 <p:notes xmlns:a="http://schemas.openxmlformats.org/drawingml/2006/main" xmlns:r="http://schemas.openxmlformats.org/officeDocument/2006/relationships" xmlns:p="http://schemas.openxmlformats.org/presentationml/2006/main" showMasterSp="0" showMasterPhAnim="0">
   <p:cSld>
     <p:spTree>
@@ -3095,7 +2844,7 @@
 </p:notes>
 </file>
 
-<file path=ppt/notesSlides/notesSlide27.xml><?xml version="1.0" encoding="utf-8"?>
+<file path=ppt/notesSlides/notesSlide25.xml><?xml version="1.0" encoding="utf-8"?>
 <p:notes xmlns:a="http://schemas.openxmlformats.org/drawingml/2006/main" xmlns:r="http://schemas.openxmlformats.org/officeDocument/2006/relationships" xmlns:p="http://schemas.openxmlformats.org/presentationml/2006/main" showMasterSp="0" showMasterPhAnim="0">
   <p:cSld>
     <p:spTree>
@@ -3199,7 +2948,7 @@
 </p:notes>
 </file>
 
-<file path=ppt/notesSlides/notesSlide28.xml><?xml version="1.0" encoding="utf-8"?>
+<file path=ppt/notesSlides/notesSlide26.xml><?xml version="1.0" encoding="utf-8"?>
 <p:notes xmlns:a="http://schemas.openxmlformats.org/drawingml/2006/main" xmlns:r="http://schemas.openxmlformats.org/officeDocument/2006/relationships" xmlns:p="http://schemas.openxmlformats.org/presentationml/2006/main" showMasterSp="0" showMasterPhAnim="0">
   <p:cSld>
     <p:spTree>
@@ -3326,7 +3075,7 @@
 </p:notes>
 </file>
 
-<file path=ppt/notesSlides/notesSlide29.xml><?xml version="1.0" encoding="utf-8"?>
+<file path=ppt/notesSlides/notesSlide27.xml><?xml version="1.0" encoding="utf-8"?>
 <p:notes xmlns:a="http://schemas.openxmlformats.org/drawingml/2006/main" xmlns:r="http://schemas.openxmlformats.org/officeDocument/2006/relationships" xmlns:p="http://schemas.openxmlformats.org/presentationml/2006/main" showMasterSp="0" showMasterPhAnim="0">
   <p:cSld>
     <p:spTree>
@@ -3453,111 +3202,7 @@
 </p:notes>
 </file>
 
-<file path=ppt/notesSlides/notesSlide3.xml><?xml version="1.0" encoding="utf-8"?>
-<p:notes xmlns:a="http://schemas.openxmlformats.org/drawingml/2006/main" xmlns:r="http://schemas.openxmlformats.org/officeDocument/2006/relationships" xmlns:p="http://schemas.openxmlformats.org/presentationml/2006/main" showMasterSp="0" showMasterPhAnim="0">
-  <p:cSld>
-    <p:spTree>
-      <p:nvGrpSpPr>
-        <p:cNvPr id="1" name="Shape 635"/>
-        <p:cNvGrpSpPr/>
-        <p:nvPr/>
-      </p:nvGrpSpPr>
-      <p:grpSpPr>
-        <a:xfrm>
-          <a:off x="0" y="0"/>
-          <a:ext cx="0" cy="0"/>
-          <a:chOff x="0" y="0"/>
-          <a:chExt cx="0" cy="0"/>
-        </a:xfrm>
-      </p:grpSpPr>
-      <p:sp>
-        <p:nvSpPr>
-          <p:cNvPr id="636" name="Google Shape;636;g54dda1946d_6_332:notes"/>
-          <p:cNvSpPr>
-            <a:spLocks noGrp="1" noRot="1" noChangeAspect="1"/>
-          </p:cNvSpPr>
-          <p:nvPr>
-            <p:ph type="sldImg" idx="2"/>
-          </p:nvPr>
-        </p:nvSpPr>
-        <p:spPr>
-          <a:xfrm>
-            <a:off x="381000" y="685800"/>
-            <a:ext cx="6096000" cy="3429000"/>
-          </a:xfrm>
-          <a:custGeom>
-            <a:avLst/>
-            <a:gdLst/>
-            <a:ahLst/>
-            <a:cxnLst/>
-            <a:rect l="l" t="t" r="r" b="b"/>
-            <a:pathLst>
-              <a:path w="120000" h="120000" extrusionOk="0">
-                <a:moveTo>
-                  <a:pt x="0" y="0"/>
-                </a:moveTo>
-                <a:lnTo>
-                  <a:pt x="120000" y="0"/>
-                </a:lnTo>
-                <a:lnTo>
-                  <a:pt x="120000" y="120000"/>
-                </a:lnTo>
-                <a:lnTo>
-                  <a:pt x="0" y="120000"/>
-                </a:lnTo>
-                <a:close/>
-              </a:path>
-            </a:pathLst>
-          </a:custGeom>
-        </p:spPr>
-      </p:sp>
-      <p:sp>
-        <p:nvSpPr>
-          <p:cNvPr id="637" name="Google Shape;637;g54dda1946d_6_332:notes"/>
-          <p:cNvSpPr txBox="1">
-            <a:spLocks noGrp="1"/>
-          </p:cNvSpPr>
-          <p:nvPr>
-            <p:ph type="body" idx="1"/>
-          </p:nvPr>
-        </p:nvSpPr>
-        <p:spPr>
-          <a:xfrm>
-            <a:off x="685800" y="4343400"/>
-            <a:ext cx="5486400" cy="4114800"/>
-          </a:xfrm>
-          <a:prstGeom prst="rect">
-            <a:avLst/>
-          </a:prstGeom>
-        </p:spPr>
-        <p:txBody>
-          <a:bodyPr spcFirstLastPara="1" wrap="square" lIns="91425" tIns="91425" rIns="91425" bIns="91425" anchor="t" anchorCtr="0">
-            <a:noAutofit/>
-          </a:bodyPr>
-          <a:lstStyle/>
-          <a:p>
-            <a:pPr marL="0" lvl="0" indent="0" algn="l" rtl="0">
-              <a:spcBef>
-                <a:spcPts val="0"/>
-              </a:spcBef>
-              <a:spcAft>
-                <a:spcPts val="0"/>
-              </a:spcAft>
-              <a:buNone/>
-            </a:pPr>
-            <a:endParaRPr/>
-          </a:p>
-        </p:txBody>
-      </p:sp>
-    </p:spTree>
-  </p:cSld>
-  <p:clrMapOvr>
-    <a:masterClrMapping/>
-  </p:clrMapOvr>
-</p:notes>
-</file>
-
-<file path=ppt/notesSlides/notesSlide30.xml><?xml version="1.0" encoding="utf-8"?>
+<file path=ppt/notesSlides/notesSlide28.xml><?xml version="1.0" encoding="utf-8"?>
 <p:notes xmlns:a="http://schemas.openxmlformats.org/drawingml/2006/main" xmlns:r="http://schemas.openxmlformats.org/officeDocument/2006/relationships" xmlns:p="http://schemas.openxmlformats.org/presentationml/2006/main" showMasterSp="0" showMasterPhAnim="0">
   <p:cSld>
     <p:spTree>
@@ -3684,7 +3329,7 @@
 </p:notes>
 </file>
 
-<file path=ppt/notesSlides/notesSlide31.xml><?xml version="1.0" encoding="utf-8"?>
+<file path=ppt/notesSlides/notesSlide29.xml><?xml version="1.0" encoding="utf-8"?>
 <p:notes xmlns:a="http://schemas.openxmlformats.org/drawingml/2006/main" xmlns:r="http://schemas.openxmlformats.org/officeDocument/2006/relationships" xmlns:p="http://schemas.openxmlformats.org/presentationml/2006/main" showMasterSp="0" showMasterPhAnim="0">
   <p:cSld>
     <p:spTree>
@@ -3811,7 +3456,111 @@
 </p:notes>
 </file>
 
-<file path=ppt/notesSlides/notesSlide32.xml><?xml version="1.0" encoding="utf-8"?>
+<file path=ppt/notesSlides/notesSlide3.xml><?xml version="1.0" encoding="utf-8"?>
+<p:notes xmlns:a="http://schemas.openxmlformats.org/drawingml/2006/main" xmlns:r="http://schemas.openxmlformats.org/officeDocument/2006/relationships" xmlns:p="http://schemas.openxmlformats.org/presentationml/2006/main" showMasterSp="0" showMasterPhAnim="0">
+  <p:cSld>
+    <p:spTree>
+      <p:nvGrpSpPr>
+        <p:cNvPr id="1" name="Shape 635"/>
+        <p:cNvGrpSpPr/>
+        <p:nvPr/>
+      </p:nvGrpSpPr>
+      <p:grpSpPr>
+        <a:xfrm>
+          <a:off x="0" y="0"/>
+          <a:ext cx="0" cy="0"/>
+          <a:chOff x="0" y="0"/>
+          <a:chExt cx="0" cy="0"/>
+        </a:xfrm>
+      </p:grpSpPr>
+      <p:sp>
+        <p:nvSpPr>
+          <p:cNvPr id="636" name="Google Shape;636;g54dda1946d_6_332:notes"/>
+          <p:cNvSpPr>
+            <a:spLocks noGrp="1" noRot="1" noChangeAspect="1"/>
+          </p:cNvSpPr>
+          <p:nvPr>
+            <p:ph type="sldImg" idx="2"/>
+          </p:nvPr>
+        </p:nvSpPr>
+        <p:spPr>
+          <a:xfrm>
+            <a:off x="381000" y="685800"/>
+            <a:ext cx="6096000" cy="3429000"/>
+          </a:xfrm>
+          <a:custGeom>
+            <a:avLst/>
+            <a:gdLst/>
+            <a:ahLst/>
+            <a:cxnLst/>
+            <a:rect l="l" t="t" r="r" b="b"/>
+            <a:pathLst>
+              <a:path w="120000" h="120000" extrusionOk="0">
+                <a:moveTo>
+                  <a:pt x="0" y="0"/>
+                </a:moveTo>
+                <a:lnTo>
+                  <a:pt x="120000" y="0"/>
+                </a:lnTo>
+                <a:lnTo>
+                  <a:pt x="120000" y="120000"/>
+                </a:lnTo>
+                <a:lnTo>
+                  <a:pt x="0" y="120000"/>
+                </a:lnTo>
+                <a:close/>
+              </a:path>
+            </a:pathLst>
+          </a:custGeom>
+        </p:spPr>
+      </p:sp>
+      <p:sp>
+        <p:nvSpPr>
+          <p:cNvPr id="637" name="Google Shape;637;g54dda1946d_6_332:notes"/>
+          <p:cNvSpPr txBox="1">
+            <a:spLocks noGrp="1"/>
+          </p:cNvSpPr>
+          <p:nvPr>
+            <p:ph type="body" idx="1"/>
+          </p:nvPr>
+        </p:nvSpPr>
+        <p:spPr>
+          <a:xfrm>
+            <a:off x="685800" y="4343400"/>
+            <a:ext cx="5486400" cy="4114800"/>
+          </a:xfrm>
+          <a:prstGeom prst="rect">
+            <a:avLst/>
+          </a:prstGeom>
+        </p:spPr>
+        <p:txBody>
+          <a:bodyPr spcFirstLastPara="1" wrap="square" lIns="91425" tIns="91425" rIns="91425" bIns="91425" anchor="t" anchorCtr="0">
+            <a:noAutofit/>
+          </a:bodyPr>
+          <a:lstStyle/>
+          <a:p>
+            <a:pPr marL="0" lvl="0" indent="0" algn="l" rtl="0">
+              <a:spcBef>
+                <a:spcPts val="0"/>
+              </a:spcBef>
+              <a:spcAft>
+                <a:spcPts val="0"/>
+              </a:spcAft>
+              <a:buNone/>
+            </a:pPr>
+            <a:endParaRPr/>
+          </a:p>
+        </p:txBody>
+      </p:sp>
+    </p:spTree>
+  </p:cSld>
+  <p:clrMapOvr>
+    <a:masterClrMapping/>
+  </p:clrMapOvr>
+</p:notes>
+</file>
+
+<file path=ppt/notesSlides/notesSlide30.xml><?xml version="1.0" encoding="utf-8"?>
 <p:notes xmlns:a="http://schemas.openxmlformats.org/drawingml/2006/main" xmlns:r="http://schemas.openxmlformats.org/officeDocument/2006/relationships" xmlns:p="http://schemas.openxmlformats.org/presentationml/2006/main" showMasterSp="0" showMasterPhAnim="0">
   <p:cSld>
     <p:spTree>
@@ -3938,7 +3687,7 @@
 </p:notes>
 </file>
 
-<file path=ppt/notesSlides/notesSlide33.xml><?xml version="1.0" encoding="utf-8"?>
+<file path=ppt/notesSlides/notesSlide31.xml><?xml version="1.0" encoding="utf-8"?>
 <p:notes xmlns:a="http://schemas.openxmlformats.org/drawingml/2006/main" xmlns:r="http://schemas.openxmlformats.org/officeDocument/2006/relationships" xmlns:p="http://schemas.openxmlformats.org/presentationml/2006/main" showMasterSp="0" showMasterPhAnim="0">
   <p:cSld>
     <p:spTree>
@@ -4662,7 +4411,7 @@
         <p:cNvPr id="1" name="Shape 668">
           <a:extLst>
             <a:ext uri="{FF2B5EF4-FFF2-40B4-BE49-F238E27FC236}">
-              <a16:creationId xmlns:a16="http://schemas.microsoft.com/office/drawing/2014/main" id="{3D97146D-95B7-B7A5-CBA1-FACC80F994CB}"/>
+              <a16:creationId xmlns:a16="http://schemas.microsoft.com/office/drawing/2014/main" id="{0EE59EEC-CB9D-49C1-C680-7025BB7207F3}"/>
             </a:ext>
           </a:extLst>
         </p:cNvPr>
@@ -4682,7 +4431,7 @@
           <p:cNvPr id="669" name="Google Shape;669;g184d99d1a72_0_2:notes">
             <a:extLst>
               <a:ext uri="{FF2B5EF4-FFF2-40B4-BE49-F238E27FC236}">
-                <a16:creationId xmlns:a16="http://schemas.microsoft.com/office/drawing/2014/main" id="{A13E00D2-2F4A-B60D-1F99-AA0BAD82718B}"/>
+                <a16:creationId xmlns:a16="http://schemas.microsoft.com/office/drawing/2014/main" id="{EBA162E1-AE2C-A765-E228-D6C6B5AB3A3A}"/>
               </a:ext>
             </a:extLst>
           </p:cNvPr>
@@ -4729,7 +4478,7 @@
           <p:cNvPr id="670" name="Google Shape;670;g184d99d1a72_0_2:notes">
             <a:extLst>
               <a:ext uri="{FF2B5EF4-FFF2-40B4-BE49-F238E27FC236}">
-                <a16:creationId xmlns:a16="http://schemas.microsoft.com/office/drawing/2014/main" id="{AA7ABAC7-8842-6F83-C0A9-B7D904DB61B7}"/>
+                <a16:creationId xmlns:a16="http://schemas.microsoft.com/office/drawing/2014/main" id="{1E3257FB-0AAC-1D63-7DC0-8EBFE3E0CCD6}"/>
               </a:ext>
             </a:extLst>
           </p:cNvPr>
@@ -4771,7 +4520,7 @@
     </p:spTree>
     <p:extLst>
       <p:ext uri="{BB962C8B-B14F-4D97-AF65-F5344CB8AC3E}">
-        <p14:creationId xmlns:p14="http://schemas.microsoft.com/office/powerpoint/2010/main" val="3920061412"/>
+        <p14:creationId xmlns:p14="http://schemas.microsoft.com/office/powerpoint/2010/main" val="2968128957"/>
       </p:ext>
     </p:extLst>
   </p:cSld>
@@ -24180,722 +23929,6 @@
         <p:cNvPr id="1" name="Shape 671">
           <a:extLst>
             <a:ext uri="{FF2B5EF4-FFF2-40B4-BE49-F238E27FC236}">
-              <a16:creationId xmlns:a16="http://schemas.microsoft.com/office/drawing/2014/main" id="{85F0DBF7-A7F4-F471-7B4D-58B550E8C3AB}"/>
-            </a:ext>
-          </a:extLst>
-        </p:cNvPr>
-        <p:cNvGrpSpPr/>
-        <p:nvPr/>
-      </p:nvGrpSpPr>
-      <p:grpSpPr>
-        <a:xfrm>
-          <a:off x="0" y="0"/>
-          <a:ext cx="0" cy="0"/>
-          <a:chOff x="0" y="0"/>
-          <a:chExt cx="0" cy="0"/>
-        </a:xfrm>
-      </p:grpSpPr>
-      <p:sp>
-        <p:nvSpPr>
-          <p:cNvPr id="672" name="Google Shape;672;p36">
-            <a:extLst>
-              <a:ext uri="{FF2B5EF4-FFF2-40B4-BE49-F238E27FC236}">
-                <a16:creationId xmlns:a16="http://schemas.microsoft.com/office/drawing/2014/main" id="{4B92A45D-A8B9-0E3E-134B-064914D66D22}"/>
-              </a:ext>
-            </a:extLst>
-          </p:cNvPr>
-          <p:cNvSpPr txBox="1">
-            <a:spLocks noGrp="1"/>
-          </p:cNvSpPr>
-          <p:nvPr>
-            <p:ph type="title"/>
-          </p:nvPr>
-        </p:nvSpPr>
-        <p:spPr>
-          <a:xfrm>
-            <a:off x="720000" y="271217"/>
-            <a:ext cx="7704000" cy="572700"/>
-          </a:xfrm>
-          <a:prstGeom prst="rect">
-            <a:avLst/>
-          </a:prstGeom>
-        </p:spPr>
-        <p:txBody>
-          <a:bodyPr spcFirstLastPara="1" wrap="square" lIns="91425" tIns="91425" rIns="91425" bIns="91425" anchor="t" anchorCtr="0">
-            <a:noAutofit/>
-          </a:bodyPr>
-          <a:lstStyle/>
-          <a:p>
-            <a:pPr marL="0" lvl="0" indent="0" algn="ctr" rtl="0">
-              <a:spcBef>
-                <a:spcPts val="0"/>
-              </a:spcBef>
-              <a:spcAft>
-                <a:spcPts val="0"/>
-              </a:spcAft>
-              <a:buNone/>
-            </a:pPr>
-            <a:r>
-              <a:rPr lang="en" dirty="0"/>
-              <a:t>Tratamento de M</a:t>
-            </a:r>
-            <a:r>
-              <a:rPr lang="pt-BR" dirty="0"/>
-              <a:t>i</a:t>
-            </a:r>
-            <a:r>
-              <a:rPr lang="en" dirty="0"/>
-              <a:t>ssing Values</a:t>
-            </a:r>
-            <a:endParaRPr dirty="0"/>
-          </a:p>
-        </p:txBody>
-      </p:sp>
-      <p:sp>
-        <p:nvSpPr>
-          <p:cNvPr id="23" name="Subtítulo 14">
-            <a:extLst>
-              <a:ext uri="{FF2B5EF4-FFF2-40B4-BE49-F238E27FC236}">
-                <a16:creationId xmlns:a16="http://schemas.microsoft.com/office/drawing/2014/main" id="{DF2D4736-2F25-EC5F-6750-479235D67234}"/>
-              </a:ext>
-            </a:extLst>
-          </p:cNvPr>
-          <p:cNvSpPr txBox="1">
-            <a:spLocks/>
-          </p:cNvSpPr>
-          <p:nvPr/>
-        </p:nvSpPr>
-        <p:spPr>
-          <a:xfrm>
-            <a:off x="1891730" y="2475450"/>
-            <a:ext cx="2372400" cy="740700"/>
-          </a:xfrm>
-          <a:prstGeom prst="rect">
-            <a:avLst/>
-          </a:prstGeom>
-          <a:noFill/>
-          <a:ln>
-            <a:noFill/>
-          </a:ln>
-        </p:spPr>
-        <p:txBody>
-          <a:bodyPr spcFirstLastPara="1" wrap="square" lIns="91425" tIns="91425" rIns="91425" bIns="91425" anchor="b" anchorCtr="0">
-            <a:noAutofit/>
-          </a:bodyPr>
-          <a:lstStyle>
-            <a:defPPr marR="0" lvl="0" algn="l" rtl="0">
-              <a:lnSpc>
-                <a:spcPct val="100000"/>
-              </a:lnSpc>
-              <a:spcBef>
-                <a:spcPts val="0"/>
-              </a:spcBef>
-              <a:spcAft>
-                <a:spcPts val="0"/>
-              </a:spcAft>
-            </a:defPPr>
-            <a:lvl1pPr marL="457200" marR="0" lvl="0" indent="-304800" algn="ctr" rtl="0">
-              <a:lnSpc>
-                <a:spcPct val="100000"/>
-              </a:lnSpc>
-              <a:spcBef>
-                <a:spcPts val="0"/>
-              </a:spcBef>
-              <a:spcAft>
-                <a:spcPts val="0"/>
-              </a:spcAft>
-              <a:buClr>
-                <a:schemeClr val="dk1"/>
-              </a:buClr>
-              <a:buSzPts val="2400"/>
-              <a:buFont typeface="Michroma"/>
-              <a:buNone/>
-              <a:defRPr sz="1800" b="0" i="0" u="none" strike="noStrike" cap="none">
-                <a:solidFill>
-                  <a:schemeClr val="dk1"/>
-                </a:solidFill>
-                <a:latin typeface="Michroma"/>
-                <a:ea typeface="Michroma"/>
-                <a:cs typeface="Michroma"/>
-                <a:sym typeface="Michroma"/>
-              </a:defRPr>
-            </a:lvl1pPr>
-            <a:lvl2pPr marL="914400" marR="0" lvl="1" indent="-304800" algn="ctr" rtl="0">
-              <a:lnSpc>
-                <a:spcPct val="100000"/>
-              </a:lnSpc>
-              <a:spcBef>
-                <a:spcPts val="0"/>
-              </a:spcBef>
-              <a:spcAft>
-                <a:spcPts val="0"/>
-              </a:spcAft>
-              <a:buClr>
-                <a:schemeClr val="dk1"/>
-              </a:buClr>
-              <a:buSzPts val="2400"/>
-              <a:buFont typeface="Michroma"/>
-              <a:buNone/>
-              <a:defRPr sz="2400" b="0" i="0" u="none" strike="noStrike" cap="none">
-                <a:solidFill>
-                  <a:schemeClr val="dk1"/>
-                </a:solidFill>
-                <a:latin typeface="Michroma"/>
-                <a:ea typeface="Michroma"/>
-                <a:cs typeface="Michroma"/>
-                <a:sym typeface="Michroma"/>
-              </a:defRPr>
-            </a:lvl2pPr>
-            <a:lvl3pPr marL="1371600" marR="0" lvl="2" indent="-304800" algn="ctr" rtl="0">
-              <a:lnSpc>
-                <a:spcPct val="100000"/>
-              </a:lnSpc>
-              <a:spcBef>
-                <a:spcPts val="0"/>
-              </a:spcBef>
-              <a:spcAft>
-                <a:spcPts val="0"/>
-              </a:spcAft>
-              <a:buClr>
-                <a:schemeClr val="dk1"/>
-              </a:buClr>
-              <a:buSzPts val="2400"/>
-              <a:buFont typeface="Michroma"/>
-              <a:buNone/>
-              <a:defRPr sz="2400" b="0" i="0" u="none" strike="noStrike" cap="none">
-                <a:solidFill>
-                  <a:schemeClr val="dk1"/>
-                </a:solidFill>
-                <a:latin typeface="Michroma"/>
-                <a:ea typeface="Michroma"/>
-                <a:cs typeface="Michroma"/>
-                <a:sym typeface="Michroma"/>
-              </a:defRPr>
-            </a:lvl3pPr>
-            <a:lvl4pPr marL="1828800" marR="0" lvl="3" indent="-304800" algn="ctr" rtl="0">
-              <a:lnSpc>
-                <a:spcPct val="100000"/>
-              </a:lnSpc>
-              <a:spcBef>
-                <a:spcPts val="0"/>
-              </a:spcBef>
-              <a:spcAft>
-                <a:spcPts val="0"/>
-              </a:spcAft>
-              <a:buClr>
-                <a:schemeClr val="dk1"/>
-              </a:buClr>
-              <a:buSzPts val="2400"/>
-              <a:buFont typeface="Michroma"/>
-              <a:buNone/>
-              <a:defRPr sz="2400" b="0" i="0" u="none" strike="noStrike" cap="none">
-                <a:solidFill>
-                  <a:schemeClr val="dk1"/>
-                </a:solidFill>
-                <a:latin typeface="Michroma"/>
-                <a:ea typeface="Michroma"/>
-                <a:cs typeface="Michroma"/>
-                <a:sym typeface="Michroma"/>
-              </a:defRPr>
-            </a:lvl4pPr>
-            <a:lvl5pPr marL="2286000" marR="0" lvl="4" indent="-304800" algn="ctr" rtl="0">
-              <a:lnSpc>
-                <a:spcPct val="100000"/>
-              </a:lnSpc>
-              <a:spcBef>
-                <a:spcPts val="0"/>
-              </a:spcBef>
-              <a:spcAft>
-                <a:spcPts val="0"/>
-              </a:spcAft>
-              <a:buClr>
-                <a:schemeClr val="dk1"/>
-              </a:buClr>
-              <a:buSzPts val="2400"/>
-              <a:buFont typeface="Michroma"/>
-              <a:buNone/>
-              <a:defRPr sz="2400" b="0" i="0" u="none" strike="noStrike" cap="none">
-                <a:solidFill>
-                  <a:schemeClr val="dk1"/>
-                </a:solidFill>
-                <a:latin typeface="Michroma"/>
-                <a:ea typeface="Michroma"/>
-                <a:cs typeface="Michroma"/>
-                <a:sym typeface="Michroma"/>
-              </a:defRPr>
-            </a:lvl5pPr>
-            <a:lvl6pPr marL="2743200" marR="0" lvl="5" indent="-304800" algn="ctr" rtl="0">
-              <a:lnSpc>
-                <a:spcPct val="100000"/>
-              </a:lnSpc>
-              <a:spcBef>
-                <a:spcPts val="0"/>
-              </a:spcBef>
-              <a:spcAft>
-                <a:spcPts val="0"/>
-              </a:spcAft>
-              <a:buClr>
-                <a:schemeClr val="dk1"/>
-              </a:buClr>
-              <a:buSzPts val="2400"/>
-              <a:buFont typeface="Michroma"/>
-              <a:buNone/>
-              <a:defRPr sz="2400" b="0" i="0" u="none" strike="noStrike" cap="none">
-                <a:solidFill>
-                  <a:schemeClr val="dk1"/>
-                </a:solidFill>
-                <a:latin typeface="Michroma"/>
-                <a:ea typeface="Michroma"/>
-                <a:cs typeface="Michroma"/>
-                <a:sym typeface="Michroma"/>
-              </a:defRPr>
-            </a:lvl6pPr>
-            <a:lvl7pPr marL="3200400" marR="0" lvl="6" indent="-304800" algn="ctr" rtl="0">
-              <a:lnSpc>
-                <a:spcPct val="100000"/>
-              </a:lnSpc>
-              <a:spcBef>
-                <a:spcPts val="0"/>
-              </a:spcBef>
-              <a:spcAft>
-                <a:spcPts val="0"/>
-              </a:spcAft>
-              <a:buClr>
-                <a:schemeClr val="dk1"/>
-              </a:buClr>
-              <a:buSzPts val="2400"/>
-              <a:buFont typeface="Michroma"/>
-              <a:buNone/>
-              <a:defRPr sz="2400" b="0" i="0" u="none" strike="noStrike" cap="none">
-                <a:solidFill>
-                  <a:schemeClr val="dk1"/>
-                </a:solidFill>
-                <a:latin typeface="Michroma"/>
-                <a:ea typeface="Michroma"/>
-                <a:cs typeface="Michroma"/>
-                <a:sym typeface="Michroma"/>
-              </a:defRPr>
-            </a:lvl7pPr>
-            <a:lvl8pPr marL="3657600" marR="0" lvl="7" indent="-304800" algn="ctr" rtl="0">
-              <a:lnSpc>
-                <a:spcPct val="100000"/>
-              </a:lnSpc>
-              <a:spcBef>
-                <a:spcPts val="0"/>
-              </a:spcBef>
-              <a:spcAft>
-                <a:spcPts val="0"/>
-              </a:spcAft>
-              <a:buClr>
-                <a:schemeClr val="dk1"/>
-              </a:buClr>
-              <a:buSzPts val="2400"/>
-              <a:buFont typeface="Michroma"/>
-              <a:buNone/>
-              <a:defRPr sz="2400" b="0" i="0" u="none" strike="noStrike" cap="none">
-                <a:solidFill>
-                  <a:schemeClr val="dk1"/>
-                </a:solidFill>
-                <a:latin typeface="Michroma"/>
-                <a:ea typeface="Michroma"/>
-                <a:cs typeface="Michroma"/>
-                <a:sym typeface="Michroma"/>
-              </a:defRPr>
-            </a:lvl8pPr>
-            <a:lvl9pPr marL="4114800" marR="0" lvl="8" indent="-304800" algn="ctr" rtl="0">
-              <a:lnSpc>
-                <a:spcPct val="100000"/>
-              </a:lnSpc>
-              <a:spcBef>
-                <a:spcPts val="0"/>
-              </a:spcBef>
-              <a:spcAft>
-                <a:spcPts val="0"/>
-              </a:spcAft>
-              <a:buClr>
-                <a:schemeClr val="dk1"/>
-              </a:buClr>
-              <a:buSzPts val="2400"/>
-              <a:buFont typeface="Michroma"/>
-              <a:buNone/>
-              <a:defRPr sz="2400" b="0" i="0" u="none" strike="noStrike" cap="none">
-                <a:solidFill>
-                  <a:schemeClr val="dk1"/>
-                </a:solidFill>
-                <a:latin typeface="Michroma"/>
-                <a:ea typeface="Michroma"/>
-                <a:cs typeface="Michroma"/>
-                <a:sym typeface="Michroma"/>
-              </a:defRPr>
-            </a:lvl9pPr>
-          </a:lstStyle>
-          <a:p>
-            <a:endParaRPr lang="pt-BR"/>
-          </a:p>
-        </p:txBody>
-      </p:sp>
-      <p:sp>
-        <p:nvSpPr>
-          <p:cNvPr id="3" name="Google Shape;681;p36">
-            <a:extLst>
-              <a:ext uri="{FF2B5EF4-FFF2-40B4-BE49-F238E27FC236}">
-                <a16:creationId xmlns:a16="http://schemas.microsoft.com/office/drawing/2014/main" id="{FB2A16DB-200C-6085-9CAB-5B3D606A651B}"/>
-              </a:ext>
-            </a:extLst>
-          </p:cNvPr>
-          <p:cNvSpPr txBox="1">
-            <a:spLocks/>
-          </p:cNvSpPr>
-          <p:nvPr/>
-        </p:nvSpPr>
-        <p:spPr>
-          <a:xfrm>
-            <a:off x="5681417" y="2105955"/>
-            <a:ext cx="3141705" cy="1655679"/>
-          </a:xfrm>
-          <a:prstGeom prst="rect">
-            <a:avLst/>
-          </a:prstGeom>
-          <a:noFill/>
-          <a:ln>
-            <a:noFill/>
-          </a:ln>
-        </p:spPr>
-        <p:txBody>
-          <a:bodyPr spcFirstLastPara="1" wrap="square" lIns="91425" tIns="91425" rIns="91425" bIns="91425" anchor="t" anchorCtr="0">
-            <a:noAutofit/>
-          </a:bodyPr>
-          <a:lstStyle>
-            <a:defPPr marR="0" lvl="0" algn="l" rtl="0">
-              <a:lnSpc>
-                <a:spcPct val="100000"/>
-              </a:lnSpc>
-              <a:spcBef>
-                <a:spcPts val="0"/>
-              </a:spcBef>
-              <a:spcAft>
-                <a:spcPts val="0"/>
-              </a:spcAft>
-            </a:defPPr>
-            <a:lvl1pPr marL="457200" marR="0" lvl="0" indent="-304800" algn="ctr" rtl="0">
-              <a:lnSpc>
-                <a:spcPct val="100000"/>
-              </a:lnSpc>
-              <a:spcBef>
-                <a:spcPts val="0"/>
-              </a:spcBef>
-              <a:spcAft>
-                <a:spcPts val="0"/>
-              </a:spcAft>
-              <a:buClr>
-                <a:schemeClr val="dk1"/>
-              </a:buClr>
-              <a:buSzPts val="1200"/>
-              <a:buFont typeface="Space Grotesk"/>
-              <a:buNone/>
-              <a:defRPr sz="1200" b="0" i="0" u="none" strike="noStrike" cap="none">
-                <a:solidFill>
-                  <a:schemeClr val="dk1"/>
-                </a:solidFill>
-                <a:latin typeface="Space Grotesk"/>
-                <a:ea typeface="Space Grotesk"/>
-                <a:cs typeface="Space Grotesk"/>
-                <a:sym typeface="Space Grotesk"/>
-              </a:defRPr>
-            </a:lvl1pPr>
-            <a:lvl2pPr marL="914400" marR="0" lvl="1" indent="-304800" algn="ctr" rtl="0">
-              <a:lnSpc>
-                <a:spcPct val="100000"/>
-              </a:lnSpc>
-              <a:spcBef>
-                <a:spcPts val="0"/>
-              </a:spcBef>
-              <a:spcAft>
-                <a:spcPts val="0"/>
-              </a:spcAft>
-              <a:buClr>
-                <a:schemeClr val="dk1"/>
-              </a:buClr>
-              <a:buSzPts val="1200"/>
-              <a:buFont typeface="Space Grotesk"/>
-              <a:buNone/>
-              <a:defRPr sz="1200" b="0" i="0" u="none" strike="noStrike" cap="none">
-                <a:solidFill>
-                  <a:schemeClr val="dk1"/>
-                </a:solidFill>
-                <a:latin typeface="Space Grotesk"/>
-                <a:ea typeface="Space Grotesk"/>
-                <a:cs typeface="Space Grotesk"/>
-                <a:sym typeface="Space Grotesk"/>
-              </a:defRPr>
-            </a:lvl2pPr>
-            <a:lvl3pPr marL="1371600" marR="0" lvl="2" indent="-304800" algn="ctr" rtl="0">
-              <a:lnSpc>
-                <a:spcPct val="100000"/>
-              </a:lnSpc>
-              <a:spcBef>
-                <a:spcPts val="0"/>
-              </a:spcBef>
-              <a:spcAft>
-                <a:spcPts val="0"/>
-              </a:spcAft>
-              <a:buClr>
-                <a:schemeClr val="dk1"/>
-              </a:buClr>
-              <a:buSzPts val="1200"/>
-              <a:buFont typeface="Space Grotesk"/>
-              <a:buNone/>
-              <a:defRPr sz="1200" b="0" i="0" u="none" strike="noStrike" cap="none">
-                <a:solidFill>
-                  <a:schemeClr val="dk1"/>
-                </a:solidFill>
-                <a:latin typeface="Space Grotesk"/>
-                <a:ea typeface="Space Grotesk"/>
-                <a:cs typeface="Space Grotesk"/>
-                <a:sym typeface="Space Grotesk"/>
-              </a:defRPr>
-            </a:lvl3pPr>
-            <a:lvl4pPr marL="1828800" marR="0" lvl="3" indent="-304800" algn="ctr" rtl="0">
-              <a:lnSpc>
-                <a:spcPct val="100000"/>
-              </a:lnSpc>
-              <a:spcBef>
-                <a:spcPts val="0"/>
-              </a:spcBef>
-              <a:spcAft>
-                <a:spcPts val="0"/>
-              </a:spcAft>
-              <a:buClr>
-                <a:schemeClr val="dk1"/>
-              </a:buClr>
-              <a:buSzPts val="1200"/>
-              <a:buFont typeface="Space Grotesk"/>
-              <a:buNone/>
-              <a:defRPr sz="1200" b="0" i="0" u="none" strike="noStrike" cap="none">
-                <a:solidFill>
-                  <a:schemeClr val="dk1"/>
-                </a:solidFill>
-                <a:latin typeface="Space Grotesk"/>
-                <a:ea typeface="Space Grotesk"/>
-                <a:cs typeface="Space Grotesk"/>
-                <a:sym typeface="Space Grotesk"/>
-              </a:defRPr>
-            </a:lvl4pPr>
-            <a:lvl5pPr marL="2286000" marR="0" lvl="4" indent="-304800" algn="ctr" rtl="0">
-              <a:lnSpc>
-                <a:spcPct val="100000"/>
-              </a:lnSpc>
-              <a:spcBef>
-                <a:spcPts val="0"/>
-              </a:spcBef>
-              <a:spcAft>
-                <a:spcPts val="0"/>
-              </a:spcAft>
-              <a:buClr>
-                <a:schemeClr val="dk1"/>
-              </a:buClr>
-              <a:buSzPts val="1200"/>
-              <a:buFont typeface="Space Grotesk"/>
-              <a:buNone/>
-              <a:defRPr sz="1200" b="0" i="0" u="none" strike="noStrike" cap="none">
-                <a:solidFill>
-                  <a:schemeClr val="dk1"/>
-                </a:solidFill>
-                <a:latin typeface="Space Grotesk"/>
-                <a:ea typeface="Space Grotesk"/>
-                <a:cs typeface="Space Grotesk"/>
-                <a:sym typeface="Space Grotesk"/>
-              </a:defRPr>
-            </a:lvl5pPr>
-            <a:lvl6pPr marL="2743200" marR="0" lvl="5" indent="-304800" algn="ctr" rtl="0">
-              <a:lnSpc>
-                <a:spcPct val="100000"/>
-              </a:lnSpc>
-              <a:spcBef>
-                <a:spcPts val="0"/>
-              </a:spcBef>
-              <a:spcAft>
-                <a:spcPts val="0"/>
-              </a:spcAft>
-              <a:buClr>
-                <a:schemeClr val="dk1"/>
-              </a:buClr>
-              <a:buSzPts val="1200"/>
-              <a:buFont typeface="Space Grotesk"/>
-              <a:buNone/>
-              <a:defRPr sz="1200" b="0" i="0" u="none" strike="noStrike" cap="none">
-                <a:solidFill>
-                  <a:schemeClr val="dk1"/>
-                </a:solidFill>
-                <a:latin typeface="Space Grotesk"/>
-                <a:ea typeface="Space Grotesk"/>
-                <a:cs typeface="Space Grotesk"/>
-                <a:sym typeface="Space Grotesk"/>
-              </a:defRPr>
-            </a:lvl6pPr>
-            <a:lvl7pPr marL="3200400" marR="0" lvl="6" indent="-304800" algn="ctr" rtl="0">
-              <a:lnSpc>
-                <a:spcPct val="100000"/>
-              </a:lnSpc>
-              <a:spcBef>
-                <a:spcPts val="0"/>
-              </a:spcBef>
-              <a:spcAft>
-                <a:spcPts val="0"/>
-              </a:spcAft>
-              <a:buClr>
-                <a:schemeClr val="dk1"/>
-              </a:buClr>
-              <a:buSzPts val="1200"/>
-              <a:buFont typeface="Space Grotesk"/>
-              <a:buNone/>
-              <a:defRPr sz="1200" b="0" i="0" u="none" strike="noStrike" cap="none">
-                <a:solidFill>
-                  <a:schemeClr val="dk1"/>
-                </a:solidFill>
-                <a:latin typeface="Space Grotesk"/>
-                <a:ea typeface="Space Grotesk"/>
-                <a:cs typeface="Space Grotesk"/>
-                <a:sym typeface="Space Grotesk"/>
-              </a:defRPr>
-            </a:lvl7pPr>
-            <a:lvl8pPr marL="3657600" marR="0" lvl="7" indent="-304800" algn="ctr" rtl="0">
-              <a:lnSpc>
-                <a:spcPct val="100000"/>
-              </a:lnSpc>
-              <a:spcBef>
-                <a:spcPts val="0"/>
-              </a:spcBef>
-              <a:spcAft>
-                <a:spcPts val="0"/>
-              </a:spcAft>
-              <a:buClr>
-                <a:schemeClr val="dk1"/>
-              </a:buClr>
-              <a:buSzPts val="1200"/>
-              <a:buFont typeface="Space Grotesk"/>
-              <a:buNone/>
-              <a:defRPr sz="1200" b="0" i="0" u="none" strike="noStrike" cap="none">
-                <a:solidFill>
-                  <a:schemeClr val="dk1"/>
-                </a:solidFill>
-                <a:latin typeface="Space Grotesk"/>
-                <a:ea typeface="Space Grotesk"/>
-                <a:cs typeface="Space Grotesk"/>
-                <a:sym typeface="Space Grotesk"/>
-              </a:defRPr>
-            </a:lvl8pPr>
-            <a:lvl9pPr marL="4114800" marR="0" lvl="8" indent="-304800" algn="ctr" rtl="0">
-              <a:lnSpc>
-                <a:spcPct val="100000"/>
-              </a:lnSpc>
-              <a:spcBef>
-                <a:spcPts val="0"/>
-              </a:spcBef>
-              <a:spcAft>
-                <a:spcPts val="0"/>
-              </a:spcAft>
-              <a:buClr>
-                <a:schemeClr val="dk1"/>
-              </a:buClr>
-              <a:buSzPts val="1200"/>
-              <a:buFont typeface="Space Grotesk"/>
-              <a:buNone/>
-              <a:defRPr sz="1200" b="0" i="0" u="none" strike="noStrike" cap="none">
-                <a:solidFill>
-                  <a:schemeClr val="dk1"/>
-                </a:solidFill>
-                <a:latin typeface="Space Grotesk"/>
-                <a:ea typeface="Space Grotesk"/>
-                <a:cs typeface="Space Grotesk"/>
-                <a:sym typeface="Space Grotesk"/>
-              </a:defRPr>
-            </a:lvl9pPr>
-          </a:lstStyle>
-          <a:p>
-            <a:pPr marL="285750" indent="-285750" algn="l">
-              <a:buFont typeface="Arial" panose="020B0604020202020204" pitchFamily="34" charset="0"/>
-              <a:buChar char="•"/>
-            </a:pPr>
-            <a:r>
-              <a:rPr lang="pt-BR" sz="1600" dirty="0">
-                <a:latin typeface="+mj-lt"/>
-              </a:rPr>
-              <a:t>Criação de gráfico com </a:t>
-            </a:r>
-            <a:r>
-              <a:rPr lang="pt-BR" sz="1600" b="1" dirty="0" err="1">
-                <a:latin typeface="+mj-lt"/>
-              </a:rPr>
-              <a:t>matplotlib</a:t>
-            </a:r>
-            <a:r>
-              <a:rPr lang="pt-BR" sz="1600" dirty="0">
-                <a:latin typeface="+mj-lt"/>
-              </a:rPr>
-              <a:t> traduz o desbalanceamento de transações fraudulentas</a:t>
-            </a:r>
-          </a:p>
-        </p:txBody>
-      </p:sp>
-      <p:pic>
-        <p:nvPicPr>
-          <p:cNvPr id="4" name="Imagem 3" descr="Gráfico, Gráfico de barras&#10;&#10;O conteúdo gerado por IA pode estar incorreto.">
-            <a:extLst>
-              <a:ext uri="{FF2B5EF4-FFF2-40B4-BE49-F238E27FC236}">
-                <a16:creationId xmlns:a16="http://schemas.microsoft.com/office/drawing/2014/main" id="{E931EFF9-D9BE-96F8-8938-6C7DCCA7BF29}"/>
-              </a:ext>
-            </a:extLst>
-          </p:cNvPr>
-          <p:cNvPicPr>
-            <a:picLocks noChangeAspect="1"/>
-          </p:cNvPicPr>
-          <p:nvPr/>
-        </p:nvPicPr>
-        <p:blipFill>
-          <a:blip r:embed="rId3"/>
-          <a:stretch>
-            <a:fillRect/>
-          </a:stretch>
-        </p:blipFill>
-        <p:spPr>
-          <a:xfrm>
-            <a:off x="720000" y="1152727"/>
-            <a:ext cx="4666797" cy="3840655"/>
-          </a:xfrm>
-          <a:prstGeom prst="rect">
-            <a:avLst/>
-          </a:prstGeom>
-          <a:effectLst>
-            <a:outerShdw blurRad="63500" sx="102000" sy="102000" algn="ctr" rotWithShape="0">
-              <a:prstClr val="black">
-                <a:alpha val="40000"/>
-              </a:prstClr>
-            </a:outerShdw>
-          </a:effectLst>
-        </p:spPr>
-      </p:pic>
-    </p:spTree>
-    <p:extLst>
-      <p:ext uri="{BB962C8B-B14F-4D97-AF65-F5344CB8AC3E}">
-        <p14:creationId xmlns:p14="http://schemas.microsoft.com/office/powerpoint/2010/main" val="1556373821"/>
-      </p:ext>
-    </p:extLst>
-  </p:cSld>
-  <p:clrMapOvr>
-    <a:masterClrMapping/>
-  </p:clrMapOvr>
-</p:sld>
-</file>
-
-<file path=ppt/slides/slide11.xml><?xml version="1.0" encoding="utf-8"?>
-<p:sld xmlns:a="http://schemas.openxmlformats.org/drawingml/2006/main" xmlns:r="http://schemas.openxmlformats.org/officeDocument/2006/relationships" xmlns:p="http://schemas.openxmlformats.org/presentationml/2006/main">
-  <p:cSld>
-    <p:spTree>
-      <p:nvGrpSpPr>
-        <p:cNvPr id="1" name="Shape 671">
-          <a:extLst>
-            <a:ext uri="{FF2B5EF4-FFF2-40B4-BE49-F238E27FC236}">
               <a16:creationId xmlns:a16="http://schemas.microsoft.com/office/drawing/2014/main" id="{E6C1BC04-533D-1CB0-3612-48A26C7AFA41}"/>
             </a:ext>
           </a:extLst>
@@ -25529,19 +24562,31 @@
               <a:rPr lang="pt-BR" sz="1600" dirty="0">
                 <a:latin typeface="+mj-lt"/>
               </a:rPr>
-              <a:t>Utilizamos o SMOTE (</a:t>
+              <a:t>Utilizamos o </a:t>
             </a:r>
             <a:r>
-              <a:rPr lang="pt-BR" sz="1600" dirty="0" err="1">
+              <a:rPr lang="pt-BR" sz="1600" b="1" dirty="0">
+                <a:latin typeface="+mj-lt"/>
+              </a:rPr>
+              <a:t>SMOTE (</a:t>
+            </a:r>
+            <a:r>
+              <a:rPr lang="pt-BR" sz="1600" b="1" dirty="0" err="1">
                 <a:latin typeface="+mj-lt"/>
               </a:rPr>
               <a:t>imblearn</a:t>
             </a:r>
             <a:r>
+              <a:rPr lang="pt-BR" sz="1600" b="1" dirty="0">
+                <a:latin typeface="+mj-lt"/>
+              </a:rPr>
+              <a:t>) </a:t>
+            </a:r>
+            <a:r>
               <a:rPr lang="pt-BR" sz="1600" dirty="0">
                 <a:latin typeface="+mj-lt"/>
               </a:rPr>
-              <a:t>) que cria amostras sintéticas da classe minoritária (fraudes) para maior equilíbrio </a:t>
+              <a:t>que cria amostras sintéticas da classe minoritária (fraudes) para maior equilíbrio </a:t>
             </a:r>
           </a:p>
         </p:txBody>
@@ -25596,7 +24641,7 @@
 </p:sld>
 </file>
 
-<file path=ppt/slides/slide12.xml><?xml version="1.0" encoding="utf-8"?>
+<file path=ppt/slides/slide11.xml><?xml version="1.0" encoding="utf-8"?>
 <p:sld xmlns:a="http://schemas.openxmlformats.org/drawingml/2006/main" xmlns:r="http://schemas.openxmlformats.org/officeDocument/2006/relationships" xmlns:p="http://schemas.openxmlformats.org/presentationml/2006/main">
   <p:cSld>
     <p:spTree>
@@ -25637,7 +24682,7 @@
         </p:nvSpPr>
         <p:spPr>
           <a:xfrm>
-            <a:off x="720000" y="230396"/>
+            <a:off x="720000" y="205796"/>
             <a:ext cx="7704000" cy="572700"/>
           </a:xfrm>
           <a:prstGeom prst="rect">
@@ -26264,7 +25309,7 @@
         </p:blipFill>
         <p:spPr>
           <a:xfrm>
-            <a:off x="720000" y="1010786"/>
+            <a:off x="720000" y="914536"/>
             <a:ext cx="4766400" cy="3998568"/>
           </a:xfrm>
           <a:prstGeom prst="rect">
@@ -26292,7 +25337,7 @@
 </p:sld>
 </file>
 
-<file path=ppt/slides/slide13.xml><?xml version="1.0" encoding="utf-8"?>
+<file path=ppt/slides/slide12.xml><?xml version="1.0" encoding="utf-8"?>
 <p:sld xmlns:a="http://schemas.openxmlformats.org/drawingml/2006/main" xmlns:r="http://schemas.openxmlformats.org/officeDocument/2006/relationships" xmlns:p="http://schemas.openxmlformats.org/presentationml/2006/main">
   <p:cSld>
     <p:spTree>
@@ -27027,7 +26072,7 @@
 </p:sld>
 </file>
 
-<file path=ppt/slides/slide14.xml><?xml version="1.0" encoding="utf-8"?>
+<file path=ppt/slides/slide13.xml><?xml version="1.0" encoding="utf-8"?>
 <p:sld xmlns:a="http://schemas.openxmlformats.org/drawingml/2006/main" xmlns:r="http://schemas.openxmlformats.org/officeDocument/2006/relationships" xmlns:p="http://schemas.openxmlformats.org/presentationml/2006/main">
   <p:cSld>
     <p:spTree>
@@ -27720,7 +26765,7 @@
 </p:sld>
 </file>
 
-<file path=ppt/slides/slide15.xml><?xml version="1.0" encoding="utf-8"?>
+<file path=ppt/slides/slide14.xml><?xml version="1.0" encoding="utf-8"?>
 <p:sld xmlns:a="http://schemas.openxmlformats.org/drawingml/2006/main" xmlns:r="http://schemas.openxmlformats.org/officeDocument/2006/relationships" xmlns:p="http://schemas.openxmlformats.org/presentationml/2006/main">
   <p:cSld>
     <p:spTree>
@@ -28740,7 +27785,7 @@
 </p:sld>
 </file>
 
-<file path=ppt/slides/slide16.xml><?xml version="1.0" encoding="utf-8"?>
+<file path=ppt/slides/slide15.xml><?xml version="1.0" encoding="utf-8"?>
 <p:sld xmlns:a="http://schemas.openxmlformats.org/drawingml/2006/main" xmlns:r="http://schemas.openxmlformats.org/officeDocument/2006/relationships" xmlns:p="http://schemas.openxmlformats.org/presentationml/2006/main">
   <p:cSld>
     <p:spTree>
@@ -29505,7 +28550,7 @@
 </p:sld>
 </file>
 
-<file path=ppt/slides/slide17.xml><?xml version="1.0" encoding="utf-8"?>
+<file path=ppt/slides/slide16.xml><?xml version="1.0" encoding="utf-8"?>
 <p:sld xmlns:a="http://schemas.openxmlformats.org/drawingml/2006/main" xmlns:r="http://schemas.openxmlformats.org/officeDocument/2006/relationships" xmlns:p="http://schemas.openxmlformats.org/presentationml/2006/main">
   <p:cSld>
     <p:spTree>
@@ -30241,7 +29286,7 @@
 </p:sld>
 </file>
 
-<file path=ppt/slides/slide18.xml><?xml version="1.0" encoding="utf-8"?>
+<file path=ppt/slides/slide17.xml><?xml version="1.0" encoding="utf-8"?>
 <p:sld xmlns:a="http://schemas.openxmlformats.org/drawingml/2006/main" xmlns:r="http://schemas.openxmlformats.org/officeDocument/2006/relationships" xmlns:p="http://schemas.openxmlformats.org/presentationml/2006/main">
   <p:cSld>
     <p:spTree>
@@ -30994,7 +30039,7 @@
 </p:sld>
 </file>
 
-<file path=ppt/slides/slide19.xml><?xml version="1.0" encoding="utf-8"?>
+<file path=ppt/slides/slide18.xml><?xml version="1.0" encoding="utf-8"?>
 <p:sld xmlns:a="http://schemas.openxmlformats.org/drawingml/2006/main" xmlns:r="http://schemas.openxmlformats.org/officeDocument/2006/relationships" xmlns:p="http://schemas.openxmlformats.org/presentationml/2006/main">
   <p:cSld>
     <p:spTree>
@@ -31744,6 +30789,705 @@
     <p:extLst>
       <p:ext uri="{BB962C8B-B14F-4D97-AF65-F5344CB8AC3E}">
         <p14:creationId xmlns:p14="http://schemas.microsoft.com/office/powerpoint/2010/main" val="3152244354"/>
+      </p:ext>
+    </p:extLst>
+  </p:cSld>
+  <p:clrMapOvr>
+    <a:masterClrMapping/>
+  </p:clrMapOvr>
+</p:sld>
+</file>
+
+<file path=ppt/slides/slide19.xml><?xml version="1.0" encoding="utf-8"?>
+<p:sld xmlns:a="http://schemas.openxmlformats.org/drawingml/2006/main" xmlns:r="http://schemas.openxmlformats.org/officeDocument/2006/relationships" xmlns:p="http://schemas.openxmlformats.org/presentationml/2006/main">
+  <p:cSld>
+    <p:spTree>
+      <p:nvGrpSpPr>
+        <p:cNvPr id="1" name="Shape 671">
+          <a:extLst>
+            <a:ext uri="{FF2B5EF4-FFF2-40B4-BE49-F238E27FC236}">
+              <a16:creationId xmlns:a16="http://schemas.microsoft.com/office/drawing/2014/main" id="{2751D14B-4015-1437-C110-CD78BDAD8C30}"/>
+            </a:ext>
+          </a:extLst>
+        </p:cNvPr>
+        <p:cNvGrpSpPr/>
+        <p:nvPr/>
+      </p:nvGrpSpPr>
+      <p:grpSpPr>
+        <a:xfrm>
+          <a:off x="0" y="0"/>
+          <a:ext cx="0" cy="0"/>
+          <a:chOff x="0" y="0"/>
+          <a:chExt cx="0" cy="0"/>
+        </a:xfrm>
+      </p:grpSpPr>
+      <p:sp>
+        <p:nvSpPr>
+          <p:cNvPr id="672" name="Google Shape;672;p36">
+            <a:extLst>
+              <a:ext uri="{FF2B5EF4-FFF2-40B4-BE49-F238E27FC236}">
+                <a16:creationId xmlns:a16="http://schemas.microsoft.com/office/drawing/2014/main" id="{9A068668-CE1A-9197-9935-C2AAA25A76D1}"/>
+              </a:ext>
+            </a:extLst>
+          </p:cNvPr>
+          <p:cNvSpPr txBox="1">
+            <a:spLocks noGrp="1"/>
+          </p:cNvSpPr>
+          <p:nvPr>
+            <p:ph type="title"/>
+          </p:nvPr>
+        </p:nvSpPr>
+        <p:spPr>
+          <a:xfrm>
+            <a:off x="630192" y="188736"/>
+            <a:ext cx="7704000" cy="572700"/>
+          </a:xfrm>
+          <a:prstGeom prst="rect">
+            <a:avLst/>
+          </a:prstGeom>
+        </p:spPr>
+        <p:txBody>
+          <a:bodyPr spcFirstLastPara="1" wrap="square" lIns="91425" tIns="91425" rIns="91425" bIns="91425" anchor="t" anchorCtr="0">
+            <a:noAutofit/>
+          </a:bodyPr>
+          <a:lstStyle/>
+          <a:p>
+            <a:pPr marL="0" lvl="0" indent="0" algn="ctr" rtl="0">
+              <a:spcBef>
+                <a:spcPts val="0"/>
+              </a:spcBef>
+              <a:spcAft>
+                <a:spcPts val="0"/>
+              </a:spcAft>
+              <a:buNone/>
+            </a:pPr>
+            <a:r>
+              <a:rPr lang="pt-BR" dirty="0"/>
+              <a:t>Rede Neural (MLP)</a:t>
+            </a:r>
+            <a:endParaRPr dirty="0"/>
+          </a:p>
+        </p:txBody>
+      </p:sp>
+      <p:sp>
+        <p:nvSpPr>
+          <p:cNvPr id="23" name="Subtítulo 14">
+            <a:extLst>
+              <a:ext uri="{FF2B5EF4-FFF2-40B4-BE49-F238E27FC236}">
+                <a16:creationId xmlns:a16="http://schemas.microsoft.com/office/drawing/2014/main" id="{3C7B2520-9720-255A-7BC9-CEE360635038}"/>
+              </a:ext>
+            </a:extLst>
+          </p:cNvPr>
+          <p:cNvSpPr txBox="1">
+            <a:spLocks/>
+          </p:cNvSpPr>
+          <p:nvPr/>
+        </p:nvSpPr>
+        <p:spPr>
+          <a:xfrm>
+            <a:off x="1891730" y="2475450"/>
+            <a:ext cx="2372400" cy="740700"/>
+          </a:xfrm>
+          <a:prstGeom prst="rect">
+            <a:avLst/>
+          </a:prstGeom>
+          <a:noFill/>
+          <a:ln>
+            <a:noFill/>
+          </a:ln>
+        </p:spPr>
+        <p:txBody>
+          <a:bodyPr spcFirstLastPara="1" wrap="square" lIns="91425" tIns="91425" rIns="91425" bIns="91425" anchor="b" anchorCtr="0">
+            <a:noAutofit/>
+          </a:bodyPr>
+          <a:lstStyle>
+            <a:defPPr marR="0" lvl="0" algn="l" rtl="0">
+              <a:lnSpc>
+                <a:spcPct val="100000"/>
+              </a:lnSpc>
+              <a:spcBef>
+                <a:spcPts val="0"/>
+              </a:spcBef>
+              <a:spcAft>
+                <a:spcPts val="0"/>
+              </a:spcAft>
+            </a:defPPr>
+            <a:lvl1pPr marL="457200" marR="0" lvl="0" indent="-304800" algn="ctr" rtl="0">
+              <a:lnSpc>
+                <a:spcPct val="100000"/>
+              </a:lnSpc>
+              <a:spcBef>
+                <a:spcPts val="0"/>
+              </a:spcBef>
+              <a:spcAft>
+                <a:spcPts val="0"/>
+              </a:spcAft>
+              <a:buClr>
+                <a:schemeClr val="dk1"/>
+              </a:buClr>
+              <a:buSzPts val="2400"/>
+              <a:buFont typeface="Michroma"/>
+              <a:buNone/>
+              <a:defRPr sz="1800" b="0" i="0" u="none" strike="noStrike" cap="none">
+                <a:solidFill>
+                  <a:schemeClr val="dk1"/>
+                </a:solidFill>
+                <a:latin typeface="Michroma"/>
+                <a:ea typeface="Michroma"/>
+                <a:cs typeface="Michroma"/>
+                <a:sym typeface="Michroma"/>
+              </a:defRPr>
+            </a:lvl1pPr>
+            <a:lvl2pPr marL="914400" marR="0" lvl="1" indent="-304800" algn="ctr" rtl="0">
+              <a:lnSpc>
+                <a:spcPct val="100000"/>
+              </a:lnSpc>
+              <a:spcBef>
+                <a:spcPts val="0"/>
+              </a:spcBef>
+              <a:spcAft>
+                <a:spcPts val="0"/>
+              </a:spcAft>
+              <a:buClr>
+                <a:schemeClr val="dk1"/>
+              </a:buClr>
+              <a:buSzPts val="2400"/>
+              <a:buFont typeface="Michroma"/>
+              <a:buNone/>
+              <a:defRPr sz="2400" b="0" i="0" u="none" strike="noStrike" cap="none">
+                <a:solidFill>
+                  <a:schemeClr val="dk1"/>
+                </a:solidFill>
+                <a:latin typeface="Michroma"/>
+                <a:ea typeface="Michroma"/>
+                <a:cs typeface="Michroma"/>
+                <a:sym typeface="Michroma"/>
+              </a:defRPr>
+            </a:lvl2pPr>
+            <a:lvl3pPr marL="1371600" marR="0" lvl="2" indent="-304800" algn="ctr" rtl="0">
+              <a:lnSpc>
+                <a:spcPct val="100000"/>
+              </a:lnSpc>
+              <a:spcBef>
+                <a:spcPts val="0"/>
+              </a:spcBef>
+              <a:spcAft>
+                <a:spcPts val="0"/>
+              </a:spcAft>
+              <a:buClr>
+                <a:schemeClr val="dk1"/>
+              </a:buClr>
+              <a:buSzPts val="2400"/>
+              <a:buFont typeface="Michroma"/>
+              <a:buNone/>
+              <a:defRPr sz="2400" b="0" i="0" u="none" strike="noStrike" cap="none">
+                <a:solidFill>
+                  <a:schemeClr val="dk1"/>
+                </a:solidFill>
+                <a:latin typeface="Michroma"/>
+                <a:ea typeface="Michroma"/>
+                <a:cs typeface="Michroma"/>
+                <a:sym typeface="Michroma"/>
+              </a:defRPr>
+            </a:lvl3pPr>
+            <a:lvl4pPr marL="1828800" marR="0" lvl="3" indent="-304800" algn="ctr" rtl="0">
+              <a:lnSpc>
+                <a:spcPct val="100000"/>
+              </a:lnSpc>
+              <a:spcBef>
+                <a:spcPts val="0"/>
+              </a:spcBef>
+              <a:spcAft>
+                <a:spcPts val="0"/>
+              </a:spcAft>
+              <a:buClr>
+                <a:schemeClr val="dk1"/>
+              </a:buClr>
+              <a:buSzPts val="2400"/>
+              <a:buFont typeface="Michroma"/>
+              <a:buNone/>
+              <a:defRPr sz="2400" b="0" i="0" u="none" strike="noStrike" cap="none">
+                <a:solidFill>
+                  <a:schemeClr val="dk1"/>
+                </a:solidFill>
+                <a:latin typeface="Michroma"/>
+                <a:ea typeface="Michroma"/>
+                <a:cs typeface="Michroma"/>
+                <a:sym typeface="Michroma"/>
+              </a:defRPr>
+            </a:lvl4pPr>
+            <a:lvl5pPr marL="2286000" marR="0" lvl="4" indent="-304800" algn="ctr" rtl="0">
+              <a:lnSpc>
+                <a:spcPct val="100000"/>
+              </a:lnSpc>
+              <a:spcBef>
+                <a:spcPts val="0"/>
+              </a:spcBef>
+              <a:spcAft>
+                <a:spcPts val="0"/>
+              </a:spcAft>
+              <a:buClr>
+                <a:schemeClr val="dk1"/>
+              </a:buClr>
+              <a:buSzPts val="2400"/>
+              <a:buFont typeface="Michroma"/>
+              <a:buNone/>
+              <a:defRPr sz="2400" b="0" i="0" u="none" strike="noStrike" cap="none">
+                <a:solidFill>
+                  <a:schemeClr val="dk1"/>
+                </a:solidFill>
+                <a:latin typeface="Michroma"/>
+                <a:ea typeface="Michroma"/>
+                <a:cs typeface="Michroma"/>
+                <a:sym typeface="Michroma"/>
+              </a:defRPr>
+            </a:lvl5pPr>
+            <a:lvl6pPr marL="2743200" marR="0" lvl="5" indent="-304800" algn="ctr" rtl="0">
+              <a:lnSpc>
+                <a:spcPct val="100000"/>
+              </a:lnSpc>
+              <a:spcBef>
+                <a:spcPts val="0"/>
+              </a:spcBef>
+              <a:spcAft>
+                <a:spcPts val="0"/>
+              </a:spcAft>
+              <a:buClr>
+                <a:schemeClr val="dk1"/>
+              </a:buClr>
+              <a:buSzPts val="2400"/>
+              <a:buFont typeface="Michroma"/>
+              <a:buNone/>
+              <a:defRPr sz="2400" b="0" i="0" u="none" strike="noStrike" cap="none">
+                <a:solidFill>
+                  <a:schemeClr val="dk1"/>
+                </a:solidFill>
+                <a:latin typeface="Michroma"/>
+                <a:ea typeface="Michroma"/>
+                <a:cs typeface="Michroma"/>
+                <a:sym typeface="Michroma"/>
+              </a:defRPr>
+            </a:lvl6pPr>
+            <a:lvl7pPr marL="3200400" marR="0" lvl="6" indent="-304800" algn="ctr" rtl="0">
+              <a:lnSpc>
+                <a:spcPct val="100000"/>
+              </a:lnSpc>
+              <a:spcBef>
+                <a:spcPts val="0"/>
+              </a:spcBef>
+              <a:spcAft>
+                <a:spcPts val="0"/>
+              </a:spcAft>
+              <a:buClr>
+                <a:schemeClr val="dk1"/>
+              </a:buClr>
+              <a:buSzPts val="2400"/>
+              <a:buFont typeface="Michroma"/>
+              <a:buNone/>
+              <a:defRPr sz="2400" b="0" i="0" u="none" strike="noStrike" cap="none">
+                <a:solidFill>
+                  <a:schemeClr val="dk1"/>
+                </a:solidFill>
+                <a:latin typeface="Michroma"/>
+                <a:ea typeface="Michroma"/>
+                <a:cs typeface="Michroma"/>
+                <a:sym typeface="Michroma"/>
+              </a:defRPr>
+            </a:lvl7pPr>
+            <a:lvl8pPr marL="3657600" marR="0" lvl="7" indent="-304800" algn="ctr" rtl="0">
+              <a:lnSpc>
+                <a:spcPct val="100000"/>
+              </a:lnSpc>
+              <a:spcBef>
+                <a:spcPts val="0"/>
+              </a:spcBef>
+              <a:spcAft>
+                <a:spcPts val="0"/>
+              </a:spcAft>
+              <a:buClr>
+                <a:schemeClr val="dk1"/>
+              </a:buClr>
+              <a:buSzPts val="2400"/>
+              <a:buFont typeface="Michroma"/>
+              <a:buNone/>
+              <a:defRPr sz="2400" b="0" i="0" u="none" strike="noStrike" cap="none">
+                <a:solidFill>
+                  <a:schemeClr val="dk1"/>
+                </a:solidFill>
+                <a:latin typeface="Michroma"/>
+                <a:ea typeface="Michroma"/>
+                <a:cs typeface="Michroma"/>
+                <a:sym typeface="Michroma"/>
+              </a:defRPr>
+            </a:lvl8pPr>
+            <a:lvl9pPr marL="4114800" marR="0" lvl="8" indent="-304800" algn="ctr" rtl="0">
+              <a:lnSpc>
+                <a:spcPct val="100000"/>
+              </a:lnSpc>
+              <a:spcBef>
+                <a:spcPts val="0"/>
+              </a:spcBef>
+              <a:spcAft>
+                <a:spcPts val="0"/>
+              </a:spcAft>
+              <a:buClr>
+                <a:schemeClr val="dk1"/>
+              </a:buClr>
+              <a:buSzPts val="2400"/>
+              <a:buFont typeface="Michroma"/>
+              <a:buNone/>
+              <a:defRPr sz="2400" b="0" i="0" u="none" strike="noStrike" cap="none">
+                <a:solidFill>
+                  <a:schemeClr val="dk1"/>
+                </a:solidFill>
+                <a:latin typeface="Michroma"/>
+                <a:ea typeface="Michroma"/>
+                <a:cs typeface="Michroma"/>
+                <a:sym typeface="Michroma"/>
+              </a:defRPr>
+            </a:lvl9pPr>
+          </a:lstStyle>
+          <a:p>
+            <a:endParaRPr lang="pt-BR"/>
+          </a:p>
+        </p:txBody>
+      </p:sp>
+      <p:sp>
+        <p:nvSpPr>
+          <p:cNvPr id="3" name="Google Shape;681;p36">
+            <a:extLst>
+              <a:ext uri="{FF2B5EF4-FFF2-40B4-BE49-F238E27FC236}">
+                <a16:creationId xmlns:a16="http://schemas.microsoft.com/office/drawing/2014/main" id="{07D92599-B2D6-7710-C29E-A14815CB1DCB}"/>
+              </a:ext>
+            </a:extLst>
+          </p:cNvPr>
+          <p:cNvSpPr txBox="1">
+            <a:spLocks/>
+          </p:cNvSpPr>
+          <p:nvPr/>
+        </p:nvSpPr>
+        <p:spPr>
+          <a:xfrm>
+            <a:off x="6397817" y="1582320"/>
+            <a:ext cx="2640047" cy="862400"/>
+          </a:xfrm>
+          <a:prstGeom prst="rect">
+            <a:avLst/>
+          </a:prstGeom>
+          <a:noFill/>
+          <a:ln>
+            <a:noFill/>
+          </a:ln>
+        </p:spPr>
+        <p:txBody>
+          <a:bodyPr spcFirstLastPara="1" wrap="square" lIns="91425" tIns="91425" rIns="91425" bIns="91425" anchor="t" anchorCtr="0">
+            <a:noAutofit/>
+          </a:bodyPr>
+          <a:lstStyle>
+            <a:defPPr marR="0" lvl="0" algn="l" rtl="0">
+              <a:lnSpc>
+                <a:spcPct val="100000"/>
+              </a:lnSpc>
+              <a:spcBef>
+                <a:spcPts val="0"/>
+              </a:spcBef>
+              <a:spcAft>
+                <a:spcPts val="0"/>
+              </a:spcAft>
+            </a:defPPr>
+            <a:lvl1pPr marL="457200" marR="0" lvl="0" indent="-304800" algn="ctr" rtl="0">
+              <a:lnSpc>
+                <a:spcPct val="100000"/>
+              </a:lnSpc>
+              <a:spcBef>
+                <a:spcPts val="0"/>
+              </a:spcBef>
+              <a:spcAft>
+                <a:spcPts val="0"/>
+              </a:spcAft>
+              <a:buClr>
+                <a:schemeClr val="dk1"/>
+              </a:buClr>
+              <a:buSzPts val="1200"/>
+              <a:buFont typeface="Space Grotesk"/>
+              <a:buNone/>
+              <a:defRPr sz="1200" b="0" i="0" u="none" strike="noStrike" cap="none">
+                <a:solidFill>
+                  <a:schemeClr val="dk1"/>
+                </a:solidFill>
+                <a:latin typeface="Space Grotesk"/>
+                <a:ea typeface="Space Grotesk"/>
+                <a:cs typeface="Space Grotesk"/>
+                <a:sym typeface="Space Grotesk"/>
+              </a:defRPr>
+            </a:lvl1pPr>
+            <a:lvl2pPr marL="914400" marR="0" lvl="1" indent="-304800" algn="ctr" rtl="0">
+              <a:lnSpc>
+                <a:spcPct val="100000"/>
+              </a:lnSpc>
+              <a:spcBef>
+                <a:spcPts val="0"/>
+              </a:spcBef>
+              <a:spcAft>
+                <a:spcPts val="0"/>
+              </a:spcAft>
+              <a:buClr>
+                <a:schemeClr val="dk1"/>
+              </a:buClr>
+              <a:buSzPts val="1200"/>
+              <a:buFont typeface="Space Grotesk"/>
+              <a:buNone/>
+              <a:defRPr sz="1200" b="0" i="0" u="none" strike="noStrike" cap="none">
+                <a:solidFill>
+                  <a:schemeClr val="dk1"/>
+                </a:solidFill>
+                <a:latin typeface="Space Grotesk"/>
+                <a:ea typeface="Space Grotesk"/>
+                <a:cs typeface="Space Grotesk"/>
+                <a:sym typeface="Space Grotesk"/>
+              </a:defRPr>
+            </a:lvl2pPr>
+            <a:lvl3pPr marL="1371600" marR="0" lvl="2" indent="-304800" algn="ctr" rtl="0">
+              <a:lnSpc>
+                <a:spcPct val="100000"/>
+              </a:lnSpc>
+              <a:spcBef>
+                <a:spcPts val="0"/>
+              </a:spcBef>
+              <a:spcAft>
+                <a:spcPts val="0"/>
+              </a:spcAft>
+              <a:buClr>
+                <a:schemeClr val="dk1"/>
+              </a:buClr>
+              <a:buSzPts val="1200"/>
+              <a:buFont typeface="Space Grotesk"/>
+              <a:buNone/>
+              <a:defRPr sz="1200" b="0" i="0" u="none" strike="noStrike" cap="none">
+                <a:solidFill>
+                  <a:schemeClr val="dk1"/>
+                </a:solidFill>
+                <a:latin typeface="Space Grotesk"/>
+                <a:ea typeface="Space Grotesk"/>
+                <a:cs typeface="Space Grotesk"/>
+                <a:sym typeface="Space Grotesk"/>
+              </a:defRPr>
+            </a:lvl3pPr>
+            <a:lvl4pPr marL="1828800" marR="0" lvl="3" indent="-304800" algn="ctr" rtl="0">
+              <a:lnSpc>
+                <a:spcPct val="100000"/>
+              </a:lnSpc>
+              <a:spcBef>
+                <a:spcPts val="0"/>
+              </a:spcBef>
+              <a:spcAft>
+                <a:spcPts val="0"/>
+              </a:spcAft>
+              <a:buClr>
+                <a:schemeClr val="dk1"/>
+              </a:buClr>
+              <a:buSzPts val="1200"/>
+              <a:buFont typeface="Space Grotesk"/>
+              <a:buNone/>
+              <a:defRPr sz="1200" b="0" i="0" u="none" strike="noStrike" cap="none">
+                <a:solidFill>
+                  <a:schemeClr val="dk1"/>
+                </a:solidFill>
+                <a:latin typeface="Space Grotesk"/>
+                <a:ea typeface="Space Grotesk"/>
+                <a:cs typeface="Space Grotesk"/>
+                <a:sym typeface="Space Grotesk"/>
+              </a:defRPr>
+            </a:lvl4pPr>
+            <a:lvl5pPr marL="2286000" marR="0" lvl="4" indent="-304800" algn="ctr" rtl="0">
+              <a:lnSpc>
+                <a:spcPct val="100000"/>
+              </a:lnSpc>
+              <a:spcBef>
+                <a:spcPts val="0"/>
+              </a:spcBef>
+              <a:spcAft>
+                <a:spcPts val="0"/>
+              </a:spcAft>
+              <a:buClr>
+                <a:schemeClr val="dk1"/>
+              </a:buClr>
+              <a:buSzPts val="1200"/>
+              <a:buFont typeface="Space Grotesk"/>
+              <a:buNone/>
+              <a:defRPr sz="1200" b="0" i="0" u="none" strike="noStrike" cap="none">
+                <a:solidFill>
+                  <a:schemeClr val="dk1"/>
+                </a:solidFill>
+                <a:latin typeface="Space Grotesk"/>
+                <a:ea typeface="Space Grotesk"/>
+                <a:cs typeface="Space Grotesk"/>
+                <a:sym typeface="Space Grotesk"/>
+              </a:defRPr>
+            </a:lvl5pPr>
+            <a:lvl6pPr marL="2743200" marR="0" lvl="5" indent="-304800" algn="ctr" rtl="0">
+              <a:lnSpc>
+                <a:spcPct val="100000"/>
+              </a:lnSpc>
+              <a:spcBef>
+                <a:spcPts val="0"/>
+              </a:spcBef>
+              <a:spcAft>
+                <a:spcPts val="0"/>
+              </a:spcAft>
+              <a:buClr>
+                <a:schemeClr val="dk1"/>
+              </a:buClr>
+              <a:buSzPts val="1200"/>
+              <a:buFont typeface="Space Grotesk"/>
+              <a:buNone/>
+              <a:defRPr sz="1200" b="0" i="0" u="none" strike="noStrike" cap="none">
+                <a:solidFill>
+                  <a:schemeClr val="dk1"/>
+                </a:solidFill>
+                <a:latin typeface="Space Grotesk"/>
+                <a:ea typeface="Space Grotesk"/>
+                <a:cs typeface="Space Grotesk"/>
+                <a:sym typeface="Space Grotesk"/>
+              </a:defRPr>
+            </a:lvl6pPr>
+            <a:lvl7pPr marL="3200400" marR="0" lvl="6" indent="-304800" algn="ctr" rtl="0">
+              <a:lnSpc>
+                <a:spcPct val="100000"/>
+              </a:lnSpc>
+              <a:spcBef>
+                <a:spcPts val="0"/>
+              </a:spcBef>
+              <a:spcAft>
+                <a:spcPts val="0"/>
+              </a:spcAft>
+              <a:buClr>
+                <a:schemeClr val="dk1"/>
+              </a:buClr>
+              <a:buSzPts val="1200"/>
+              <a:buFont typeface="Space Grotesk"/>
+              <a:buNone/>
+              <a:defRPr sz="1200" b="0" i="0" u="none" strike="noStrike" cap="none">
+                <a:solidFill>
+                  <a:schemeClr val="dk1"/>
+                </a:solidFill>
+                <a:latin typeface="Space Grotesk"/>
+                <a:ea typeface="Space Grotesk"/>
+                <a:cs typeface="Space Grotesk"/>
+                <a:sym typeface="Space Grotesk"/>
+              </a:defRPr>
+            </a:lvl7pPr>
+            <a:lvl8pPr marL="3657600" marR="0" lvl="7" indent="-304800" algn="ctr" rtl="0">
+              <a:lnSpc>
+                <a:spcPct val="100000"/>
+              </a:lnSpc>
+              <a:spcBef>
+                <a:spcPts val="0"/>
+              </a:spcBef>
+              <a:spcAft>
+                <a:spcPts val="0"/>
+              </a:spcAft>
+              <a:buClr>
+                <a:schemeClr val="dk1"/>
+              </a:buClr>
+              <a:buSzPts val="1200"/>
+              <a:buFont typeface="Space Grotesk"/>
+              <a:buNone/>
+              <a:defRPr sz="1200" b="0" i="0" u="none" strike="noStrike" cap="none">
+                <a:solidFill>
+                  <a:schemeClr val="dk1"/>
+                </a:solidFill>
+                <a:latin typeface="Space Grotesk"/>
+                <a:ea typeface="Space Grotesk"/>
+                <a:cs typeface="Space Grotesk"/>
+                <a:sym typeface="Space Grotesk"/>
+              </a:defRPr>
+            </a:lvl8pPr>
+            <a:lvl9pPr marL="4114800" marR="0" lvl="8" indent="-304800" algn="ctr" rtl="0">
+              <a:lnSpc>
+                <a:spcPct val="100000"/>
+              </a:lnSpc>
+              <a:spcBef>
+                <a:spcPts val="0"/>
+              </a:spcBef>
+              <a:spcAft>
+                <a:spcPts val="0"/>
+              </a:spcAft>
+              <a:buClr>
+                <a:schemeClr val="dk1"/>
+              </a:buClr>
+              <a:buSzPts val="1200"/>
+              <a:buFont typeface="Space Grotesk"/>
+              <a:buNone/>
+              <a:defRPr sz="1200" b="0" i="0" u="none" strike="noStrike" cap="none">
+                <a:solidFill>
+                  <a:schemeClr val="dk1"/>
+                </a:solidFill>
+                <a:latin typeface="Space Grotesk"/>
+                <a:ea typeface="Space Grotesk"/>
+                <a:cs typeface="Space Grotesk"/>
+                <a:sym typeface="Space Grotesk"/>
+              </a:defRPr>
+            </a:lvl9pPr>
+          </a:lstStyle>
+          <a:p>
+            <a:pPr marL="285750" indent="-285750" algn="l">
+              <a:buFont typeface="Arial" panose="020B0604020202020204" pitchFamily="34" charset="0"/>
+              <a:buChar char="•"/>
+            </a:pPr>
+            <a:r>
+              <a:rPr lang="pt-BR" sz="1400" dirty="0">
+                <a:latin typeface="+mj-lt"/>
+              </a:rPr>
+              <a:t>O código utilizado para o MLP cria uma rede neural com duas camadas ocultas: a primeira com 64 neurônios e a segunda com 32.</a:t>
+            </a:r>
+            <a:endParaRPr lang="pt-BR" sz="1400" b="1" dirty="0">
+              <a:latin typeface="+mj-lt"/>
+            </a:endParaRPr>
+          </a:p>
+        </p:txBody>
+      </p:sp>
+      <p:pic>
+        <p:nvPicPr>
+          <p:cNvPr id="2" name="Imagem 1" descr="Interface gráfica do usuário, Texto, Aplicativo&#10;&#10;O conteúdo gerado por IA pode estar incorreto.">
+            <a:extLst>
+              <a:ext uri="{FF2B5EF4-FFF2-40B4-BE49-F238E27FC236}">
+                <a16:creationId xmlns:a16="http://schemas.microsoft.com/office/drawing/2014/main" id="{E2841ADB-46D8-6EBB-16A6-7D8C622455EB}"/>
+              </a:ext>
+            </a:extLst>
+          </p:cNvPr>
+          <p:cNvPicPr>
+            <a:picLocks noChangeAspect="1"/>
+          </p:cNvPicPr>
+          <p:nvPr/>
+        </p:nvPicPr>
+        <p:blipFill>
+          <a:blip r:embed="rId3"/>
+          <a:stretch>
+            <a:fillRect/>
+          </a:stretch>
+        </p:blipFill>
+        <p:spPr>
+          <a:xfrm>
+            <a:off x="228600" y="989806"/>
+            <a:ext cx="6040132" cy="3310843"/>
+          </a:xfrm>
+          <a:prstGeom prst="rect">
+            <a:avLst/>
+          </a:prstGeom>
+          <a:effectLst>
+            <a:outerShdw blurRad="63500" sx="102000" sy="102000" algn="ctr" rotWithShape="0">
+              <a:prstClr val="black">
+                <a:alpha val="40000"/>
+              </a:prstClr>
+            </a:outerShdw>
+          </a:effectLst>
+        </p:spPr>
+      </p:pic>
+    </p:spTree>
+    <p:extLst>
+      <p:ext uri="{BB962C8B-B14F-4D97-AF65-F5344CB8AC3E}">
+        <p14:creationId xmlns:p14="http://schemas.microsoft.com/office/powerpoint/2010/main" val="3367764182"/>
       </p:ext>
     </p:extLst>
   </p:cSld>
@@ -32710,705 +32454,6 @@
         <p:cNvPr id="1" name="Shape 671">
           <a:extLst>
             <a:ext uri="{FF2B5EF4-FFF2-40B4-BE49-F238E27FC236}">
-              <a16:creationId xmlns:a16="http://schemas.microsoft.com/office/drawing/2014/main" id="{2751D14B-4015-1437-C110-CD78BDAD8C30}"/>
-            </a:ext>
-          </a:extLst>
-        </p:cNvPr>
-        <p:cNvGrpSpPr/>
-        <p:nvPr/>
-      </p:nvGrpSpPr>
-      <p:grpSpPr>
-        <a:xfrm>
-          <a:off x="0" y="0"/>
-          <a:ext cx="0" cy="0"/>
-          <a:chOff x="0" y="0"/>
-          <a:chExt cx="0" cy="0"/>
-        </a:xfrm>
-      </p:grpSpPr>
-      <p:sp>
-        <p:nvSpPr>
-          <p:cNvPr id="672" name="Google Shape;672;p36">
-            <a:extLst>
-              <a:ext uri="{FF2B5EF4-FFF2-40B4-BE49-F238E27FC236}">
-                <a16:creationId xmlns:a16="http://schemas.microsoft.com/office/drawing/2014/main" id="{9A068668-CE1A-9197-9935-C2AAA25A76D1}"/>
-              </a:ext>
-            </a:extLst>
-          </p:cNvPr>
-          <p:cNvSpPr txBox="1">
-            <a:spLocks noGrp="1"/>
-          </p:cNvSpPr>
-          <p:nvPr>
-            <p:ph type="title"/>
-          </p:nvPr>
-        </p:nvSpPr>
-        <p:spPr>
-          <a:xfrm>
-            <a:off x="630192" y="188736"/>
-            <a:ext cx="7704000" cy="572700"/>
-          </a:xfrm>
-          <a:prstGeom prst="rect">
-            <a:avLst/>
-          </a:prstGeom>
-        </p:spPr>
-        <p:txBody>
-          <a:bodyPr spcFirstLastPara="1" wrap="square" lIns="91425" tIns="91425" rIns="91425" bIns="91425" anchor="t" anchorCtr="0">
-            <a:noAutofit/>
-          </a:bodyPr>
-          <a:lstStyle/>
-          <a:p>
-            <a:pPr marL="0" lvl="0" indent="0" algn="ctr" rtl="0">
-              <a:spcBef>
-                <a:spcPts val="0"/>
-              </a:spcBef>
-              <a:spcAft>
-                <a:spcPts val="0"/>
-              </a:spcAft>
-              <a:buNone/>
-            </a:pPr>
-            <a:r>
-              <a:rPr lang="pt-BR" dirty="0"/>
-              <a:t>Rede Neural (MLP)</a:t>
-            </a:r>
-            <a:endParaRPr dirty="0"/>
-          </a:p>
-        </p:txBody>
-      </p:sp>
-      <p:sp>
-        <p:nvSpPr>
-          <p:cNvPr id="23" name="Subtítulo 14">
-            <a:extLst>
-              <a:ext uri="{FF2B5EF4-FFF2-40B4-BE49-F238E27FC236}">
-                <a16:creationId xmlns:a16="http://schemas.microsoft.com/office/drawing/2014/main" id="{3C7B2520-9720-255A-7BC9-CEE360635038}"/>
-              </a:ext>
-            </a:extLst>
-          </p:cNvPr>
-          <p:cNvSpPr txBox="1">
-            <a:spLocks/>
-          </p:cNvSpPr>
-          <p:nvPr/>
-        </p:nvSpPr>
-        <p:spPr>
-          <a:xfrm>
-            <a:off x="1891730" y="2475450"/>
-            <a:ext cx="2372400" cy="740700"/>
-          </a:xfrm>
-          <a:prstGeom prst="rect">
-            <a:avLst/>
-          </a:prstGeom>
-          <a:noFill/>
-          <a:ln>
-            <a:noFill/>
-          </a:ln>
-        </p:spPr>
-        <p:txBody>
-          <a:bodyPr spcFirstLastPara="1" wrap="square" lIns="91425" tIns="91425" rIns="91425" bIns="91425" anchor="b" anchorCtr="0">
-            <a:noAutofit/>
-          </a:bodyPr>
-          <a:lstStyle>
-            <a:defPPr marR="0" lvl="0" algn="l" rtl="0">
-              <a:lnSpc>
-                <a:spcPct val="100000"/>
-              </a:lnSpc>
-              <a:spcBef>
-                <a:spcPts val="0"/>
-              </a:spcBef>
-              <a:spcAft>
-                <a:spcPts val="0"/>
-              </a:spcAft>
-            </a:defPPr>
-            <a:lvl1pPr marL="457200" marR="0" lvl="0" indent="-304800" algn="ctr" rtl="0">
-              <a:lnSpc>
-                <a:spcPct val="100000"/>
-              </a:lnSpc>
-              <a:spcBef>
-                <a:spcPts val="0"/>
-              </a:spcBef>
-              <a:spcAft>
-                <a:spcPts val="0"/>
-              </a:spcAft>
-              <a:buClr>
-                <a:schemeClr val="dk1"/>
-              </a:buClr>
-              <a:buSzPts val="2400"/>
-              <a:buFont typeface="Michroma"/>
-              <a:buNone/>
-              <a:defRPr sz="1800" b="0" i="0" u="none" strike="noStrike" cap="none">
-                <a:solidFill>
-                  <a:schemeClr val="dk1"/>
-                </a:solidFill>
-                <a:latin typeface="Michroma"/>
-                <a:ea typeface="Michroma"/>
-                <a:cs typeface="Michroma"/>
-                <a:sym typeface="Michroma"/>
-              </a:defRPr>
-            </a:lvl1pPr>
-            <a:lvl2pPr marL="914400" marR="0" lvl="1" indent="-304800" algn="ctr" rtl="0">
-              <a:lnSpc>
-                <a:spcPct val="100000"/>
-              </a:lnSpc>
-              <a:spcBef>
-                <a:spcPts val="0"/>
-              </a:spcBef>
-              <a:spcAft>
-                <a:spcPts val="0"/>
-              </a:spcAft>
-              <a:buClr>
-                <a:schemeClr val="dk1"/>
-              </a:buClr>
-              <a:buSzPts val="2400"/>
-              <a:buFont typeface="Michroma"/>
-              <a:buNone/>
-              <a:defRPr sz="2400" b="0" i="0" u="none" strike="noStrike" cap="none">
-                <a:solidFill>
-                  <a:schemeClr val="dk1"/>
-                </a:solidFill>
-                <a:latin typeface="Michroma"/>
-                <a:ea typeface="Michroma"/>
-                <a:cs typeface="Michroma"/>
-                <a:sym typeface="Michroma"/>
-              </a:defRPr>
-            </a:lvl2pPr>
-            <a:lvl3pPr marL="1371600" marR="0" lvl="2" indent="-304800" algn="ctr" rtl="0">
-              <a:lnSpc>
-                <a:spcPct val="100000"/>
-              </a:lnSpc>
-              <a:spcBef>
-                <a:spcPts val="0"/>
-              </a:spcBef>
-              <a:spcAft>
-                <a:spcPts val="0"/>
-              </a:spcAft>
-              <a:buClr>
-                <a:schemeClr val="dk1"/>
-              </a:buClr>
-              <a:buSzPts val="2400"/>
-              <a:buFont typeface="Michroma"/>
-              <a:buNone/>
-              <a:defRPr sz="2400" b="0" i="0" u="none" strike="noStrike" cap="none">
-                <a:solidFill>
-                  <a:schemeClr val="dk1"/>
-                </a:solidFill>
-                <a:latin typeface="Michroma"/>
-                <a:ea typeface="Michroma"/>
-                <a:cs typeface="Michroma"/>
-                <a:sym typeface="Michroma"/>
-              </a:defRPr>
-            </a:lvl3pPr>
-            <a:lvl4pPr marL="1828800" marR="0" lvl="3" indent="-304800" algn="ctr" rtl="0">
-              <a:lnSpc>
-                <a:spcPct val="100000"/>
-              </a:lnSpc>
-              <a:spcBef>
-                <a:spcPts val="0"/>
-              </a:spcBef>
-              <a:spcAft>
-                <a:spcPts val="0"/>
-              </a:spcAft>
-              <a:buClr>
-                <a:schemeClr val="dk1"/>
-              </a:buClr>
-              <a:buSzPts val="2400"/>
-              <a:buFont typeface="Michroma"/>
-              <a:buNone/>
-              <a:defRPr sz="2400" b="0" i="0" u="none" strike="noStrike" cap="none">
-                <a:solidFill>
-                  <a:schemeClr val="dk1"/>
-                </a:solidFill>
-                <a:latin typeface="Michroma"/>
-                <a:ea typeface="Michroma"/>
-                <a:cs typeface="Michroma"/>
-                <a:sym typeface="Michroma"/>
-              </a:defRPr>
-            </a:lvl4pPr>
-            <a:lvl5pPr marL="2286000" marR="0" lvl="4" indent="-304800" algn="ctr" rtl="0">
-              <a:lnSpc>
-                <a:spcPct val="100000"/>
-              </a:lnSpc>
-              <a:spcBef>
-                <a:spcPts val="0"/>
-              </a:spcBef>
-              <a:spcAft>
-                <a:spcPts val="0"/>
-              </a:spcAft>
-              <a:buClr>
-                <a:schemeClr val="dk1"/>
-              </a:buClr>
-              <a:buSzPts val="2400"/>
-              <a:buFont typeface="Michroma"/>
-              <a:buNone/>
-              <a:defRPr sz="2400" b="0" i="0" u="none" strike="noStrike" cap="none">
-                <a:solidFill>
-                  <a:schemeClr val="dk1"/>
-                </a:solidFill>
-                <a:latin typeface="Michroma"/>
-                <a:ea typeface="Michroma"/>
-                <a:cs typeface="Michroma"/>
-                <a:sym typeface="Michroma"/>
-              </a:defRPr>
-            </a:lvl5pPr>
-            <a:lvl6pPr marL="2743200" marR="0" lvl="5" indent="-304800" algn="ctr" rtl="0">
-              <a:lnSpc>
-                <a:spcPct val="100000"/>
-              </a:lnSpc>
-              <a:spcBef>
-                <a:spcPts val="0"/>
-              </a:spcBef>
-              <a:spcAft>
-                <a:spcPts val="0"/>
-              </a:spcAft>
-              <a:buClr>
-                <a:schemeClr val="dk1"/>
-              </a:buClr>
-              <a:buSzPts val="2400"/>
-              <a:buFont typeface="Michroma"/>
-              <a:buNone/>
-              <a:defRPr sz="2400" b="0" i="0" u="none" strike="noStrike" cap="none">
-                <a:solidFill>
-                  <a:schemeClr val="dk1"/>
-                </a:solidFill>
-                <a:latin typeface="Michroma"/>
-                <a:ea typeface="Michroma"/>
-                <a:cs typeface="Michroma"/>
-                <a:sym typeface="Michroma"/>
-              </a:defRPr>
-            </a:lvl6pPr>
-            <a:lvl7pPr marL="3200400" marR="0" lvl="6" indent="-304800" algn="ctr" rtl="0">
-              <a:lnSpc>
-                <a:spcPct val="100000"/>
-              </a:lnSpc>
-              <a:spcBef>
-                <a:spcPts val="0"/>
-              </a:spcBef>
-              <a:spcAft>
-                <a:spcPts val="0"/>
-              </a:spcAft>
-              <a:buClr>
-                <a:schemeClr val="dk1"/>
-              </a:buClr>
-              <a:buSzPts val="2400"/>
-              <a:buFont typeface="Michroma"/>
-              <a:buNone/>
-              <a:defRPr sz="2400" b="0" i="0" u="none" strike="noStrike" cap="none">
-                <a:solidFill>
-                  <a:schemeClr val="dk1"/>
-                </a:solidFill>
-                <a:latin typeface="Michroma"/>
-                <a:ea typeface="Michroma"/>
-                <a:cs typeface="Michroma"/>
-                <a:sym typeface="Michroma"/>
-              </a:defRPr>
-            </a:lvl7pPr>
-            <a:lvl8pPr marL="3657600" marR="0" lvl="7" indent="-304800" algn="ctr" rtl="0">
-              <a:lnSpc>
-                <a:spcPct val="100000"/>
-              </a:lnSpc>
-              <a:spcBef>
-                <a:spcPts val="0"/>
-              </a:spcBef>
-              <a:spcAft>
-                <a:spcPts val="0"/>
-              </a:spcAft>
-              <a:buClr>
-                <a:schemeClr val="dk1"/>
-              </a:buClr>
-              <a:buSzPts val="2400"/>
-              <a:buFont typeface="Michroma"/>
-              <a:buNone/>
-              <a:defRPr sz="2400" b="0" i="0" u="none" strike="noStrike" cap="none">
-                <a:solidFill>
-                  <a:schemeClr val="dk1"/>
-                </a:solidFill>
-                <a:latin typeface="Michroma"/>
-                <a:ea typeface="Michroma"/>
-                <a:cs typeface="Michroma"/>
-                <a:sym typeface="Michroma"/>
-              </a:defRPr>
-            </a:lvl8pPr>
-            <a:lvl9pPr marL="4114800" marR="0" lvl="8" indent="-304800" algn="ctr" rtl="0">
-              <a:lnSpc>
-                <a:spcPct val="100000"/>
-              </a:lnSpc>
-              <a:spcBef>
-                <a:spcPts val="0"/>
-              </a:spcBef>
-              <a:spcAft>
-                <a:spcPts val="0"/>
-              </a:spcAft>
-              <a:buClr>
-                <a:schemeClr val="dk1"/>
-              </a:buClr>
-              <a:buSzPts val="2400"/>
-              <a:buFont typeface="Michroma"/>
-              <a:buNone/>
-              <a:defRPr sz="2400" b="0" i="0" u="none" strike="noStrike" cap="none">
-                <a:solidFill>
-                  <a:schemeClr val="dk1"/>
-                </a:solidFill>
-                <a:latin typeface="Michroma"/>
-                <a:ea typeface="Michroma"/>
-                <a:cs typeface="Michroma"/>
-                <a:sym typeface="Michroma"/>
-              </a:defRPr>
-            </a:lvl9pPr>
-          </a:lstStyle>
-          <a:p>
-            <a:endParaRPr lang="pt-BR"/>
-          </a:p>
-        </p:txBody>
-      </p:sp>
-      <p:sp>
-        <p:nvSpPr>
-          <p:cNvPr id="3" name="Google Shape;681;p36">
-            <a:extLst>
-              <a:ext uri="{FF2B5EF4-FFF2-40B4-BE49-F238E27FC236}">
-                <a16:creationId xmlns:a16="http://schemas.microsoft.com/office/drawing/2014/main" id="{07D92599-B2D6-7710-C29E-A14815CB1DCB}"/>
-              </a:ext>
-            </a:extLst>
-          </p:cNvPr>
-          <p:cNvSpPr txBox="1">
-            <a:spLocks/>
-          </p:cNvSpPr>
-          <p:nvPr/>
-        </p:nvSpPr>
-        <p:spPr>
-          <a:xfrm>
-            <a:off x="6397817" y="1582320"/>
-            <a:ext cx="2640047" cy="862400"/>
-          </a:xfrm>
-          <a:prstGeom prst="rect">
-            <a:avLst/>
-          </a:prstGeom>
-          <a:noFill/>
-          <a:ln>
-            <a:noFill/>
-          </a:ln>
-        </p:spPr>
-        <p:txBody>
-          <a:bodyPr spcFirstLastPara="1" wrap="square" lIns="91425" tIns="91425" rIns="91425" bIns="91425" anchor="t" anchorCtr="0">
-            <a:noAutofit/>
-          </a:bodyPr>
-          <a:lstStyle>
-            <a:defPPr marR="0" lvl="0" algn="l" rtl="0">
-              <a:lnSpc>
-                <a:spcPct val="100000"/>
-              </a:lnSpc>
-              <a:spcBef>
-                <a:spcPts val="0"/>
-              </a:spcBef>
-              <a:spcAft>
-                <a:spcPts val="0"/>
-              </a:spcAft>
-            </a:defPPr>
-            <a:lvl1pPr marL="457200" marR="0" lvl="0" indent="-304800" algn="ctr" rtl="0">
-              <a:lnSpc>
-                <a:spcPct val="100000"/>
-              </a:lnSpc>
-              <a:spcBef>
-                <a:spcPts val="0"/>
-              </a:spcBef>
-              <a:spcAft>
-                <a:spcPts val="0"/>
-              </a:spcAft>
-              <a:buClr>
-                <a:schemeClr val="dk1"/>
-              </a:buClr>
-              <a:buSzPts val="1200"/>
-              <a:buFont typeface="Space Grotesk"/>
-              <a:buNone/>
-              <a:defRPr sz="1200" b="0" i="0" u="none" strike="noStrike" cap="none">
-                <a:solidFill>
-                  <a:schemeClr val="dk1"/>
-                </a:solidFill>
-                <a:latin typeface="Space Grotesk"/>
-                <a:ea typeface="Space Grotesk"/>
-                <a:cs typeface="Space Grotesk"/>
-                <a:sym typeface="Space Grotesk"/>
-              </a:defRPr>
-            </a:lvl1pPr>
-            <a:lvl2pPr marL="914400" marR="0" lvl="1" indent="-304800" algn="ctr" rtl="0">
-              <a:lnSpc>
-                <a:spcPct val="100000"/>
-              </a:lnSpc>
-              <a:spcBef>
-                <a:spcPts val="0"/>
-              </a:spcBef>
-              <a:spcAft>
-                <a:spcPts val="0"/>
-              </a:spcAft>
-              <a:buClr>
-                <a:schemeClr val="dk1"/>
-              </a:buClr>
-              <a:buSzPts val="1200"/>
-              <a:buFont typeface="Space Grotesk"/>
-              <a:buNone/>
-              <a:defRPr sz="1200" b="0" i="0" u="none" strike="noStrike" cap="none">
-                <a:solidFill>
-                  <a:schemeClr val="dk1"/>
-                </a:solidFill>
-                <a:latin typeface="Space Grotesk"/>
-                <a:ea typeface="Space Grotesk"/>
-                <a:cs typeface="Space Grotesk"/>
-                <a:sym typeface="Space Grotesk"/>
-              </a:defRPr>
-            </a:lvl2pPr>
-            <a:lvl3pPr marL="1371600" marR="0" lvl="2" indent="-304800" algn="ctr" rtl="0">
-              <a:lnSpc>
-                <a:spcPct val="100000"/>
-              </a:lnSpc>
-              <a:spcBef>
-                <a:spcPts val="0"/>
-              </a:spcBef>
-              <a:spcAft>
-                <a:spcPts val="0"/>
-              </a:spcAft>
-              <a:buClr>
-                <a:schemeClr val="dk1"/>
-              </a:buClr>
-              <a:buSzPts val="1200"/>
-              <a:buFont typeface="Space Grotesk"/>
-              <a:buNone/>
-              <a:defRPr sz="1200" b="0" i="0" u="none" strike="noStrike" cap="none">
-                <a:solidFill>
-                  <a:schemeClr val="dk1"/>
-                </a:solidFill>
-                <a:latin typeface="Space Grotesk"/>
-                <a:ea typeface="Space Grotesk"/>
-                <a:cs typeface="Space Grotesk"/>
-                <a:sym typeface="Space Grotesk"/>
-              </a:defRPr>
-            </a:lvl3pPr>
-            <a:lvl4pPr marL="1828800" marR="0" lvl="3" indent="-304800" algn="ctr" rtl="0">
-              <a:lnSpc>
-                <a:spcPct val="100000"/>
-              </a:lnSpc>
-              <a:spcBef>
-                <a:spcPts val="0"/>
-              </a:spcBef>
-              <a:spcAft>
-                <a:spcPts val="0"/>
-              </a:spcAft>
-              <a:buClr>
-                <a:schemeClr val="dk1"/>
-              </a:buClr>
-              <a:buSzPts val="1200"/>
-              <a:buFont typeface="Space Grotesk"/>
-              <a:buNone/>
-              <a:defRPr sz="1200" b="0" i="0" u="none" strike="noStrike" cap="none">
-                <a:solidFill>
-                  <a:schemeClr val="dk1"/>
-                </a:solidFill>
-                <a:latin typeface="Space Grotesk"/>
-                <a:ea typeface="Space Grotesk"/>
-                <a:cs typeface="Space Grotesk"/>
-                <a:sym typeface="Space Grotesk"/>
-              </a:defRPr>
-            </a:lvl4pPr>
-            <a:lvl5pPr marL="2286000" marR="0" lvl="4" indent="-304800" algn="ctr" rtl="0">
-              <a:lnSpc>
-                <a:spcPct val="100000"/>
-              </a:lnSpc>
-              <a:spcBef>
-                <a:spcPts val="0"/>
-              </a:spcBef>
-              <a:spcAft>
-                <a:spcPts val="0"/>
-              </a:spcAft>
-              <a:buClr>
-                <a:schemeClr val="dk1"/>
-              </a:buClr>
-              <a:buSzPts val="1200"/>
-              <a:buFont typeface="Space Grotesk"/>
-              <a:buNone/>
-              <a:defRPr sz="1200" b="0" i="0" u="none" strike="noStrike" cap="none">
-                <a:solidFill>
-                  <a:schemeClr val="dk1"/>
-                </a:solidFill>
-                <a:latin typeface="Space Grotesk"/>
-                <a:ea typeface="Space Grotesk"/>
-                <a:cs typeface="Space Grotesk"/>
-                <a:sym typeface="Space Grotesk"/>
-              </a:defRPr>
-            </a:lvl5pPr>
-            <a:lvl6pPr marL="2743200" marR="0" lvl="5" indent="-304800" algn="ctr" rtl="0">
-              <a:lnSpc>
-                <a:spcPct val="100000"/>
-              </a:lnSpc>
-              <a:spcBef>
-                <a:spcPts val="0"/>
-              </a:spcBef>
-              <a:spcAft>
-                <a:spcPts val="0"/>
-              </a:spcAft>
-              <a:buClr>
-                <a:schemeClr val="dk1"/>
-              </a:buClr>
-              <a:buSzPts val="1200"/>
-              <a:buFont typeface="Space Grotesk"/>
-              <a:buNone/>
-              <a:defRPr sz="1200" b="0" i="0" u="none" strike="noStrike" cap="none">
-                <a:solidFill>
-                  <a:schemeClr val="dk1"/>
-                </a:solidFill>
-                <a:latin typeface="Space Grotesk"/>
-                <a:ea typeface="Space Grotesk"/>
-                <a:cs typeface="Space Grotesk"/>
-                <a:sym typeface="Space Grotesk"/>
-              </a:defRPr>
-            </a:lvl6pPr>
-            <a:lvl7pPr marL="3200400" marR="0" lvl="6" indent="-304800" algn="ctr" rtl="0">
-              <a:lnSpc>
-                <a:spcPct val="100000"/>
-              </a:lnSpc>
-              <a:spcBef>
-                <a:spcPts val="0"/>
-              </a:spcBef>
-              <a:spcAft>
-                <a:spcPts val="0"/>
-              </a:spcAft>
-              <a:buClr>
-                <a:schemeClr val="dk1"/>
-              </a:buClr>
-              <a:buSzPts val="1200"/>
-              <a:buFont typeface="Space Grotesk"/>
-              <a:buNone/>
-              <a:defRPr sz="1200" b="0" i="0" u="none" strike="noStrike" cap="none">
-                <a:solidFill>
-                  <a:schemeClr val="dk1"/>
-                </a:solidFill>
-                <a:latin typeface="Space Grotesk"/>
-                <a:ea typeface="Space Grotesk"/>
-                <a:cs typeface="Space Grotesk"/>
-                <a:sym typeface="Space Grotesk"/>
-              </a:defRPr>
-            </a:lvl7pPr>
-            <a:lvl8pPr marL="3657600" marR="0" lvl="7" indent="-304800" algn="ctr" rtl="0">
-              <a:lnSpc>
-                <a:spcPct val="100000"/>
-              </a:lnSpc>
-              <a:spcBef>
-                <a:spcPts val="0"/>
-              </a:spcBef>
-              <a:spcAft>
-                <a:spcPts val="0"/>
-              </a:spcAft>
-              <a:buClr>
-                <a:schemeClr val="dk1"/>
-              </a:buClr>
-              <a:buSzPts val="1200"/>
-              <a:buFont typeface="Space Grotesk"/>
-              <a:buNone/>
-              <a:defRPr sz="1200" b="0" i="0" u="none" strike="noStrike" cap="none">
-                <a:solidFill>
-                  <a:schemeClr val="dk1"/>
-                </a:solidFill>
-                <a:latin typeface="Space Grotesk"/>
-                <a:ea typeface="Space Grotesk"/>
-                <a:cs typeface="Space Grotesk"/>
-                <a:sym typeface="Space Grotesk"/>
-              </a:defRPr>
-            </a:lvl8pPr>
-            <a:lvl9pPr marL="4114800" marR="0" lvl="8" indent="-304800" algn="ctr" rtl="0">
-              <a:lnSpc>
-                <a:spcPct val="100000"/>
-              </a:lnSpc>
-              <a:spcBef>
-                <a:spcPts val="0"/>
-              </a:spcBef>
-              <a:spcAft>
-                <a:spcPts val="0"/>
-              </a:spcAft>
-              <a:buClr>
-                <a:schemeClr val="dk1"/>
-              </a:buClr>
-              <a:buSzPts val="1200"/>
-              <a:buFont typeface="Space Grotesk"/>
-              <a:buNone/>
-              <a:defRPr sz="1200" b="0" i="0" u="none" strike="noStrike" cap="none">
-                <a:solidFill>
-                  <a:schemeClr val="dk1"/>
-                </a:solidFill>
-                <a:latin typeface="Space Grotesk"/>
-                <a:ea typeface="Space Grotesk"/>
-                <a:cs typeface="Space Grotesk"/>
-                <a:sym typeface="Space Grotesk"/>
-              </a:defRPr>
-            </a:lvl9pPr>
-          </a:lstStyle>
-          <a:p>
-            <a:pPr marL="285750" indent="-285750" algn="l">
-              <a:buFont typeface="Arial" panose="020B0604020202020204" pitchFamily="34" charset="0"/>
-              <a:buChar char="•"/>
-            </a:pPr>
-            <a:r>
-              <a:rPr lang="pt-BR" sz="1400" dirty="0">
-                <a:latin typeface="+mj-lt"/>
-              </a:rPr>
-              <a:t>O código utilizado para o MLP cria uma rede neural com duas camadas ocultas: a primeira com 64 neurônios e a segunda com 32.</a:t>
-            </a:r>
-            <a:endParaRPr lang="pt-BR" sz="1400" b="1" dirty="0">
-              <a:latin typeface="+mj-lt"/>
-            </a:endParaRPr>
-          </a:p>
-        </p:txBody>
-      </p:sp>
-      <p:pic>
-        <p:nvPicPr>
-          <p:cNvPr id="2" name="Imagem 1" descr="Interface gráfica do usuário, Texto, Aplicativo&#10;&#10;O conteúdo gerado por IA pode estar incorreto.">
-            <a:extLst>
-              <a:ext uri="{FF2B5EF4-FFF2-40B4-BE49-F238E27FC236}">
-                <a16:creationId xmlns:a16="http://schemas.microsoft.com/office/drawing/2014/main" id="{E2841ADB-46D8-6EBB-16A6-7D8C622455EB}"/>
-              </a:ext>
-            </a:extLst>
-          </p:cNvPr>
-          <p:cNvPicPr>
-            <a:picLocks noChangeAspect="1"/>
-          </p:cNvPicPr>
-          <p:nvPr/>
-        </p:nvPicPr>
-        <p:blipFill>
-          <a:blip r:embed="rId3"/>
-          <a:stretch>
-            <a:fillRect/>
-          </a:stretch>
-        </p:blipFill>
-        <p:spPr>
-          <a:xfrm>
-            <a:off x="228600" y="989806"/>
-            <a:ext cx="6040132" cy="3310843"/>
-          </a:xfrm>
-          <a:prstGeom prst="rect">
-            <a:avLst/>
-          </a:prstGeom>
-          <a:effectLst>
-            <a:outerShdw blurRad="63500" sx="102000" sy="102000" algn="ctr" rotWithShape="0">
-              <a:prstClr val="black">
-                <a:alpha val="40000"/>
-              </a:prstClr>
-            </a:outerShdw>
-          </a:effectLst>
-        </p:spPr>
-      </p:pic>
-    </p:spTree>
-    <p:extLst>
-      <p:ext uri="{BB962C8B-B14F-4D97-AF65-F5344CB8AC3E}">
-        <p14:creationId xmlns:p14="http://schemas.microsoft.com/office/powerpoint/2010/main" val="3367764182"/>
-      </p:ext>
-    </p:extLst>
-  </p:cSld>
-  <p:clrMapOvr>
-    <a:masterClrMapping/>
-  </p:clrMapOvr>
-</p:sld>
-</file>
-
-<file path=ppt/slides/slide21.xml><?xml version="1.0" encoding="utf-8"?>
-<p:sld xmlns:a="http://schemas.openxmlformats.org/drawingml/2006/main" xmlns:r="http://schemas.openxmlformats.org/officeDocument/2006/relationships" xmlns:p="http://schemas.openxmlformats.org/presentationml/2006/main">
-  <p:cSld>
-    <p:spTree>
-      <p:nvGrpSpPr>
-        <p:cNvPr id="1" name="Shape 671">
-          <a:extLst>
-            <a:ext uri="{FF2B5EF4-FFF2-40B4-BE49-F238E27FC236}">
               <a16:creationId xmlns:a16="http://schemas.microsoft.com/office/drawing/2014/main" id="{DAD62623-82ED-C22C-9D80-2BBC4F7722CF}"/>
             </a:ext>
           </a:extLst>
@@ -33771,7 +32816,7 @@
         </p:nvSpPr>
         <p:spPr>
           <a:xfrm>
-            <a:off x="4869554" y="1355042"/>
+            <a:off x="4869554" y="761436"/>
             <a:ext cx="3644255" cy="3324416"/>
           </a:xfrm>
           <a:prstGeom prst="rect">
@@ -34128,379 +33173,12 @@
           </a:effectLst>
         </p:spPr>
       </p:pic>
-    </p:spTree>
-    <p:extLst>
-      <p:ext uri="{BB962C8B-B14F-4D97-AF65-F5344CB8AC3E}">
-        <p14:creationId xmlns:p14="http://schemas.microsoft.com/office/powerpoint/2010/main" val="3619349530"/>
-      </p:ext>
-    </p:extLst>
-  </p:cSld>
-  <p:clrMapOvr>
-    <a:masterClrMapping/>
-  </p:clrMapOvr>
-</p:sld>
-</file>
-
-<file path=ppt/slides/slide22.xml><?xml version="1.0" encoding="utf-8"?>
-<p:sld xmlns:a="http://schemas.openxmlformats.org/drawingml/2006/main" xmlns:r="http://schemas.openxmlformats.org/officeDocument/2006/relationships" xmlns:p="http://schemas.openxmlformats.org/presentationml/2006/main">
-  <p:cSld>
-    <p:spTree>
-      <p:nvGrpSpPr>
-        <p:cNvPr id="1" name="Shape 671">
-          <a:extLst>
-            <a:ext uri="{FF2B5EF4-FFF2-40B4-BE49-F238E27FC236}">
-              <a16:creationId xmlns:a16="http://schemas.microsoft.com/office/drawing/2014/main" id="{F85502FB-94AA-C725-D660-87F665099391}"/>
-            </a:ext>
-          </a:extLst>
-        </p:cNvPr>
-        <p:cNvGrpSpPr/>
-        <p:nvPr/>
-      </p:nvGrpSpPr>
-      <p:grpSpPr>
-        <a:xfrm>
-          <a:off x="0" y="0"/>
-          <a:ext cx="0" cy="0"/>
-          <a:chOff x="0" y="0"/>
-          <a:chExt cx="0" cy="0"/>
-        </a:xfrm>
-      </p:grpSpPr>
-      <p:sp>
-        <p:nvSpPr>
-          <p:cNvPr id="672" name="Google Shape;672;p36">
-            <a:extLst>
-              <a:ext uri="{FF2B5EF4-FFF2-40B4-BE49-F238E27FC236}">
-                <a16:creationId xmlns:a16="http://schemas.microsoft.com/office/drawing/2014/main" id="{ED313555-CD51-8AA8-C074-FAFA91D6BB56}"/>
-              </a:ext>
-            </a:extLst>
-          </p:cNvPr>
-          <p:cNvSpPr txBox="1">
-            <a:spLocks noGrp="1"/>
-          </p:cNvSpPr>
-          <p:nvPr>
-            <p:ph type="title"/>
-          </p:nvPr>
-        </p:nvSpPr>
-        <p:spPr>
-          <a:xfrm>
-            <a:off x="630192" y="188736"/>
-            <a:ext cx="7704000" cy="572700"/>
-          </a:xfrm>
-          <a:prstGeom prst="rect">
-            <a:avLst/>
-          </a:prstGeom>
-        </p:spPr>
-        <p:txBody>
-          <a:bodyPr spcFirstLastPara="1" wrap="square" lIns="91425" tIns="91425" rIns="91425" bIns="91425" anchor="t" anchorCtr="0">
-            <a:noAutofit/>
-          </a:bodyPr>
-          <a:lstStyle/>
-          <a:p>
-            <a:pPr marL="0" lvl="0" indent="0" algn="ctr" rtl="0">
-              <a:spcBef>
-                <a:spcPts val="0"/>
-              </a:spcBef>
-              <a:spcAft>
-                <a:spcPts val="0"/>
-              </a:spcAft>
-              <a:buNone/>
-            </a:pPr>
-            <a:r>
-              <a:rPr lang="pt-BR" dirty="0"/>
-              <a:t>Rede Neural (MLP)</a:t>
-            </a:r>
-            <a:endParaRPr dirty="0"/>
-          </a:p>
-        </p:txBody>
-      </p:sp>
-      <p:sp>
-        <p:nvSpPr>
-          <p:cNvPr id="23" name="Subtítulo 14">
-            <a:extLst>
-              <a:ext uri="{FF2B5EF4-FFF2-40B4-BE49-F238E27FC236}">
-                <a16:creationId xmlns:a16="http://schemas.microsoft.com/office/drawing/2014/main" id="{26FC598F-8505-D72F-11D7-5FFD057399CD}"/>
-              </a:ext>
-            </a:extLst>
-          </p:cNvPr>
-          <p:cNvSpPr txBox="1">
-            <a:spLocks/>
-          </p:cNvSpPr>
-          <p:nvPr/>
-        </p:nvSpPr>
-        <p:spPr>
-          <a:xfrm>
-            <a:off x="1891730" y="2475450"/>
-            <a:ext cx="2372400" cy="740700"/>
-          </a:xfrm>
-          <a:prstGeom prst="rect">
-            <a:avLst/>
-          </a:prstGeom>
-          <a:noFill/>
-          <a:ln>
-            <a:noFill/>
-          </a:ln>
-        </p:spPr>
-        <p:txBody>
-          <a:bodyPr spcFirstLastPara="1" wrap="square" lIns="91425" tIns="91425" rIns="91425" bIns="91425" anchor="b" anchorCtr="0">
-            <a:noAutofit/>
-          </a:bodyPr>
-          <a:lstStyle>
-            <a:defPPr marR="0" lvl="0" algn="l" rtl="0">
-              <a:lnSpc>
-                <a:spcPct val="100000"/>
-              </a:lnSpc>
-              <a:spcBef>
-                <a:spcPts val="0"/>
-              </a:spcBef>
-              <a:spcAft>
-                <a:spcPts val="0"/>
-              </a:spcAft>
-            </a:defPPr>
-            <a:lvl1pPr marL="457200" marR="0" lvl="0" indent="-304800" algn="ctr" rtl="0">
-              <a:lnSpc>
-                <a:spcPct val="100000"/>
-              </a:lnSpc>
-              <a:spcBef>
-                <a:spcPts val="0"/>
-              </a:spcBef>
-              <a:spcAft>
-                <a:spcPts val="0"/>
-              </a:spcAft>
-              <a:buClr>
-                <a:schemeClr val="dk1"/>
-              </a:buClr>
-              <a:buSzPts val="2400"/>
-              <a:buFont typeface="Michroma"/>
-              <a:buNone/>
-              <a:defRPr sz="1800" b="0" i="0" u="none" strike="noStrike" cap="none">
-                <a:solidFill>
-                  <a:schemeClr val="dk1"/>
-                </a:solidFill>
-                <a:latin typeface="Michroma"/>
-                <a:ea typeface="Michroma"/>
-                <a:cs typeface="Michroma"/>
-                <a:sym typeface="Michroma"/>
-              </a:defRPr>
-            </a:lvl1pPr>
-            <a:lvl2pPr marL="914400" marR="0" lvl="1" indent="-304800" algn="ctr" rtl="0">
-              <a:lnSpc>
-                <a:spcPct val="100000"/>
-              </a:lnSpc>
-              <a:spcBef>
-                <a:spcPts val="0"/>
-              </a:spcBef>
-              <a:spcAft>
-                <a:spcPts val="0"/>
-              </a:spcAft>
-              <a:buClr>
-                <a:schemeClr val="dk1"/>
-              </a:buClr>
-              <a:buSzPts val="2400"/>
-              <a:buFont typeface="Michroma"/>
-              <a:buNone/>
-              <a:defRPr sz="2400" b="0" i="0" u="none" strike="noStrike" cap="none">
-                <a:solidFill>
-                  <a:schemeClr val="dk1"/>
-                </a:solidFill>
-                <a:latin typeface="Michroma"/>
-                <a:ea typeface="Michroma"/>
-                <a:cs typeface="Michroma"/>
-                <a:sym typeface="Michroma"/>
-              </a:defRPr>
-            </a:lvl2pPr>
-            <a:lvl3pPr marL="1371600" marR="0" lvl="2" indent="-304800" algn="ctr" rtl="0">
-              <a:lnSpc>
-                <a:spcPct val="100000"/>
-              </a:lnSpc>
-              <a:spcBef>
-                <a:spcPts val="0"/>
-              </a:spcBef>
-              <a:spcAft>
-                <a:spcPts val="0"/>
-              </a:spcAft>
-              <a:buClr>
-                <a:schemeClr val="dk1"/>
-              </a:buClr>
-              <a:buSzPts val="2400"/>
-              <a:buFont typeface="Michroma"/>
-              <a:buNone/>
-              <a:defRPr sz="2400" b="0" i="0" u="none" strike="noStrike" cap="none">
-                <a:solidFill>
-                  <a:schemeClr val="dk1"/>
-                </a:solidFill>
-                <a:latin typeface="Michroma"/>
-                <a:ea typeface="Michroma"/>
-                <a:cs typeface="Michroma"/>
-                <a:sym typeface="Michroma"/>
-              </a:defRPr>
-            </a:lvl3pPr>
-            <a:lvl4pPr marL="1828800" marR="0" lvl="3" indent="-304800" algn="ctr" rtl="0">
-              <a:lnSpc>
-                <a:spcPct val="100000"/>
-              </a:lnSpc>
-              <a:spcBef>
-                <a:spcPts val="0"/>
-              </a:spcBef>
-              <a:spcAft>
-                <a:spcPts val="0"/>
-              </a:spcAft>
-              <a:buClr>
-                <a:schemeClr val="dk1"/>
-              </a:buClr>
-              <a:buSzPts val="2400"/>
-              <a:buFont typeface="Michroma"/>
-              <a:buNone/>
-              <a:defRPr sz="2400" b="0" i="0" u="none" strike="noStrike" cap="none">
-                <a:solidFill>
-                  <a:schemeClr val="dk1"/>
-                </a:solidFill>
-                <a:latin typeface="Michroma"/>
-                <a:ea typeface="Michroma"/>
-                <a:cs typeface="Michroma"/>
-                <a:sym typeface="Michroma"/>
-              </a:defRPr>
-            </a:lvl4pPr>
-            <a:lvl5pPr marL="2286000" marR="0" lvl="4" indent="-304800" algn="ctr" rtl="0">
-              <a:lnSpc>
-                <a:spcPct val="100000"/>
-              </a:lnSpc>
-              <a:spcBef>
-                <a:spcPts val="0"/>
-              </a:spcBef>
-              <a:spcAft>
-                <a:spcPts val="0"/>
-              </a:spcAft>
-              <a:buClr>
-                <a:schemeClr val="dk1"/>
-              </a:buClr>
-              <a:buSzPts val="2400"/>
-              <a:buFont typeface="Michroma"/>
-              <a:buNone/>
-              <a:defRPr sz="2400" b="0" i="0" u="none" strike="noStrike" cap="none">
-                <a:solidFill>
-                  <a:schemeClr val="dk1"/>
-                </a:solidFill>
-                <a:latin typeface="Michroma"/>
-                <a:ea typeface="Michroma"/>
-                <a:cs typeface="Michroma"/>
-                <a:sym typeface="Michroma"/>
-              </a:defRPr>
-            </a:lvl5pPr>
-            <a:lvl6pPr marL="2743200" marR="0" lvl="5" indent="-304800" algn="ctr" rtl="0">
-              <a:lnSpc>
-                <a:spcPct val="100000"/>
-              </a:lnSpc>
-              <a:spcBef>
-                <a:spcPts val="0"/>
-              </a:spcBef>
-              <a:spcAft>
-                <a:spcPts val="0"/>
-              </a:spcAft>
-              <a:buClr>
-                <a:schemeClr val="dk1"/>
-              </a:buClr>
-              <a:buSzPts val="2400"/>
-              <a:buFont typeface="Michroma"/>
-              <a:buNone/>
-              <a:defRPr sz="2400" b="0" i="0" u="none" strike="noStrike" cap="none">
-                <a:solidFill>
-                  <a:schemeClr val="dk1"/>
-                </a:solidFill>
-                <a:latin typeface="Michroma"/>
-                <a:ea typeface="Michroma"/>
-                <a:cs typeface="Michroma"/>
-                <a:sym typeface="Michroma"/>
-              </a:defRPr>
-            </a:lvl6pPr>
-            <a:lvl7pPr marL="3200400" marR="0" lvl="6" indent="-304800" algn="ctr" rtl="0">
-              <a:lnSpc>
-                <a:spcPct val="100000"/>
-              </a:lnSpc>
-              <a:spcBef>
-                <a:spcPts val="0"/>
-              </a:spcBef>
-              <a:spcAft>
-                <a:spcPts val="0"/>
-              </a:spcAft>
-              <a:buClr>
-                <a:schemeClr val="dk1"/>
-              </a:buClr>
-              <a:buSzPts val="2400"/>
-              <a:buFont typeface="Michroma"/>
-              <a:buNone/>
-              <a:defRPr sz="2400" b="0" i="0" u="none" strike="noStrike" cap="none">
-                <a:solidFill>
-                  <a:schemeClr val="dk1"/>
-                </a:solidFill>
-                <a:latin typeface="Michroma"/>
-                <a:ea typeface="Michroma"/>
-                <a:cs typeface="Michroma"/>
-                <a:sym typeface="Michroma"/>
-              </a:defRPr>
-            </a:lvl7pPr>
-            <a:lvl8pPr marL="3657600" marR="0" lvl="7" indent="-304800" algn="ctr" rtl="0">
-              <a:lnSpc>
-                <a:spcPct val="100000"/>
-              </a:lnSpc>
-              <a:spcBef>
-                <a:spcPts val="0"/>
-              </a:spcBef>
-              <a:spcAft>
-                <a:spcPts val="0"/>
-              </a:spcAft>
-              <a:buClr>
-                <a:schemeClr val="dk1"/>
-              </a:buClr>
-              <a:buSzPts val="2400"/>
-              <a:buFont typeface="Michroma"/>
-              <a:buNone/>
-              <a:defRPr sz="2400" b="0" i="0" u="none" strike="noStrike" cap="none">
-                <a:solidFill>
-                  <a:schemeClr val="dk1"/>
-                </a:solidFill>
-                <a:latin typeface="Michroma"/>
-                <a:ea typeface="Michroma"/>
-                <a:cs typeface="Michroma"/>
-                <a:sym typeface="Michroma"/>
-              </a:defRPr>
-            </a:lvl8pPr>
-            <a:lvl9pPr marL="4114800" marR="0" lvl="8" indent="-304800" algn="ctr" rtl="0">
-              <a:lnSpc>
-                <a:spcPct val="100000"/>
-              </a:lnSpc>
-              <a:spcBef>
-                <a:spcPts val="0"/>
-              </a:spcBef>
-              <a:spcAft>
-                <a:spcPts val="0"/>
-              </a:spcAft>
-              <a:buClr>
-                <a:schemeClr val="dk1"/>
-              </a:buClr>
-              <a:buSzPts val="2400"/>
-              <a:buFont typeface="Michroma"/>
-              <a:buNone/>
-              <a:defRPr sz="2400" b="0" i="0" u="none" strike="noStrike" cap="none">
-                <a:solidFill>
-                  <a:schemeClr val="dk1"/>
-                </a:solidFill>
-                <a:latin typeface="Michroma"/>
-                <a:ea typeface="Michroma"/>
-                <a:cs typeface="Michroma"/>
-                <a:sym typeface="Michroma"/>
-              </a:defRPr>
-            </a:lvl9pPr>
-          </a:lstStyle>
-          <a:p>
-            <a:endParaRPr lang="pt-BR"/>
-          </a:p>
-        </p:txBody>
-      </p:sp>
       <p:pic>
         <p:nvPicPr>
           <p:cNvPr id="2" name="Imagem 1" descr="Tela de celular com texto preto sobre fundo branco&#10;&#10;O conteúdo gerado por IA pode estar incorreto.">
             <a:extLst>
               <a:ext uri="{FF2B5EF4-FFF2-40B4-BE49-F238E27FC236}">
-                <a16:creationId xmlns:a16="http://schemas.microsoft.com/office/drawing/2014/main" id="{C19F07D7-5BBE-B3D5-B9D3-13E4208A584C}"/>
+                <a16:creationId xmlns:a16="http://schemas.microsoft.com/office/drawing/2014/main" id="{E81C7E97-FCCF-A2B8-B4DF-340A469342DD}"/>
               </a:ext>
             </a:extLst>
           </p:cNvPr>
@@ -34510,15 +33188,15 @@
           <p:nvPr/>
         </p:nvPicPr>
         <p:blipFill>
-          <a:blip r:embed="rId3"/>
+          <a:blip r:embed="rId4"/>
           <a:stretch>
             <a:fillRect/>
           </a:stretch>
         </p:blipFill>
         <p:spPr>
           <a:xfrm>
-            <a:off x="1665619" y="1064806"/>
-            <a:ext cx="5477837" cy="3561987"/>
+            <a:off x="5203643" y="2902720"/>
+            <a:ext cx="3214253" cy="2090082"/>
           </a:xfrm>
           <a:prstGeom prst="rect">
             <a:avLst/>
@@ -34535,7 +33213,7 @@
     </p:spTree>
     <p:extLst>
       <p:ext uri="{BB962C8B-B14F-4D97-AF65-F5344CB8AC3E}">
-        <p14:creationId xmlns:p14="http://schemas.microsoft.com/office/powerpoint/2010/main" val="726400465"/>
+        <p14:creationId xmlns:p14="http://schemas.microsoft.com/office/powerpoint/2010/main" val="3619349530"/>
       </p:ext>
     </p:extLst>
   </p:cSld>
@@ -34545,7 +33223,7 @@
 </p:sld>
 </file>
 
-<file path=ppt/slides/slide23.xml><?xml version="1.0" encoding="utf-8"?>
+<file path=ppt/slides/slide21.xml><?xml version="1.0" encoding="utf-8"?>
 <p:sld xmlns:a="http://schemas.openxmlformats.org/drawingml/2006/main" xmlns:r="http://schemas.openxmlformats.org/officeDocument/2006/relationships" xmlns:p="http://schemas.openxmlformats.org/presentationml/2006/main">
   <p:cSld>
     <p:spTree>
@@ -34978,7 +33656,7 @@
 </p:sld>
 </file>
 
-<file path=ppt/slides/slide24.xml><?xml version="1.0" encoding="utf-8"?>
+<file path=ppt/slides/slide22.xml><?xml version="1.0" encoding="utf-8"?>
 <p:sld xmlns:a="http://schemas.openxmlformats.org/drawingml/2006/main" xmlns:r="http://schemas.openxmlformats.org/officeDocument/2006/relationships" xmlns:p="http://schemas.openxmlformats.org/presentationml/2006/main">
   <p:cSld>
     <p:spTree>
@@ -35099,7 +33777,7 @@
 </p:sld>
 </file>
 
-<file path=ppt/slides/slide25.xml><?xml version="1.0" encoding="utf-8"?>
+<file path=ppt/slides/slide23.xml><?xml version="1.0" encoding="utf-8"?>
 <p:sld xmlns:a="http://schemas.openxmlformats.org/drawingml/2006/main" xmlns:r="http://schemas.openxmlformats.org/officeDocument/2006/relationships" xmlns:p="http://schemas.openxmlformats.org/presentationml/2006/main">
   <p:cSld>
     <p:spTree>
@@ -36167,7 +34845,7 @@
 </p:sld>
 </file>
 
-<file path=ppt/slides/slide26.xml><?xml version="1.0" encoding="utf-8"?>
+<file path=ppt/slides/slide24.xml><?xml version="1.0" encoding="utf-8"?>
 <p:sld xmlns:a="http://schemas.openxmlformats.org/drawingml/2006/main" xmlns:r="http://schemas.openxmlformats.org/officeDocument/2006/relationships" xmlns:p="http://schemas.openxmlformats.org/presentationml/2006/main">
   <p:cSld>
     <p:spTree>
@@ -36972,7 +35650,7 @@
 </p:sld>
 </file>
 
-<file path=ppt/slides/slide27.xml><?xml version="1.0" encoding="utf-8"?>
+<file path=ppt/slides/slide25.xml><?xml version="1.0" encoding="utf-8"?>
 <p:sld xmlns:a="http://schemas.openxmlformats.org/drawingml/2006/main" xmlns:r="http://schemas.openxmlformats.org/officeDocument/2006/relationships" xmlns:p="http://schemas.openxmlformats.org/presentationml/2006/main">
   <p:cSld>
     <p:spTree>
@@ -37076,7 +35754,7 @@
 </p:sld>
 </file>
 
-<file path=ppt/slides/slide28.xml><?xml version="1.0" encoding="utf-8"?>
+<file path=ppt/slides/slide26.xml><?xml version="1.0" encoding="utf-8"?>
 <p:sld xmlns:a="http://schemas.openxmlformats.org/drawingml/2006/main" xmlns:r="http://schemas.openxmlformats.org/officeDocument/2006/relationships" xmlns:p="http://schemas.openxmlformats.org/presentationml/2006/main">
   <p:cSld>
     <p:spTree>
@@ -37479,7 +36157,7 @@
               <a:rPr lang="pt-BR" sz="1400" dirty="0">
                 <a:latin typeface="+mj-lt"/>
               </a:rPr>
-              <a:t> com ótimo desempenho.</a:t>
+              <a:t>, porém com um alto custo computacional.</a:t>
             </a:r>
           </a:p>
           <a:p>
@@ -37506,7 +36184,7 @@
               <a:rPr lang="pt-BR" sz="1400" dirty="0">
                 <a:latin typeface="+mj-lt"/>
               </a:rPr>
-              <a:t> apresenta performance competitiva, destacando-se em recall.</a:t>
+              <a:t> apresenta performance competitiva, mas dificuldade de justificar em produção, além de pouco interpretável.</a:t>
             </a:r>
           </a:p>
         </p:txBody>
@@ -37810,7 +36488,7 @@
               <a:rPr lang="pt-BR" sz="1400" dirty="0">
                 <a:latin typeface="+mj-lt"/>
               </a:rPr>
-              <a:t> é uma opção interpretável e eficiente para uso prático.</a:t>
+              <a:t> é uma opção interpretável e eficiente para uso prático, mas inferior em desempenho quanto aos outros.</a:t>
             </a:r>
           </a:p>
           <a:p>
@@ -37831,52 +36509,7 @@
               <a:rPr lang="pt-BR" sz="1400" dirty="0">
                 <a:latin typeface="+mj-lt"/>
               </a:rPr>
-              <a:t>O uso de </a:t>
-            </a:r>
-            <a:r>
-              <a:rPr lang="pt-BR" sz="1400" b="1" dirty="0">
-                <a:latin typeface="+mj-lt"/>
-              </a:rPr>
-              <a:t>SMOTE</a:t>
-            </a:r>
-            <a:r>
-              <a:rPr lang="pt-BR" sz="1400" dirty="0">
-                <a:latin typeface="+mj-lt"/>
-              </a:rPr>
-              <a:t> no pré-processamento foi essencial para corrigir o desbalanceamento.</a:t>
-            </a:r>
-          </a:p>
-          <a:p>
-            <a:pPr algn="l">
-              <a:buFont typeface="Arial" panose="020B0604020202020204" pitchFamily="34" charset="0"/>
-              <a:buChar char="•"/>
-            </a:pPr>
-            <a:endParaRPr lang="pt-BR" sz="1400" dirty="0">
-              <a:latin typeface="+mj-lt"/>
-            </a:endParaRPr>
-          </a:p>
-          <a:p>
-            <a:pPr lvl="0" algn="l">
-              <a:buFont typeface="Arial" panose="020B0604020202020204" pitchFamily="34" charset="0"/>
-              <a:buChar char="•"/>
-            </a:pPr>
-            <a:r>
-              <a:rPr lang="pt-BR" sz="1400" dirty="0">
-                <a:latin typeface="+mj-lt"/>
-              </a:rPr>
-              <a:t>O monitoramento do </a:t>
-            </a:r>
-            <a:r>
-              <a:rPr lang="pt-BR" sz="1400" b="1" dirty="0">
-                <a:latin typeface="+mj-lt"/>
-              </a:rPr>
-              <a:t>Recall </a:t>
-            </a:r>
-            <a:r>
-              <a:rPr lang="pt-BR" sz="1400" dirty="0">
-                <a:latin typeface="+mj-lt"/>
-              </a:rPr>
-              <a:t>é crítico em aplicações sensíveis como prevenção a fraudes.</a:t>
+              <a:t>Regressão Logística é simples e eficiente, mas não desempenhou tão bem.</a:t>
             </a:r>
           </a:p>
         </p:txBody>
@@ -37894,7 +36527,7 @@
 </p:sld>
 </file>
 
-<file path=ppt/slides/slide29.xml><?xml version="1.0" encoding="utf-8"?>
+<file path=ppt/slides/slide27.xml><?xml version="1.0" encoding="utf-8"?>
 <p:sld xmlns:a="http://schemas.openxmlformats.org/drawingml/2006/main" xmlns:r="http://schemas.openxmlformats.org/officeDocument/2006/relationships" xmlns:p="http://schemas.openxmlformats.org/presentationml/2006/main">
   <p:cSld>
     <p:spTree>
@@ -38309,6 +36942,566 @@
     <p:extLst>
       <p:ext uri="{BB962C8B-B14F-4D97-AF65-F5344CB8AC3E}">
         <p14:creationId xmlns:p14="http://schemas.microsoft.com/office/powerpoint/2010/main" val="3416942817"/>
+      </p:ext>
+    </p:extLst>
+  </p:cSld>
+  <p:clrMapOvr>
+    <a:masterClrMapping/>
+  </p:clrMapOvr>
+</p:sld>
+</file>
+
+<file path=ppt/slides/slide28.xml><?xml version="1.0" encoding="utf-8"?>
+<p:sld xmlns:a="http://schemas.openxmlformats.org/drawingml/2006/main" xmlns:r="http://schemas.openxmlformats.org/officeDocument/2006/relationships" xmlns:p="http://schemas.openxmlformats.org/presentationml/2006/main">
+  <p:cSld>
+    <p:spTree>
+      <p:nvGrpSpPr>
+        <p:cNvPr id="1" name="Shape 671">
+          <a:extLst>
+            <a:ext uri="{FF2B5EF4-FFF2-40B4-BE49-F238E27FC236}">
+              <a16:creationId xmlns:a16="http://schemas.microsoft.com/office/drawing/2014/main" id="{712C9476-81B5-FE87-C3DE-BE929C848A0D}"/>
+            </a:ext>
+          </a:extLst>
+        </p:cNvPr>
+        <p:cNvGrpSpPr/>
+        <p:nvPr/>
+      </p:nvGrpSpPr>
+      <p:grpSpPr>
+        <a:xfrm>
+          <a:off x="0" y="0"/>
+          <a:ext cx="0" cy="0"/>
+          <a:chOff x="0" y="0"/>
+          <a:chExt cx="0" cy="0"/>
+        </a:xfrm>
+      </p:grpSpPr>
+      <p:sp>
+        <p:nvSpPr>
+          <p:cNvPr id="672" name="Google Shape;672;p36">
+            <a:extLst>
+              <a:ext uri="{FF2B5EF4-FFF2-40B4-BE49-F238E27FC236}">
+                <a16:creationId xmlns:a16="http://schemas.microsoft.com/office/drawing/2014/main" id="{705890BB-F4FC-EAFF-CFE2-A003A028530B}"/>
+              </a:ext>
+            </a:extLst>
+          </p:cNvPr>
+          <p:cNvSpPr txBox="1">
+            <a:spLocks noGrp="1"/>
+          </p:cNvSpPr>
+          <p:nvPr>
+            <p:ph type="title"/>
+          </p:nvPr>
+        </p:nvSpPr>
+        <p:spPr>
+          <a:xfrm>
+            <a:off x="630192" y="66272"/>
+            <a:ext cx="7704000" cy="572700"/>
+          </a:xfrm>
+          <a:prstGeom prst="rect">
+            <a:avLst/>
+          </a:prstGeom>
+        </p:spPr>
+        <p:txBody>
+          <a:bodyPr spcFirstLastPara="1" wrap="square" lIns="91425" tIns="91425" rIns="91425" bIns="91425" anchor="t" anchorCtr="0">
+            <a:noAutofit/>
+          </a:bodyPr>
+          <a:lstStyle/>
+          <a:p>
+            <a:pPr marL="0" lvl="0" indent="0" algn="ctr" rtl="0">
+              <a:spcBef>
+                <a:spcPts val="0"/>
+              </a:spcBef>
+              <a:spcAft>
+                <a:spcPts val="0"/>
+              </a:spcAft>
+              <a:buNone/>
+            </a:pPr>
+            <a:r>
+              <a:rPr lang="pt-BR" dirty="0"/>
+              <a:t>Resultado PCA</a:t>
+            </a:r>
+            <a:endParaRPr dirty="0"/>
+          </a:p>
+        </p:txBody>
+      </p:sp>
+      <p:pic>
+        <p:nvPicPr>
+          <p:cNvPr id="4" name="Imagem 3" descr="Texto, Carta&#10;&#10;O conteúdo gerado por IA pode estar incorreto.">
+            <a:extLst>
+              <a:ext uri="{FF2B5EF4-FFF2-40B4-BE49-F238E27FC236}">
+                <a16:creationId xmlns:a16="http://schemas.microsoft.com/office/drawing/2014/main" id="{6F86D6EA-91FC-5363-A35E-335F3393F64D}"/>
+              </a:ext>
+            </a:extLst>
+          </p:cNvPr>
+          <p:cNvPicPr>
+            <a:picLocks noChangeAspect="1"/>
+          </p:cNvPicPr>
+          <p:nvPr/>
+        </p:nvPicPr>
+        <p:blipFill>
+          <a:blip r:embed="rId3"/>
+          <a:stretch>
+            <a:fillRect/>
+          </a:stretch>
+        </p:blipFill>
+        <p:spPr>
+          <a:xfrm>
+            <a:off x="2371742" y="899431"/>
+            <a:ext cx="4061714" cy="3860347"/>
+          </a:xfrm>
+          <a:prstGeom prst="rect">
+            <a:avLst/>
+          </a:prstGeom>
+          <a:effectLst>
+            <a:outerShdw blurRad="63500" sx="102000" sy="102000" algn="ctr" rotWithShape="0">
+              <a:prstClr val="black">
+                <a:alpha val="40000"/>
+              </a:prstClr>
+            </a:outerShdw>
+          </a:effectLst>
+        </p:spPr>
+      </p:pic>
+    </p:spTree>
+    <p:extLst>
+      <p:ext uri="{BB962C8B-B14F-4D97-AF65-F5344CB8AC3E}">
+        <p14:creationId xmlns:p14="http://schemas.microsoft.com/office/powerpoint/2010/main" val="192793794"/>
+      </p:ext>
+    </p:extLst>
+  </p:cSld>
+  <p:clrMapOvr>
+    <a:masterClrMapping/>
+  </p:clrMapOvr>
+</p:sld>
+</file>
+
+<file path=ppt/slides/slide29.xml><?xml version="1.0" encoding="utf-8"?>
+<p:sld xmlns:a="http://schemas.openxmlformats.org/drawingml/2006/main" xmlns:r="http://schemas.openxmlformats.org/officeDocument/2006/relationships" xmlns:p="http://schemas.openxmlformats.org/presentationml/2006/main">
+  <p:cSld>
+    <p:spTree>
+      <p:nvGrpSpPr>
+        <p:cNvPr id="1" name="Shape 671">
+          <a:extLst>
+            <a:ext uri="{FF2B5EF4-FFF2-40B4-BE49-F238E27FC236}">
+              <a16:creationId xmlns:a16="http://schemas.microsoft.com/office/drawing/2014/main" id="{BE51F03B-B9BB-0A5B-0338-7C4F504A7346}"/>
+            </a:ext>
+          </a:extLst>
+        </p:cNvPr>
+        <p:cNvGrpSpPr/>
+        <p:nvPr/>
+      </p:nvGrpSpPr>
+      <p:grpSpPr>
+        <a:xfrm>
+          <a:off x="0" y="0"/>
+          <a:ext cx="0" cy="0"/>
+          <a:chOff x="0" y="0"/>
+          <a:chExt cx="0" cy="0"/>
+        </a:xfrm>
+      </p:grpSpPr>
+      <p:sp>
+        <p:nvSpPr>
+          <p:cNvPr id="672" name="Google Shape;672;p36">
+            <a:extLst>
+              <a:ext uri="{FF2B5EF4-FFF2-40B4-BE49-F238E27FC236}">
+                <a16:creationId xmlns:a16="http://schemas.microsoft.com/office/drawing/2014/main" id="{1910A09B-BB38-8D80-C975-5D9B65082C3D}"/>
+              </a:ext>
+            </a:extLst>
+          </p:cNvPr>
+          <p:cNvSpPr txBox="1">
+            <a:spLocks noGrp="1"/>
+          </p:cNvSpPr>
+          <p:nvPr>
+            <p:ph type="title"/>
+          </p:nvPr>
+        </p:nvSpPr>
+        <p:spPr>
+          <a:xfrm>
+            <a:off x="630192" y="66272"/>
+            <a:ext cx="7704000" cy="572700"/>
+          </a:xfrm>
+          <a:prstGeom prst="rect">
+            <a:avLst/>
+          </a:prstGeom>
+        </p:spPr>
+        <p:txBody>
+          <a:bodyPr spcFirstLastPara="1" wrap="square" lIns="91425" tIns="91425" rIns="91425" bIns="91425" anchor="t" anchorCtr="0">
+            <a:noAutofit/>
+          </a:bodyPr>
+          <a:lstStyle/>
+          <a:p>
+            <a:pPr marL="0" lvl="0" indent="0" algn="ctr" rtl="0">
+              <a:spcBef>
+                <a:spcPts val="0"/>
+              </a:spcBef>
+              <a:spcAft>
+                <a:spcPts val="0"/>
+              </a:spcAft>
+              <a:buNone/>
+            </a:pPr>
+            <a:r>
+              <a:rPr lang="pt-BR" dirty="0"/>
+              <a:t>Resultado PCA</a:t>
+            </a:r>
+            <a:endParaRPr dirty="0"/>
+          </a:p>
+        </p:txBody>
+      </p:sp>
+      <p:sp>
+        <p:nvSpPr>
+          <p:cNvPr id="2" name="Google Shape;681;p36">
+            <a:extLst>
+              <a:ext uri="{FF2B5EF4-FFF2-40B4-BE49-F238E27FC236}">
+                <a16:creationId xmlns:a16="http://schemas.microsoft.com/office/drawing/2014/main" id="{A26AF441-9F62-FB3C-193B-94D5AF795FFF}"/>
+              </a:ext>
+            </a:extLst>
+          </p:cNvPr>
+          <p:cNvSpPr txBox="1">
+            <a:spLocks/>
+          </p:cNvSpPr>
+          <p:nvPr/>
+        </p:nvSpPr>
+        <p:spPr>
+          <a:xfrm>
+            <a:off x="4572000" y="1197533"/>
+            <a:ext cx="4316489" cy="2748431"/>
+          </a:xfrm>
+          <a:prstGeom prst="rect">
+            <a:avLst/>
+          </a:prstGeom>
+          <a:noFill/>
+          <a:ln>
+            <a:noFill/>
+          </a:ln>
+        </p:spPr>
+        <p:txBody>
+          <a:bodyPr spcFirstLastPara="1" wrap="square" lIns="91425" tIns="91425" rIns="91425" bIns="91425" anchor="t" anchorCtr="0">
+            <a:noAutofit/>
+          </a:bodyPr>
+          <a:lstStyle>
+            <a:defPPr marR="0" lvl="0" algn="l" rtl="0">
+              <a:lnSpc>
+                <a:spcPct val="100000"/>
+              </a:lnSpc>
+              <a:spcBef>
+                <a:spcPts val="0"/>
+              </a:spcBef>
+              <a:spcAft>
+                <a:spcPts val="0"/>
+              </a:spcAft>
+            </a:defPPr>
+            <a:lvl1pPr marL="457200" marR="0" lvl="0" indent="-304800" algn="ctr" rtl="0">
+              <a:lnSpc>
+                <a:spcPct val="100000"/>
+              </a:lnSpc>
+              <a:spcBef>
+                <a:spcPts val="0"/>
+              </a:spcBef>
+              <a:spcAft>
+                <a:spcPts val="0"/>
+              </a:spcAft>
+              <a:buClr>
+                <a:schemeClr val="dk1"/>
+              </a:buClr>
+              <a:buSzPts val="1200"/>
+              <a:buFont typeface="Space Grotesk"/>
+              <a:buNone/>
+              <a:defRPr sz="1200" b="0" i="0" u="none" strike="noStrike" cap="none">
+                <a:solidFill>
+                  <a:schemeClr val="dk1"/>
+                </a:solidFill>
+                <a:latin typeface="Space Grotesk"/>
+                <a:ea typeface="Space Grotesk"/>
+                <a:cs typeface="Space Grotesk"/>
+                <a:sym typeface="Space Grotesk"/>
+              </a:defRPr>
+            </a:lvl1pPr>
+            <a:lvl2pPr marL="914400" marR="0" lvl="1" indent="-304800" algn="ctr" rtl="0">
+              <a:lnSpc>
+                <a:spcPct val="100000"/>
+              </a:lnSpc>
+              <a:spcBef>
+                <a:spcPts val="0"/>
+              </a:spcBef>
+              <a:spcAft>
+                <a:spcPts val="0"/>
+              </a:spcAft>
+              <a:buClr>
+                <a:schemeClr val="dk1"/>
+              </a:buClr>
+              <a:buSzPts val="1200"/>
+              <a:buFont typeface="Space Grotesk"/>
+              <a:buNone/>
+              <a:defRPr sz="1200" b="0" i="0" u="none" strike="noStrike" cap="none">
+                <a:solidFill>
+                  <a:schemeClr val="dk1"/>
+                </a:solidFill>
+                <a:latin typeface="Space Grotesk"/>
+                <a:ea typeface="Space Grotesk"/>
+                <a:cs typeface="Space Grotesk"/>
+                <a:sym typeface="Space Grotesk"/>
+              </a:defRPr>
+            </a:lvl2pPr>
+            <a:lvl3pPr marL="1371600" marR="0" lvl="2" indent="-304800" algn="ctr" rtl="0">
+              <a:lnSpc>
+                <a:spcPct val="100000"/>
+              </a:lnSpc>
+              <a:spcBef>
+                <a:spcPts val="0"/>
+              </a:spcBef>
+              <a:spcAft>
+                <a:spcPts val="0"/>
+              </a:spcAft>
+              <a:buClr>
+                <a:schemeClr val="dk1"/>
+              </a:buClr>
+              <a:buSzPts val="1200"/>
+              <a:buFont typeface="Space Grotesk"/>
+              <a:buNone/>
+              <a:defRPr sz="1200" b="0" i="0" u="none" strike="noStrike" cap="none">
+                <a:solidFill>
+                  <a:schemeClr val="dk1"/>
+                </a:solidFill>
+                <a:latin typeface="Space Grotesk"/>
+                <a:ea typeface="Space Grotesk"/>
+                <a:cs typeface="Space Grotesk"/>
+                <a:sym typeface="Space Grotesk"/>
+              </a:defRPr>
+            </a:lvl3pPr>
+            <a:lvl4pPr marL="1828800" marR="0" lvl="3" indent="-304800" algn="ctr" rtl="0">
+              <a:lnSpc>
+                <a:spcPct val="100000"/>
+              </a:lnSpc>
+              <a:spcBef>
+                <a:spcPts val="0"/>
+              </a:spcBef>
+              <a:spcAft>
+                <a:spcPts val="0"/>
+              </a:spcAft>
+              <a:buClr>
+                <a:schemeClr val="dk1"/>
+              </a:buClr>
+              <a:buSzPts val="1200"/>
+              <a:buFont typeface="Space Grotesk"/>
+              <a:buNone/>
+              <a:defRPr sz="1200" b="0" i="0" u="none" strike="noStrike" cap="none">
+                <a:solidFill>
+                  <a:schemeClr val="dk1"/>
+                </a:solidFill>
+                <a:latin typeface="Space Grotesk"/>
+                <a:ea typeface="Space Grotesk"/>
+                <a:cs typeface="Space Grotesk"/>
+                <a:sym typeface="Space Grotesk"/>
+              </a:defRPr>
+            </a:lvl4pPr>
+            <a:lvl5pPr marL="2286000" marR="0" lvl="4" indent="-304800" algn="ctr" rtl="0">
+              <a:lnSpc>
+                <a:spcPct val="100000"/>
+              </a:lnSpc>
+              <a:spcBef>
+                <a:spcPts val="0"/>
+              </a:spcBef>
+              <a:spcAft>
+                <a:spcPts val="0"/>
+              </a:spcAft>
+              <a:buClr>
+                <a:schemeClr val="dk1"/>
+              </a:buClr>
+              <a:buSzPts val="1200"/>
+              <a:buFont typeface="Space Grotesk"/>
+              <a:buNone/>
+              <a:defRPr sz="1200" b="0" i="0" u="none" strike="noStrike" cap="none">
+                <a:solidFill>
+                  <a:schemeClr val="dk1"/>
+                </a:solidFill>
+                <a:latin typeface="Space Grotesk"/>
+                <a:ea typeface="Space Grotesk"/>
+                <a:cs typeface="Space Grotesk"/>
+                <a:sym typeface="Space Grotesk"/>
+              </a:defRPr>
+            </a:lvl5pPr>
+            <a:lvl6pPr marL="2743200" marR="0" lvl="5" indent="-304800" algn="ctr" rtl="0">
+              <a:lnSpc>
+                <a:spcPct val="100000"/>
+              </a:lnSpc>
+              <a:spcBef>
+                <a:spcPts val="0"/>
+              </a:spcBef>
+              <a:spcAft>
+                <a:spcPts val="0"/>
+              </a:spcAft>
+              <a:buClr>
+                <a:schemeClr val="dk1"/>
+              </a:buClr>
+              <a:buSzPts val="1200"/>
+              <a:buFont typeface="Space Grotesk"/>
+              <a:buNone/>
+              <a:defRPr sz="1200" b="0" i="0" u="none" strike="noStrike" cap="none">
+                <a:solidFill>
+                  <a:schemeClr val="dk1"/>
+                </a:solidFill>
+                <a:latin typeface="Space Grotesk"/>
+                <a:ea typeface="Space Grotesk"/>
+                <a:cs typeface="Space Grotesk"/>
+                <a:sym typeface="Space Grotesk"/>
+              </a:defRPr>
+            </a:lvl6pPr>
+            <a:lvl7pPr marL="3200400" marR="0" lvl="6" indent="-304800" algn="ctr" rtl="0">
+              <a:lnSpc>
+                <a:spcPct val="100000"/>
+              </a:lnSpc>
+              <a:spcBef>
+                <a:spcPts val="0"/>
+              </a:spcBef>
+              <a:spcAft>
+                <a:spcPts val="0"/>
+              </a:spcAft>
+              <a:buClr>
+                <a:schemeClr val="dk1"/>
+              </a:buClr>
+              <a:buSzPts val="1200"/>
+              <a:buFont typeface="Space Grotesk"/>
+              <a:buNone/>
+              <a:defRPr sz="1200" b="0" i="0" u="none" strike="noStrike" cap="none">
+                <a:solidFill>
+                  <a:schemeClr val="dk1"/>
+                </a:solidFill>
+                <a:latin typeface="Space Grotesk"/>
+                <a:ea typeface="Space Grotesk"/>
+                <a:cs typeface="Space Grotesk"/>
+                <a:sym typeface="Space Grotesk"/>
+              </a:defRPr>
+            </a:lvl7pPr>
+            <a:lvl8pPr marL="3657600" marR="0" lvl="7" indent="-304800" algn="ctr" rtl="0">
+              <a:lnSpc>
+                <a:spcPct val="100000"/>
+              </a:lnSpc>
+              <a:spcBef>
+                <a:spcPts val="0"/>
+              </a:spcBef>
+              <a:spcAft>
+                <a:spcPts val="0"/>
+              </a:spcAft>
+              <a:buClr>
+                <a:schemeClr val="dk1"/>
+              </a:buClr>
+              <a:buSzPts val="1200"/>
+              <a:buFont typeface="Space Grotesk"/>
+              <a:buNone/>
+              <a:defRPr sz="1200" b="0" i="0" u="none" strike="noStrike" cap="none">
+                <a:solidFill>
+                  <a:schemeClr val="dk1"/>
+                </a:solidFill>
+                <a:latin typeface="Space Grotesk"/>
+                <a:ea typeface="Space Grotesk"/>
+                <a:cs typeface="Space Grotesk"/>
+                <a:sym typeface="Space Grotesk"/>
+              </a:defRPr>
+            </a:lvl8pPr>
+            <a:lvl9pPr marL="4114800" marR="0" lvl="8" indent="-304800" algn="ctr" rtl="0">
+              <a:lnSpc>
+                <a:spcPct val="100000"/>
+              </a:lnSpc>
+              <a:spcBef>
+                <a:spcPts val="0"/>
+              </a:spcBef>
+              <a:spcAft>
+                <a:spcPts val="0"/>
+              </a:spcAft>
+              <a:buClr>
+                <a:schemeClr val="dk1"/>
+              </a:buClr>
+              <a:buSzPts val="1200"/>
+              <a:buFont typeface="Space Grotesk"/>
+              <a:buNone/>
+              <a:defRPr sz="1200" b="0" i="0" u="none" strike="noStrike" cap="none">
+                <a:solidFill>
+                  <a:schemeClr val="dk1"/>
+                </a:solidFill>
+                <a:latin typeface="Space Grotesk"/>
+                <a:ea typeface="Space Grotesk"/>
+                <a:cs typeface="Space Grotesk"/>
+                <a:sym typeface="Space Grotesk"/>
+              </a:defRPr>
+            </a:lvl9pPr>
+          </a:lstStyle>
+          <a:p>
+            <a:pPr lvl="0" algn="l">
+              <a:buFont typeface="Arial" panose="020B0604020202020204" pitchFamily="34" charset="0"/>
+              <a:buChar char="•"/>
+            </a:pPr>
+            <a:r>
+              <a:rPr lang="pt-BR" sz="1400" dirty="0">
+                <a:latin typeface="+mj-lt"/>
+              </a:rPr>
+              <a:t>O PCA foi aplicado para reduzir a dimensionalidade, visando melhorar a performance e eliminar redundâncias, com testes preservando 95% e 99% da variância.</a:t>
+            </a:r>
+          </a:p>
+          <a:p>
+            <a:pPr lvl="0" algn="l">
+              <a:buFont typeface="Arial" panose="020B0604020202020204" pitchFamily="34" charset="0"/>
+              <a:buChar char="•"/>
+            </a:pPr>
+            <a:endParaRPr lang="pt-BR" sz="1400" dirty="0">
+              <a:latin typeface="+mj-lt"/>
+            </a:endParaRPr>
+          </a:p>
+          <a:p>
+            <a:pPr lvl="0" algn="l">
+              <a:buFont typeface="Arial" panose="020B0604020202020204" pitchFamily="34" charset="0"/>
+              <a:buChar char="•"/>
+            </a:pPr>
+            <a:br>
+              <a:rPr lang="pt-BR" sz="1400" dirty="0">
+                <a:latin typeface="+mj-lt"/>
+              </a:rPr>
+            </a:br>
+            <a:r>
+              <a:rPr lang="pt-BR" sz="1400" dirty="0">
+                <a:latin typeface="+mj-lt"/>
+              </a:rPr>
+              <a:t>No entanto, não houve melhora nas métricas (F1, AUC, Recall), indicando que variáveis descartadas eram importantes e o modelo já lidava bem com os dados originais.</a:t>
+            </a:r>
+          </a:p>
+        </p:txBody>
+      </p:sp>
+      <p:pic>
+        <p:nvPicPr>
+          <p:cNvPr id="3" name="Imagem 2" descr="Texto&#10;&#10;O conteúdo gerado por IA pode estar incorreto.">
+            <a:extLst>
+              <a:ext uri="{FF2B5EF4-FFF2-40B4-BE49-F238E27FC236}">
+                <a16:creationId xmlns:a16="http://schemas.microsoft.com/office/drawing/2014/main" id="{CD171BD5-D1E8-B024-E039-E44221F96953}"/>
+              </a:ext>
+            </a:extLst>
+          </p:cNvPr>
+          <p:cNvPicPr>
+            <a:picLocks noChangeAspect="1"/>
+          </p:cNvPicPr>
+          <p:nvPr/>
+        </p:nvPicPr>
+        <p:blipFill>
+          <a:blip r:embed="rId3"/>
+          <a:stretch>
+            <a:fillRect/>
+          </a:stretch>
+        </p:blipFill>
+        <p:spPr>
+          <a:xfrm>
+            <a:off x="255511" y="1010497"/>
+            <a:ext cx="4336782" cy="3302118"/>
+          </a:xfrm>
+          <a:prstGeom prst="rect">
+            <a:avLst/>
+          </a:prstGeom>
+          <a:effectLst>
+            <a:outerShdw blurRad="63500" sx="102000" sy="102000" algn="ctr" rotWithShape="0">
+              <a:prstClr val="black">
+                <a:alpha val="40000"/>
+              </a:prstClr>
+            </a:outerShdw>
+          </a:effectLst>
+        </p:spPr>
+      </p:pic>
+    </p:spTree>
+    <p:extLst>
+      <p:ext uri="{BB962C8B-B14F-4D97-AF65-F5344CB8AC3E}">
+        <p14:creationId xmlns:p14="http://schemas.microsoft.com/office/powerpoint/2010/main" val="248278751"/>
       </p:ext>
     </p:extLst>
   </p:cSld>
@@ -38877,566 +38070,6 @@
         <p:cNvPr id="1" name="Shape 671">
           <a:extLst>
             <a:ext uri="{FF2B5EF4-FFF2-40B4-BE49-F238E27FC236}">
-              <a16:creationId xmlns:a16="http://schemas.microsoft.com/office/drawing/2014/main" id="{712C9476-81B5-FE87-C3DE-BE929C848A0D}"/>
-            </a:ext>
-          </a:extLst>
-        </p:cNvPr>
-        <p:cNvGrpSpPr/>
-        <p:nvPr/>
-      </p:nvGrpSpPr>
-      <p:grpSpPr>
-        <a:xfrm>
-          <a:off x="0" y="0"/>
-          <a:ext cx="0" cy="0"/>
-          <a:chOff x="0" y="0"/>
-          <a:chExt cx="0" cy="0"/>
-        </a:xfrm>
-      </p:grpSpPr>
-      <p:sp>
-        <p:nvSpPr>
-          <p:cNvPr id="672" name="Google Shape;672;p36">
-            <a:extLst>
-              <a:ext uri="{FF2B5EF4-FFF2-40B4-BE49-F238E27FC236}">
-                <a16:creationId xmlns:a16="http://schemas.microsoft.com/office/drawing/2014/main" id="{705890BB-F4FC-EAFF-CFE2-A003A028530B}"/>
-              </a:ext>
-            </a:extLst>
-          </p:cNvPr>
-          <p:cNvSpPr txBox="1">
-            <a:spLocks noGrp="1"/>
-          </p:cNvSpPr>
-          <p:nvPr>
-            <p:ph type="title"/>
-          </p:nvPr>
-        </p:nvSpPr>
-        <p:spPr>
-          <a:xfrm>
-            <a:off x="630192" y="66272"/>
-            <a:ext cx="7704000" cy="572700"/>
-          </a:xfrm>
-          <a:prstGeom prst="rect">
-            <a:avLst/>
-          </a:prstGeom>
-        </p:spPr>
-        <p:txBody>
-          <a:bodyPr spcFirstLastPara="1" wrap="square" lIns="91425" tIns="91425" rIns="91425" bIns="91425" anchor="t" anchorCtr="0">
-            <a:noAutofit/>
-          </a:bodyPr>
-          <a:lstStyle/>
-          <a:p>
-            <a:pPr marL="0" lvl="0" indent="0" algn="ctr" rtl="0">
-              <a:spcBef>
-                <a:spcPts val="0"/>
-              </a:spcBef>
-              <a:spcAft>
-                <a:spcPts val="0"/>
-              </a:spcAft>
-              <a:buNone/>
-            </a:pPr>
-            <a:r>
-              <a:rPr lang="pt-BR" dirty="0"/>
-              <a:t>Resultado PCA</a:t>
-            </a:r>
-            <a:endParaRPr dirty="0"/>
-          </a:p>
-        </p:txBody>
-      </p:sp>
-      <p:pic>
-        <p:nvPicPr>
-          <p:cNvPr id="4" name="Imagem 3" descr="Texto, Carta&#10;&#10;O conteúdo gerado por IA pode estar incorreto.">
-            <a:extLst>
-              <a:ext uri="{FF2B5EF4-FFF2-40B4-BE49-F238E27FC236}">
-                <a16:creationId xmlns:a16="http://schemas.microsoft.com/office/drawing/2014/main" id="{6F86D6EA-91FC-5363-A35E-335F3393F64D}"/>
-              </a:ext>
-            </a:extLst>
-          </p:cNvPr>
-          <p:cNvPicPr>
-            <a:picLocks noChangeAspect="1"/>
-          </p:cNvPicPr>
-          <p:nvPr/>
-        </p:nvPicPr>
-        <p:blipFill>
-          <a:blip r:embed="rId3"/>
-          <a:stretch>
-            <a:fillRect/>
-          </a:stretch>
-        </p:blipFill>
-        <p:spPr>
-          <a:xfrm>
-            <a:off x="2371742" y="899431"/>
-            <a:ext cx="4061714" cy="3860347"/>
-          </a:xfrm>
-          <a:prstGeom prst="rect">
-            <a:avLst/>
-          </a:prstGeom>
-          <a:effectLst>
-            <a:outerShdw blurRad="63500" sx="102000" sy="102000" algn="ctr" rotWithShape="0">
-              <a:prstClr val="black">
-                <a:alpha val="40000"/>
-              </a:prstClr>
-            </a:outerShdw>
-          </a:effectLst>
-        </p:spPr>
-      </p:pic>
-    </p:spTree>
-    <p:extLst>
-      <p:ext uri="{BB962C8B-B14F-4D97-AF65-F5344CB8AC3E}">
-        <p14:creationId xmlns:p14="http://schemas.microsoft.com/office/powerpoint/2010/main" val="192793794"/>
-      </p:ext>
-    </p:extLst>
-  </p:cSld>
-  <p:clrMapOvr>
-    <a:masterClrMapping/>
-  </p:clrMapOvr>
-</p:sld>
-</file>
-
-<file path=ppt/slides/slide31.xml><?xml version="1.0" encoding="utf-8"?>
-<p:sld xmlns:a="http://schemas.openxmlformats.org/drawingml/2006/main" xmlns:r="http://schemas.openxmlformats.org/officeDocument/2006/relationships" xmlns:p="http://schemas.openxmlformats.org/presentationml/2006/main">
-  <p:cSld>
-    <p:spTree>
-      <p:nvGrpSpPr>
-        <p:cNvPr id="1" name="Shape 671">
-          <a:extLst>
-            <a:ext uri="{FF2B5EF4-FFF2-40B4-BE49-F238E27FC236}">
-              <a16:creationId xmlns:a16="http://schemas.microsoft.com/office/drawing/2014/main" id="{BE51F03B-B9BB-0A5B-0338-7C4F504A7346}"/>
-            </a:ext>
-          </a:extLst>
-        </p:cNvPr>
-        <p:cNvGrpSpPr/>
-        <p:nvPr/>
-      </p:nvGrpSpPr>
-      <p:grpSpPr>
-        <a:xfrm>
-          <a:off x="0" y="0"/>
-          <a:ext cx="0" cy="0"/>
-          <a:chOff x="0" y="0"/>
-          <a:chExt cx="0" cy="0"/>
-        </a:xfrm>
-      </p:grpSpPr>
-      <p:sp>
-        <p:nvSpPr>
-          <p:cNvPr id="672" name="Google Shape;672;p36">
-            <a:extLst>
-              <a:ext uri="{FF2B5EF4-FFF2-40B4-BE49-F238E27FC236}">
-                <a16:creationId xmlns:a16="http://schemas.microsoft.com/office/drawing/2014/main" id="{1910A09B-BB38-8D80-C975-5D9B65082C3D}"/>
-              </a:ext>
-            </a:extLst>
-          </p:cNvPr>
-          <p:cNvSpPr txBox="1">
-            <a:spLocks noGrp="1"/>
-          </p:cNvSpPr>
-          <p:nvPr>
-            <p:ph type="title"/>
-          </p:nvPr>
-        </p:nvSpPr>
-        <p:spPr>
-          <a:xfrm>
-            <a:off x="630192" y="66272"/>
-            <a:ext cx="7704000" cy="572700"/>
-          </a:xfrm>
-          <a:prstGeom prst="rect">
-            <a:avLst/>
-          </a:prstGeom>
-        </p:spPr>
-        <p:txBody>
-          <a:bodyPr spcFirstLastPara="1" wrap="square" lIns="91425" tIns="91425" rIns="91425" bIns="91425" anchor="t" anchorCtr="0">
-            <a:noAutofit/>
-          </a:bodyPr>
-          <a:lstStyle/>
-          <a:p>
-            <a:pPr marL="0" lvl="0" indent="0" algn="ctr" rtl="0">
-              <a:spcBef>
-                <a:spcPts val="0"/>
-              </a:spcBef>
-              <a:spcAft>
-                <a:spcPts val="0"/>
-              </a:spcAft>
-              <a:buNone/>
-            </a:pPr>
-            <a:r>
-              <a:rPr lang="pt-BR" dirty="0"/>
-              <a:t>Resultado PCA</a:t>
-            </a:r>
-            <a:endParaRPr dirty="0"/>
-          </a:p>
-        </p:txBody>
-      </p:sp>
-      <p:sp>
-        <p:nvSpPr>
-          <p:cNvPr id="2" name="Google Shape;681;p36">
-            <a:extLst>
-              <a:ext uri="{FF2B5EF4-FFF2-40B4-BE49-F238E27FC236}">
-                <a16:creationId xmlns:a16="http://schemas.microsoft.com/office/drawing/2014/main" id="{A26AF441-9F62-FB3C-193B-94D5AF795FFF}"/>
-              </a:ext>
-            </a:extLst>
-          </p:cNvPr>
-          <p:cNvSpPr txBox="1">
-            <a:spLocks/>
-          </p:cNvSpPr>
-          <p:nvPr/>
-        </p:nvSpPr>
-        <p:spPr>
-          <a:xfrm>
-            <a:off x="4572000" y="1197533"/>
-            <a:ext cx="4316489" cy="2748431"/>
-          </a:xfrm>
-          <a:prstGeom prst="rect">
-            <a:avLst/>
-          </a:prstGeom>
-          <a:noFill/>
-          <a:ln>
-            <a:noFill/>
-          </a:ln>
-        </p:spPr>
-        <p:txBody>
-          <a:bodyPr spcFirstLastPara="1" wrap="square" lIns="91425" tIns="91425" rIns="91425" bIns="91425" anchor="t" anchorCtr="0">
-            <a:noAutofit/>
-          </a:bodyPr>
-          <a:lstStyle>
-            <a:defPPr marR="0" lvl="0" algn="l" rtl="0">
-              <a:lnSpc>
-                <a:spcPct val="100000"/>
-              </a:lnSpc>
-              <a:spcBef>
-                <a:spcPts val="0"/>
-              </a:spcBef>
-              <a:spcAft>
-                <a:spcPts val="0"/>
-              </a:spcAft>
-            </a:defPPr>
-            <a:lvl1pPr marL="457200" marR="0" lvl="0" indent="-304800" algn="ctr" rtl="0">
-              <a:lnSpc>
-                <a:spcPct val="100000"/>
-              </a:lnSpc>
-              <a:spcBef>
-                <a:spcPts val="0"/>
-              </a:spcBef>
-              <a:spcAft>
-                <a:spcPts val="0"/>
-              </a:spcAft>
-              <a:buClr>
-                <a:schemeClr val="dk1"/>
-              </a:buClr>
-              <a:buSzPts val="1200"/>
-              <a:buFont typeface="Space Grotesk"/>
-              <a:buNone/>
-              <a:defRPr sz="1200" b="0" i="0" u="none" strike="noStrike" cap="none">
-                <a:solidFill>
-                  <a:schemeClr val="dk1"/>
-                </a:solidFill>
-                <a:latin typeface="Space Grotesk"/>
-                <a:ea typeface="Space Grotesk"/>
-                <a:cs typeface="Space Grotesk"/>
-                <a:sym typeface="Space Grotesk"/>
-              </a:defRPr>
-            </a:lvl1pPr>
-            <a:lvl2pPr marL="914400" marR="0" lvl="1" indent="-304800" algn="ctr" rtl="0">
-              <a:lnSpc>
-                <a:spcPct val="100000"/>
-              </a:lnSpc>
-              <a:spcBef>
-                <a:spcPts val="0"/>
-              </a:spcBef>
-              <a:spcAft>
-                <a:spcPts val="0"/>
-              </a:spcAft>
-              <a:buClr>
-                <a:schemeClr val="dk1"/>
-              </a:buClr>
-              <a:buSzPts val="1200"/>
-              <a:buFont typeface="Space Grotesk"/>
-              <a:buNone/>
-              <a:defRPr sz="1200" b="0" i="0" u="none" strike="noStrike" cap="none">
-                <a:solidFill>
-                  <a:schemeClr val="dk1"/>
-                </a:solidFill>
-                <a:latin typeface="Space Grotesk"/>
-                <a:ea typeface="Space Grotesk"/>
-                <a:cs typeface="Space Grotesk"/>
-                <a:sym typeface="Space Grotesk"/>
-              </a:defRPr>
-            </a:lvl2pPr>
-            <a:lvl3pPr marL="1371600" marR="0" lvl="2" indent="-304800" algn="ctr" rtl="0">
-              <a:lnSpc>
-                <a:spcPct val="100000"/>
-              </a:lnSpc>
-              <a:spcBef>
-                <a:spcPts val="0"/>
-              </a:spcBef>
-              <a:spcAft>
-                <a:spcPts val="0"/>
-              </a:spcAft>
-              <a:buClr>
-                <a:schemeClr val="dk1"/>
-              </a:buClr>
-              <a:buSzPts val="1200"/>
-              <a:buFont typeface="Space Grotesk"/>
-              <a:buNone/>
-              <a:defRPr sz="1200" b="0" i="0" u="none" strike="noStrike" cap="none">
-                <a:solidFill>
-                  <a:schemeClr val="dk1"/>
-                </a:solidFill>
-                <a:latin typeface="Space Grotesk"/>
-                <a:ea typeface="Space Grotesk"/>
-                <a:cs typeface="Space Grotesk"/>
-                <a:sym typeface="Space Grotesk"/>
-              </a:defRPr>
-            </a:lvl3pPr>
-            <a:lvl4pPr marL="1828800" marR="0" lvl="3" indent="-304800" algn="ctr" rtl="0">
-              <a:lnSpc>
-                <a:spcPct val="100000"/>
-              </a:lnSpc>
-              <a:spcBef>
-                <a:spcPts val="0"/>
-              </a:spcBef>
-              <a:spcAft>
-                <a:spcPts val="0"/>
-              </a:spcAft>
-              <a:buClr>
-                <a:schemeClr val="dk1"/>
-              </a:buClr>
-              <a:buSzPts val="1200"/>
-              <a:buFont typeface="Space Grotesk"/>
-              <a:buNone/>
-              <a:defRPr sz="1200" b="0" i="0" u="none" strike="noStrike" cap="none">
-                <a:solidFill>
-                  <a:schemeClr val="dk1"/>
-                </a:solidFill>
-                <a:latin typeface="Space Grotesk"/>
-                <a:ea typeface="Space Grotesk"/>
-                <a:cs typeface="Space Grotesk"/>
-                <a:sym typeface="Space Grotesk"/>
-              </a:defRPr>
-            </a:lvl4pPr>
-            <a:lvl5pPr marL="2286000" marR="0" lvl="4" indent="-304800" algn="ctr" rtl="0">
-              <a:lnSpc>
-                <a:spcPct val="100000"/>
-              </a:lnSpc>
-              <a:spcBef>
-                <a:spcPts val="0"/>
-              </a:spcBef>
-              <a:spcAft>
-                <a:spcPts val="0"/>
-              </a:spcAft>
-              <a:buClr>
-                <a:schemeClr val="dk1"/>
-              </a:buClr>
-              <a:buSzPts val="1200"/>
-              <a:buFont typeface="Space Grotesk"/>
-              <a:buNone/>
-              <a:defRPr sz="1200" b="0" i="0" u="none" strike="noStrike" cap="none">
-                <a:solidFill>
-                  <a:schemeClr val="dk1"/>
-                </a:solidFill>
-                <a:latin typeface="Space Grotesk"/>
-                <a:ea typeface="Space Grotesk"/>
-                <a:cs typeface="Space Grotesk"/>
-                <a:sym typeface="Space Grotesk"/>
-              </a:defRPr>
-            </a:lvl5pPr>
-            <a:lvl6pPr marL="2743200" marR="0" lvl="5" indent="-304800" algn="ctr" rtl="0">
-              <a:lnSpc>
-                <a:spcPct val="100000"/>
-              </a:lnSpc>
-              <a:spcBef>
-                <a:spcPts val="0"/>
-              </a:spcBef>
-              <a:spcAft>
-                <a:spcPts val="0"/>
-              </a:spcAft>
-              <a:buClr>
-                <a:schemeClr val="dk1"/>
-              </a:buClr>
-              <a:buSzPts val="1200"/>
-              <a:buFont typeface="Space Grotesk"/>
-              <a:buNone/>
-              <a:defRPr sz="1200" b="0" i="0" u="none" strike="noStrike" cap="none">
-                <a:solidFill>
-                  <a:schemeClr val="dk1"/>
-                </a:solidFill>
-                <a:latin typeface="Space Grotesk"/>
-                <a:ea typeface="Space Grotesk"/>
-                <a:cs typeface="Space Grotesk"/>
-                <a:sym typeface="Space Grotesk"/>
-              </a:defRPr>
-            </a:lvl6pPr>
-            <a:lvl7pPr marL="3200400" marR="0" lvl="6" indent="-304800" algn="ctr" rtl="0">
-              <a:lnSpc>
-                <a:spcPct val="100000"/>
-              </a:lnSpc>
-              <a:spcBef>
-                <a:spcPts val="0"/>
-              </a:spcBef>
-              <a:spcAft>
-                <a:spcPts val="0"/>
-              </a:spcAft>
-              <a:buClr>
-                <a:schemeClr val="dk1"/>
-              </a:buClr>
-              <a:buSzPts val="1200"/>
-              <a:buFont typeface="Space Grotesk"/>
-              <a:buNone/>
-              <a:defRPr sz="1200" b="0" i="0" u="none" strike="noStrike" cap="none">
-                <a:solidFill>
-                  <a:schemeClr val="dk1"/>
-                </a:solidFill>
-                <a:latin typeface="Space Grotesk"/>
-                <a:ea typeface="Space Grotesk"/>
-                <a:cs typeface="Space Grotesk"/>
-                <a:sym typeface="Space Grotesk"/>
-              </a:defRPr>
-            </a:lvl7pPr>
-            <a:lvl8pPr marL="3657600" marR="0" lvl="7" indent="-304800" algn="ctr" rtl="0">
-              <a:lnSpc>
-                <a:spcPct val="100000"/>
-              </a:lnSpc>
-              <a:spcBef>
-                <a:spcPts val="0"/>
-              </a:spcBef>
-              <a:spcAft>
-                <a:spcPts val="0"/>
-              </a:spcAft>
-              <a:buClr>
-                <a:schemeClr val="dk1"/>
-              </a:buClr>
-              <a:buSzPts val="1200"/>
-              <a:buFont typeface="Space Grotesk"/>
-              <a:buNone/>
-              <a:defRPr sz="1200" b="0" i="0" u="none" strike="noStrike" cap="none">
-                <a:solidFill>
-                  <a:schemeClr val="dk1"/>
-                </a:solidFill>
-                <a:latin typeface="Space Grotesk"/>
-                <a:ea typeface="Space Grotesk"/>
-                <a:cs typeface="Space Grotesk"/>
-                <a:sym typeface="Space Grotesk"/>
-              </a:defRPr>
-            </a:lvl8pPr>
-            <a:lvl9pPr marL="4114800" marR="0" lvl="8" indent="-304800" algn="ctr" rtl="0">
-              <a:lnSpc>
-                <a:spcPct val="100000"/>
-              </a:lnSpc>
-              <a:spcBef>
-                <a:spcPts val="0"/>
-              </a:spcBef>
-              <a:spcAft>
-                <a:spcPts val="0"/>
-              </a:spcAft>
-              <a:buClr>
-                <a:schemeClr val="dk1"/>
-              </a:buClr>
-              <a:buSzPts val="1200"/>
-              <a:buFont typeface="Space Grotesk"/>
-              <a:buNone/>
-              <a:defRPr sz="1200" b="0" i="0" u="none" strike="noStrike" cap="none">
-                <a:solidFill>
-                  <a:schemeClr val="dk1"/>
-                </a:solidFill>
-                <a:latin typeface="Space Grotesk"/>
-                <a:ea typeface="Space Grotesk"/>
-                <a:cs typeface="Space Grotesk"/>
-                <a:sym typeface="Space Grotesk"/>
-              </a:defRPr>
-            </a:lvl9pPr>
-          </a:lstStyle>
-          <a:p>
-            <a:pPr lvl="0" algn="l">
-              <a:buFont typeface="Arial" panose="020B0604020202020204" pitchFamily="34" charset="0"/>
-              <a:buChar char="•"/>
-            </a:pPr>
-            <a:r>
-              <a:rPr lang="pt-BR" sz="1400" dirty="0">
-                <a:latin typeface="+mj-lt"/>
-              </a:rPr>
-              <a:t>O PCA foi aplicado para reduzir a dimensionalidade, visando melhorar a performance e eliminar redundâncias, com testes preservando 95% e 99% da variância.</a:t>
-            </a:r>
-          </a:p>
-          <a:p>
-            <a:pPr lvl="0" algn="l">
-              <a:buFont typeface="Arial" panose="020B0604020202020204" pitchFamily="34" charset="0"/>
-              <a:buChar char="•"/>
-            </a:pPr>
-            <a:endParaRPr lang="pt-BR" sz="1400" dirty="0">
-              <a:latin typeface="+mj-lt"/>
-            </a:endParaRPr>
-          </a:p>
-          <a:p>
-            <a:pPr lvl="0" algn="l">
-              <a:buFont typeface="Arial" panose="020B0604020202020204" pitchFamily="34" charset="0"/>
-              <a:buChar char="•"/>
-            </a:pPr>
-            <a:br>
-              <a:rPr lang="pt-BR" sz="1400" dirty="0">
-                <a:latin typeface="+mj-lt"/>
-              </a:rPr>
-            </a:br>
-            <a:r>
-              <a:rPr lang="pt-BR" sz="1400" dirty="0">
-                <a:latin typeface="+mj-lt"/>
-              </a:rPr>
-              <a:t>No entanto, não houve melhora nas métricas (F1, AUC, Recall), indicando que variáveis descartadas eram importantes e o modelo já lidava bem com os dados originais.</a:t>
-            </a:r>
-          </a:p>
-        </p:txBody>
-      </p:sp>
-      <p:pic>
-        <p:nvPicPr>
-          <p:cNvPr id="3" name="Imagem 2" descr="Texto&#10;&#10;O conteúdo gerado por IA pode estar incorreto.">
-            <a:extLst>
-              <a:ext uri="{FF2B5EF4-FFF2-40B4-BE49-F238E27FC236}">
-                <a16:creationId xmlns:a16="http://schemas.microsoft.com/office/drawing/2014/main" id="{CD171BD5-D1E8-B024-E039-E44221F96953}"/>
-              </a:ext>
-            </a:extLst>
-          </p:cNvPr>
-          <p:cNvPicPr>
-            <a:picLocks noChangeAspect="1"/>
-          </p:cNvPicPr>
-          <p:nvPr/>
-        </p:nvPicPr>
-        <p:blipFill>
-          <a:blip r:embed="rId3"/>
-          <a:stretch>
-            <a:fillRect/>
-          </a:stretch>
-        </p:blipFill>
-        <p:spPr>
-          <a:xfrm>
-            <a:off x="255511" y="1010497"/>
-            <a:ext cx="4336782" cy="3302118"/>
-          </a:xfrm>
-          <a:prstGeom prst="rect">
-            <a:avLst/>
-          </a:prstGeom>
-          <a:effectLst>
-            <a:outerShdw blurRad="63500" sx="102000" sy="102000" algn="ctr" rotWithShape="0">
-              <a:prstClr val="black">
-                <a:alpha val="40000"/>
-              </a:prstClr>
-            </a:outerShdw>
-          </a:effectLst>
-        </p:spPr>
-      </p:pic>
-    </p:spTree>
-    <p:extLst>
-      <p:ext uri="{BB962C8B-B14F-4D97-AF65-F5344CB8AC3E}">
-        <p14:creationId xmlns:p14="http://schemas.microsoft.com/office/powerpoint/2010/main" val="248278751"/>
-      </p:ext>
-    </p:extLst>
-  </p:cSld>
-  <p:clrMapOvr>
-    <a:masterClrMapping/>
-  </p:clrMapOvr>
-</p:sld>
-</file>
-
-<file path=ppt/slides/slide32.xml><?xml version="1.0" encoding="utf-8"?>
-<p:sld xmlns:a="http://schemas.openxmlformats.org/drawingml/2006/main" xmlns:r="http://schemas.openxmlformats.org/officeDocument/2006/relationships" xmlns:p="http://schemas.openxmlformats.org/presentationml/2006/main">
-  <p:cSld>
-    <p:spTree>
-      <p:nvGrpSpPr>
-        <p:cNvPr id="1" name="Shape 671">
-          <a:extLst>
-            <a:ext uri="{FF2B5EF4-FFF2-40B4-BE49-F238E27FC236}">
               <a16:creationId xmlns:a16="http://schemas.microsoft.com/office/drawing/2014/main" id="{B81FB41A-490F-B2FC-5EE8-C7398BCB2323}"/>
             </a:ext>
           </a:extLst>
@@ -39824,7 +38457,7 @@
               <a:rPr lang="pt-BR" sz="1400" dirty="0">
                 <a:latin typeface="+mj-lt"/>
               </a:rPr>
-              <a:t>Conclui-se que o PCA não trouxe ganhos neste caso, reforçando que toda técnica deve ser validada empiricamente antes de aplicar qualquer pré-processamento em produção.</a:t>
+              <a:t>Conclui-se que o PCA não trouxe muitos ganhos neste caso, reforçando que toda técnica deve ser validada empiricamente antes de aplicar qualquer pré-processamento em produção.</a:t>
             </a:r>
           </a:p>
         </p:txBody>
@@ -39842,7 +38475,7 @@
 </p:sld>
 </file>
 
-<file path=ppt/slides/slide33.xml><?xml version="1.0" encoding="utf-8"?>
+<file path=ppt/slides/slide31.xml><?xml version="1.0" encoding="utf-8"?>
 <p:sld xmlns:a="http://schemas.openxmlformats.org/drawingml/2006/main" xmlns:r="http://schemas.openxmlformats.org/officeDocument/2006/relationships" xmlns:p="http://schemas.openxmlformats.org/presentationml/2006/main">
   <p:cSld>
     <p:spTree>
@@ -42595,8 +41228,17 @@
               <a:rPr lang="pt-BR" sz="1400" dirty="0">
                 <a:latin typeface="+mj-lt"/>
               </a:rPr>
-              <a:t>árvore de decisão</a:t>
+              <a:t>modelo </a:t>
             </a:r>
+            <a:r>
+              <a:rPr lang="pt-BR" sz="1400" dirty="0" err="1">
+                <a:latin typeface="+mj-lt"/>
+              </a:rPr>
+              <a:t>XGBoost</a:t>
+            </a:r>
+            <a:endParaRPr lang="pt-BR" sz="1400" dirty="0">
+              <a:latin typeface="+mj-lt"/>
+            </a:endParaRPr>
           </a:p>
           <a:p>
             <a:pPr marL="171450" indent="-171450" algn="l">
@@ -44622,7 +43264,7 @@
         <p:cNvPr id="1" name="Shape 671">
           <a:extLst>
             <a:ext uri="{FF2B5EF4-FFF2-40B4-BE49-F238E27FC236}">
-              <a16:creationId xmlns:a16="http://schemas.microsoft.com/office/drawing/2014/main" id="{C41F392E-C5DF-6B2C-E16A-1249DA28F379}"/>
+              <a16:creationId xmlns:a16="http://schemas.microsoft.com/office/drawing/2014/main" id="{85F0DBF7-A7F4-F471-7B4D-58B550E8C3AB}"/>
             </a:ext>
           </a:extLst>
         </p:cNvPr>
@@ -44642,7 +43284,7 @@
           <p:cNvPr id="672" name="Google Shape;672;p36">
             <a:extLst>
               <a:ext uri="{FF2B5EF4-FFF2-40B4-BE49-F238E27FC236}">
-                <a16:creationId xmlns:a16="http://schemas.microsoft.com/office/drawing/2014/main" id="{DBBE1254-8D78-9B3B-41BE-B88A94D0A397}"/>
+                <a16:creationId xmlns:a16="http://schemas.microsoft.com/office/drawing/2014/main" id="{4B92A45D-A8B9-0E3E-134B-064914D66D22}"/>
               </a:ext>
             </a:extLst>
           </p:cNvPr>
@@ -44655,8 +43297,8 @@
         </p:nvSpPr>
         <p:spPr>
           <a:xfrm>
-            <a:off x="720000" y="445025"/>
-            <a:ext cx="7704000" cy="572700"/>
+            <a:off x="620252" y="264183"/>
+            <a:ext cx="7903495" cy="572700"/>
           </a:xfrm>
           <a:prstGeom prst="rect">
             <a:avLst/>
@@ -44678,16 +43320,12 @@
               <a:buNone/>
             </a:pPr>
             <a:r>
-              <a:rPr lang="en" dirty="0"/>
-              <a:t>Tratamento de M</a:t>
+              <a:rPr lang="pt-BR" dirty="0"/>
+              <a:t>Visualização </a:t>
             </a:r>
             <a:r>
-              <a:rPr lang="pt-BR" dirty="0"/>
-              <a:t>i</a:t>
-            </a:r>
-            <a:r>
-              <a:rPr lang="en" dirty="0"/>
-              <a:t>ssing Values</a:t>
+              <a:rPr lang="pt-BR" dirty="0" err="1"/>
+              <a:t>pré-balancemaneto</a:t>
             </a:r>
             <a:endParaRPr dirty="0"/>
           </a:p>
@@ -44698,7 +43336,7 @@
           <p:cNvPr id="23" name="Subtítulo 14">
             <a:extLst>
               <a:ext uri="{FF2B5EF4-FFF2-40B4-BE49-F238E27FC236}">
-                <a16:creationId xmlns:a16="http://schemas.microsoft.com/office/drawing/2014/main" id="{09B81B1E-4AD6-75E0-9F33-0E411ED55B2F}"/>
+                <a16:creationId xmlns:a16="http://schemas.microsoft.com/office/drawing/2014/main" id="{DF2D4736-2F25-EC5F-6750-479235D67234}"/>
               </a:ext>
             </a:extLst>
           </p:cNvPr>
@@ -44981,7 +43619,7 @@
           <p:cNvPr id="3" name="Google Shape;681;p36">
             <a:extLst>
               <a:ext uri="{FF2B5EF4-FFF2-40B4-BE49-F238E27FC236}">
-                <a16:creationId xmlns:a16="http://schemas.microsoft.com/office/drawing/2014/main" id="{47A74DF0-EDBC-9A95-FA97-818058E120D1}"/>
+                <a16:creationId xmlns:a16="http://schemas.microsoft.com/office/drawing/2014/main" id="{FB2A16DB-200C-6085-9CAB-5B3D606A651B}"/>
               </a:ext>
             </a:extLst>
           </p:cNvPr>
@@ -44992,8 +43630,8 @@
         </p:nvSpPr>
         <p:spPr>
           <a:xfrm>
-            <a:off x="5487945" y="1893683"/>
-            <a:ext cx="2839628" cy="1655679"/>
+            <a:off x="5618113" y="2475450"/>
+            <a:ext cx="3141705" cy="1655679"/>
           </a:xfrm>
           <a:prstGeom prst="rect">
             <a:avLst/>
@@ -45260,44 +43898,32 @@
               <a:buChar char="•"/>
             </a:pPr>
             <a:r>
-              <a:rPr lang="pt-BR" sz="1600" b="1" dirty="0">
+              <a:rPr lang="pt-BR" sz="1600" dirty="0">
                 <a:latin typeface="+mj-lt"/>
               </a:rPr>
-              <a:t>‘</a:t>
+              <a:t>Criação de gráfico com </a:t>
+            </a:r>
+            <a:r>
+              <a:rPr lang="pt-BR" sz="1600" b="1" dirty="0" err="1">
+                <a:latin typeface="+mj-lt"/>
+              </a:rPr>
+              <a:t>matplotlib</a:t>
             </a:r>
             <a:r>
               <a:rPr lang="pt-BR" sz="1600" dirty="0">
                 <a:latin typeface="+mj-lt"/>
               </a:rPr>
-              <a:t>Atributos preditores: </a:t>
-            </a:r>
-            <a:r>
-              <a:rPr lang="pt-BR" sz="1600" b="1" dirty="0" err="1">
-                <a:latin typeface="+mj-lt"/>
-              </a:rPr>
-              <a:t>fraud_bool</a:t>
-            </a:r>
-            <a:r>
-              <a:rPr lang="pt-BR" sz="1600" b="1" dirty="0">
-                <a:latin typeface="+mj-lt"/>
-              </a:rPr>
-              <a:t> </a:t>
-            </a:r>
-            <a:r>
-              <a:rPr lang="pt-BR" sz="1600" dirty="0">
-                <a:latin typeface="+mj-lt"/>
-              </a:rPr>
-              <a:t>como Y e demais colunas como X</a:t>
+              <a:t> traduz o desbalanceamento de transações fraudulentas</a:t>
             </a:r>
           </a:p>
         </p:txBody>
       </p:sp>
       <p:pic>
         <p:nvPicPr>
-          <p:cNvPr id="2" name="Imagem 1" descr="Texto&#10;&#10;O conteúdo gerado por IA pode estar incorreto.">
+          <p:cNvPr id="4" name="Imagem 3" descr="Gráfico, Gráfico de barras&#10;&#10;O conteúdo gerado por IA pode estar incorreto.">
             <a:extLst>
               <a:ext uri="{FF2B5EF4-FFF2-40B4-BE49-F238E27FC236}">
-                <a16:creationId xmlns:a16="http://schemas.microsoft.com/office/drawing/2014/main" id="{6CE2A10F-8F80-5EFE-ECF5-0BFB5686A055}"/>
+                <a16:creationId xmlns:a16="http://schemas.microsoft.com/office/drawing/2014/main" id="{E931EFF9-D9BE-96F8-8938-6C7DCCA7BF29}"/>
               </a:ext>
             </a:extLst>
           </p:cNvPr>
@@ -45314,8 +43940,45 @@
         </p:blipFill>
         <p:spPr>
           <a:xfrm>
-            <a:off x="816427" y="1893683"/>
-            <a:ext cx="3850103" cy="994610"/>
+            <a:off x="542880" y="1138659"/>
+            <a:ext cx="4666797" cy="3840655"/>
+          </a:xfrm>
+          <a:prstGeom prst="rect">
+            <a:avLst/>
+          </a:prstGeom>
+          <a:effectLst>
+            <a:outerShdw blurRad="63500" sx="102000" sy="102000" algn="ctr" rotWithShape="0">
+              <a:prstClr val="black">
+                <a:alpha val="40000"/>
+              </a:prstClr>
+            </a:outerShdw>
+          </a:effectLst>
+        </p:spPr>
+      </p:pic>
+      <p:pic>
+        <p:nvPicPr>
+          <p:cNvPr id="2" name="Imagem 1" descr="Texto&#10;&#10;O conteúdo gerado por IA pode estar incorreto.">
+            <a:extLst>
+              <a:ext uri="{FF2B5EF4-FFF2-40B4-BE49-F238E27FC236}">
+                <a16:creationId xmlns:a16="http://schemas.microsoft.com/office/drawing/2014/main" id="{31DF3464-C1C8-50E4-F7E4-9348365CED62}"/>
+              </a:ext>
+            </a:extLst>
+          </p:cNvPr>
+          <p:cNvPicPr>
+            <a:picLocks noChangeAspect="1"/>
+          </p:cNvPicPr>
+          <p:nvPr/>
+        </p:nvPicPr>
+        <p:blipFill>
+          <a:blip r:embed="rId4"/>
+          <a:stretch>
+            <a:fillRect/>
+          </a:stretch>
+        </p:blipFill>
+        <p:spPr>
+          <a:xfrm>
+            <a:off x="5503157" y="1138659"/>
+            <a:ext cx="3371616" cy="871001"/>
           </a:xfrm>
           <a:prstGeom prst="rect">
             <a:avLst/>
@@ -45332,7 +43995,7 @@
     </p:spTree>
     <p:extLst>
       <p:ext uri="{BB962C8B-B14F-4D97-AF65-F5344CB8AC3E}">
-        <p14:creationId xmlns:p14="http://schemas.microsoft.com/office/powerpoint/2010/main" val="1763424738"/>
+        <p14:creationId xmlns:p14="http://schemas.microsoft.com/office/powerpoint/2010/main" val="1556373821"/>
       </p:ext>
     </p:extLst>
   </p:cSld>

--- a/A3_AI.pptx
+++ b/A3_AI.pptx
@@ -23399,7 +23399,7 @@
         </p:nvSpPr>
         <p:spPr>
           <a:xfrm>
-            <a:off x="1216950" y="1540325"/>
+            <a:off x="1185870" y="740867"/>
             <a:ext cx="6710100" cy="1577700"/>
           </a:xfrm>
           <a:prstGeom prst="rect">
@@ -23449,7 +23449,7 @@
         </p:nvSpPr>
         <p:spPr>
           <a:xfrm>
-            <a:off x="2307600" y="3041850"/>
+            <a:off x="2179763" y="2261093"/>
             <a:ext cx="4528800" cy="475800"/>
           </a:xfrm>
           <a:prstGeom prst="rect">
@@ -23913,6 +23913,326 @@
           </p:sp>
         </p:grpSp>
       </p:grpSp>
+      <p:sp>
+        <p:nvSpPr>
+          <p:cNvPr id="617" name="Google Shape;617;p32">
+            <a:extLst>
+              <a:ext uri="{FF2B5EF4-FFF2-40B4-BE49-F238E27FC236}">
+                <a16:creationId xmlns:a16="http://schemas.microsoft.com/office/drawing/2014/main" id="{81A355CE-3E45-68DB-7539-822A7CAF4C68}"/>
+              </a:ext>
+            </a:extLst>
+          </p:cNvPr>
+          <p:cNvSpPr txBox="1">
+            <a:spLocks/>
+          </p:cNvSpPr>
+          <p:nvPr/>
+        </p:nvSpPr>
+        <p:spPr>
+          <a:xfrm>
+            <a:off x="1586176" y="2583705"/>
+            <a:ext cx="5909488" cy="923400"/>
+          </a:xfrm>
+          <a:prstGeom prst="rect">
+            <a:avLst/>
+          </a:prstGeom>
+          <a:noFill/>
+          <a:ln>
+            <a:noFill/>
+          </a:ln>
+        </p:spPr>
+        <p:txBody>
+          <a:bodyPr spcFirstLastPara="1" wrap="square" lIns="91425" tIns="91425" rIns="91425" bIns="91425" anchor="t" anchorCtr="0">
+            <a:noAutofit/>
+          </a:bodyPr>
+          <a:lstStyle>
+            <a:defPPr marR="0" lvl="0" algn="l" rtl="0">
+              <a:lnSpc>
+                <a:spcPct val="100000"/>
+              </a:lnSpc>
+              <a:spcBef>
+                <a:spcPts val="0"/>
+              </a:spcBef>
+              <a:spcAft>
+                <a:spcPts val="0"/>
+              </a:spcAft>
+            </a:defPPr>
+            <a:lvl1pPr marR="0" lvl="0" algn="ctr" rtl="0">
+              <a:lnSpc>
+                <a:spcPct val="100000"/>
+              </a:lnSpc>
+              <a:spcBef>
+                <a:spcPts val="0"/>
+              </a:spcBef>
+              <a:spcAft>
+                <a:spcPts val="0"/>
+              </a:spcAft>
+              <a:buClr>
+                <a:schemeClr val="dk1"/>
+              </a:buClr>
+              <a:buSzPts val="5200"/>
+              <a:buFont typeface="Michroma"/>
+              <a:buNone/>
+              <a:defRPr sz="5000" b="1" i="0" u="none" strike="noStrike" cap="none">
+                <a:solidFill>
+                  <a:schemeClr val="dk1"/>
+                </a:solidFill>
+                <a:latin typeface="Michroma"/>
+                <a:ea typeface="Michroma"/>
+                <a:cs typeface="Michroma"/>
+                <a:sym typeface="Michroma"/>
+              </a:defRPr>
+            </a:lvl1pPr>
+            <a:lvl2pPr marR="0" lvl="1" algn="ctr" rtl="0">
+              <a:lnSpc>
+                <a:spcPct val="100000"/>
+              </a:lnSpc>
+              <a:spcBef>
+                <a:spcPts val="0"/>
+              </a:spcBef>
+              <a:spcAft>
+                <a:spcPts val="0"/>
+              </a:spcAft>
+              <a:buClr>
+                <a:srgbClr val="191919"/>
+              </a:buClr>
+              <a:buSzPts val="5200"/>
+              <a:buFont typeface="Michroma"/>
+              <a:buNone/>
+              <a:defRPr sz="5200" b="1" i="0" u="none" strike="noStrike" cap="none">
+                <a:solidFill>
+                  <a:srgbClr val="191919"/>
+                </a:solidFill>
+                <a:latin typeface="Michroma"/>
+                <a:ea typeface="Michroma"/>
+                <a:cs typeface="Michroma"/>
+                <a:sym typeface="Michroma"/>
+              </a:defRPr>
+            </a:lvl2pPr>
+            <a:lvl3pPr marR="0" lvl="2" algn="ctr" rtl="0">
+              <a:lnSpc>
+                <a:spcPct val="100000"/>
+              </a:lnSpc>
+              <a:spcBef>
+                <a:spcPts val="0"/>
+              </a:spcBef>
+              <a:spcAft>
+                <a:spcPts val="0"/>
+              </a:spcAft>
+              <a:buClr>
+                <a:srgbClr val="191919"/>
+              </a:buClr>
+              <a:buSzPts val="5200"/>
+              <a:buFont typeface="Michroma"/>
+              <a:buNone/>
+              <a:defRPr sz="5200" b="1" i="0" u="none" strike="noStrike" cap="none">
+                <a:solidFill>
+                  <a:srgbClr val="191919"/>
+                </a:solidFill>
+                <a:latin typeface="Michroma"/>
+                <a:ea typeface="Michroma"/>
+                <a:cs typeface="Michroma"/>
+                <a:sym typeface="Michroma"/>
+              </a:defRPr>
+            </a:lvl3pPr>
+            <a:lvl4pPr marR="0" lvl="3" algn="ctr" rtl="0">
+              <a:lnSpc>
+                <a:spcPct val="100000"/>
+              </a:lnSpc>
+              <a:spcBef>
+                <a:spcPts val="0"/>
+              </a:spcBef>
+              <a:spcAft>
+                <a:spcPts val="0"/>
+              </a:spcAft>
+              <a:buClr>
+                <a:srgbClr val="191919"/>
+              </a:buClr>
+              <a:buSzPts val="5200"/>
+              <a:buFont typeface="Michroma"/>
+              <a:buNone/>
+              <a:defRPr sz="5200" b="1" i="0" u="none" strike="noStrike" cap="none">
+                <a:solidFill>
+                  <a:srgbClr val="191919"/>
+                </a:solidFill>
+                <a:latin typeface="Michroma"/>
+                <a:ea typeface="Michroma"/>
+                <a:cs typeface="Michroma"/>
+                <a:sym typeface="Michroma"/>
+              </a:defRPr>
+            </a:lvl4pPr>
+            <a:lvl5pPr marR="0" lvl="4" algn="ctr" rtl="0">
+              <a:lnSpc>
+                <a:spcPct val="100000"/>
+              </a:lnSpc>
+              <a:spcBef>
+                <a:spcPts val="0"/>
+              </a:spcBef>
+              <a:spcAft>
+                <a:spcPts val="0"/>
+              </a:spcAft>
+              <a:buClr>
+                <a:srgbClr val="191919"/>
+              </a:buClr>
+              <a:buSzPts val="5200"/>
+              <a:buFont typeface="Michroma"/>
+              <a:buNone/>
+              <a:defRPr sz="5200" b="1" i="0" u="none" strike="noStrike" cap="none">
+                <a:solidFill>
+                  <a:srgbClr val="191919"/>
+                </a:solidFill>
+                <a:latin typeface="Michroma"/>
+                <a:ea typeface="Michroma"/>
+                <a:cs typeface="Michroma"/>
+                <a:sym typeface="Michroma"/>
+              </a:defRPr>
+            </a:lvl5pPr>
+            <a:lvl6pPr marR="0" lvl="5" algn="ctr" rtl="0">
+              <a:lnSpc>
+                <a:spcPct val="100000"/>
+              </a:lnSpc>
+              <a:spcBef>
+                <a:spcPts val="0"/>
+              </a:spcBef>
+              <a:spcAft>
+                <a:spcPts val="0"/>
+              </a:spcAft>
+              <a:buClr>
+                <a:srgbClr val="191919"/>
+              </a:buClr>
+              <a:buSzPts val="5200"/>
+              <a:buFont typeface="Michroma"/>
+              <a:buNone/>
+              <a:defRPr sz="5200" b="1" i="0" u="none" strike="noStrike" cap="none">
+                <a:solidFill>
+                  <a:srgbClr val="191919"/>
+                </a:solidFill>
+                <a:latin typeface="Michroma"/>
+                <a:ea typeface="Michroma"/>
+                <a:cs typeface="Michroma"/>
+                <a:sym typeface="Michroma"/>
+              </a:defRPr>
+            </a:lvl6pPr>
+            <a:lvl7pPr marR="0" lvl="6" algn="ctr" rtl="0">
+              <a:lnSpc>
+                <a:spcPct val="100000"/>
+              </a:lnSpc>
+              <a:spcBef>
+                <a:spcPts val="0"/>
+              </a:spcBef>
+              <a:spcAft>
+                <a:spcPts val="0"/>
+              </a:spcAft>
+              <a:buClr>
+                <a:srgbClr val="191919"/>
+              </a:buClr>
+              <a:buSzPts val="5200"/>
+              <a:buFont typeface="Michroma"/>
+              <a:buNone/>
+              <a:defRPr sz="5200" b="1" i="0" u="none" strike="noStrike" cap="none">
+                <a:solidFill>
+                  <a:srgbClr val="191919"/>
+                </a:solidFill>
+                <a:latin typeface="Michroma"/>
+                <a:ea typeface="Michroma"/>
+                <a:cs typeface="Michroma"/>
+                <a:sym typeface="Michroma"/>
+              </a:defRPr>
+            </a:lvl7pPr>
+            <a:lvl8pPr marR="0" lvl="7" algn="ctr" rtl="0">
+              <a:lnSpc>
+                <a:spcPct val="100000"/>
+              </a:lnSpc>
+              <a:spcBef>
+                <a:spcPts val="0"/>
+              </a:spcBef>
+              <a:spcAft>
+                <a:spcPts val="0"/>
+              </a:spcAft>
+              <a:buClr>
+                <a:srgbClr val="191919"/>
+              </a:buClr>
+              <a:buSzPts val="5200"/>
+              <a:buFont typeface="Michroma"/>
+              <a:buNone/>
+              <a:defRPr sz="5200" b="1" i="0" u="none" strike="noStrike" cap="none">
+                <a:solidFill>
+                  <a:srgbClr val="191919"/>
+                </a:solidFill>
+                <a:latin typeface="Michroma"/>
+                <a:ea typeface="Michroma"/>
+                <a:cs typeface="Michroma"/>
+                <a:sym typeface="Michroma"/>
+              </a:defRPr>
+            </a:lvl8pPr>
+            <a:lvl9pPr marR="0" lvl="8" algn="ctr" rtl="0">
+              <a:lnSpc>
+                <a:spcPct val="100000"/>
+              </a:lnSpc>
+              <a:spcBef>
+                <a:spcPts val="0"/>
+              </a:spcBef>
+              <a:spcAft>
+                <a:spcPts val="0"/>
+              </a:spcAft>
+              <a:buClr>
+                <a:srgbClr val="191919"/>
+              </a:buClr>
+              <a:buSzPts val="5200"/>
+              <a:buFont typeface="Michroma"/>
+              <a:buNone/>
+              <a:defRPr sz="5200" b="1" i="0" u="none" strike="noStrike" cap="none">
+                <a:solidFill>
+                  <a:srgbClr val="191919"/>
+                </a:solidFill>
+                <a:latin typeface="Michroma"/>
+                <a:ea typeface="Michroma"/>
+                <a:cs typeface="Michroma"/>
+                <a:sym typeface="Michroma"/>
+              </a:defRPr>
+            </a:lvl9pPr>
+          </a:lstStyle>
+          <a:p>
+            <a:pPr>
+              <a:lnSpc>
+                <a:spcPct val="150000"/>
+              </a:lnSpc>
+            </a:pPr>
+            <a:r>
+              <a:rPr lang="pt-BR" sz="1100" dirty="0"/>
+              <a:t>Diogo </a:t>
+            </a:r>
+            <a:r>
+              <a:rPr lang="pt-BR" sz="1100" dirty="0" err="1"/>
+              <a:t>Tayjen</a:t>
+            </a:r>
+            <a:r>
+              <a:rPr lang="pt-BR" sz="1100" dirty="0"/>
+              <a:t> Dagnino	 	RA 823130326</a:t>
+            </a:r>
+            <a:br>
+              <a:rPr lang="pt-BR" sz="1100" dirty="0"/>
+            </a:br>
+            <a:r>
+              <a:rPr lang="pt-BR" sz="1100" dirty="0"/>
+              <a:t>Henrique Vieira Dias			RA 823129452</a:t>
+            </a:r>
+            <a:br>
+              <a:rPr lang="pt-BR" sz="1100" dirty="0"/>
+            </a:br>
+            <a:r>
+              <a:rPr lang="pt-BR" sz="1100" dirty="0"/>
+              <a:t>Letícia Maria Gonçalves Santos	RA 823130667</a:t>
+            </a:r>
+            <a:br>
+              <a:rPr lang="pt-BR" sz="1100" dirty="0"/>
+            </a:br>
+            <a:r>
+              <a:rPr lang="pt-BR" sz="1100" dirty="0"/>
+              <a:t>Victor de Almeida Martins		RA 823117661</a:t>
+            </a:r>
+          </a:p>
+        </p:txBody>
+      </p:sp>
     </p:spTree>
   </p:cSld>
   <p:clrMapOvr>
@@ -35841,7 +36161,7 @@
         </p:nvSpPr>
         <p:spPr>
           <a:xfrm>
-            <a:off x="155996" y="1681357"/>
+            <a:off x="261504" y="1273394"/>
             <a:ext cx="4559938" cy="2748431"/>
           </a:xfrm>
           <a:prstGeom prst="rect">
@@ -36205,7 +36525,7 @@
         </p:nvSpPr>
         <p:spPr>
           <a:xfrm>
-            <a:off x="4445001" y="1469688"/>
+            <a:off x="4437967" y="1121675"/>
             <a:ext cx="4343399" cy="2748431"/>
           </a:xfrm>
           <a:prstGeom prst="rect">
@@ -36506,10 +36826,16 @@
               <a:buChar char="•"/>
             </a:pPr>
             <a:r>
+              <a:rPr lang="pt-BR" sz="1400" b="1" dirty="0">
+                <a:latin typeface="+mj-lt"/>
+              </a:rPr>
+              <a:t>Regressão Logística </a:t>
+            </a:r>
+            <a:r>
               <a:rPr lang="pt-BR" sz="1400" dirty="0">
                 <a:latin typeface="+mj-lt"/>
               </a:rPr>
-              <a:t>Regressão Logística é simples e eficiente, mas não desempenhou tão bem.</a:t>
+              <a:t>é simples e eficiente, mas não desempenhou tão bem.</a:t>
             </a:r>
           </a:p>
         </p:txBody>
@@ -38500,71 +38826,6 @@
       </p:grpSpPr>
       <p:sp>
         <p:nvSpPr>
-          <p:cNvPr id="617" name="Google Shape;617;p32">
-            <a:extLst>
-              <a:ext uri="{FF2B5EF4-FFF2-40B4-BE49-F238E27FC236}">
-                <a16:creationId xmlns:a16="http://schemas.microsoft.com/office/drawing/2014/main" id="{81A355CE-3E45-68DB-7539-822A7CAF4C68}"/>
-              </a:ext>
-            </a:extLst>
-          </p:cNvPr>
-          <p:cNvSpPr txBox="1">
-            <a:spLocks noGrp="1"/>
-          </p:cNvSpPr>
-          <p:nvPr>
-            <p:ph type="title"/>
-          </p:nvPr>
-        </p:nvSpPr>
-        <p:spPr>
-          <a:xfrm>
-            <a:off x="1101991" y="2559661"/>
-            <a:ext cx="6877858" cy="923400"/>
-          </a:xfrm>
-          <a:prstGeom prst="rect">
-            <a:avLst/>
-          </a:prstGeom>
-        </p:spPr>
-        <p:txBody>
-          <a:bodyPr spcFirstLastPara="1" wrap="square" lIns="91425" tIns="91425" rIns="91425" bIns="91425" anchor="t" anchorCtr="0">
-            <a:noAutofit/>
-          </a:bodyPr>
-          <a:lstStyle/>
-          <a:p>
-            <a:pPr>
-              <a:lnSpc>
-                <a:spcPct val="150000"/>
-              </a:lnSpc>
-            </a:pPr>
-            <a:r>
-              <a:rPr lang="es-ES" sz="1400" dirty="0"/>
-              <a:t>Diogo Dagnino			RA 823130326</a:t>
-            </a:r>
-            <a:br>
-              <a:rPr lang="pt-BR" sz="1400" dirty="0"/>
-            </a:br>
-            <a:r>
-              <a:rPr lang="pt-BR" sz="1400" dirty="0"/>
-              <a:t>Henrique Dias			RA 823129452</a:t>
-            </a:r>
-            <a:br>
-              <a:rPr lang="pt-BR" sz="1400" dirty="0"/>
-            </a:br>
-            <a:r>
-              <a:rPr lang="pt-BR" sz="1400" dirty="0"/>
-              <a:t>Letícia Santos			RA 823130667</a:t>
-            </a:r>
-            <a:br>
-              <a:rPr lang="pt-BR" sz="1400" dirty="0"/>
-            </a:br>
-            <a:r>
-              <a:rPr lang="pt-BR" sz="1400" dirty="0"/>
-              <a:t>Victor Martins			RA 823117661</a:t>
-            </a:r>
-            <a:endParaRPr sz="1400" dirty="0"/>
-          </a:p>
-        </p:txBody>
-      </p:sp>
-      <p:sp>
-        <p:nvSpPr>
           <p:cNvPr id="618" name="Google Shape;618;p32">
             <a:extLst>
               <a:ext uri="{FF2B5EF4-FFF2-40B4-BE49-F238E27FC236}">
@@ -38581,7 +38842,7 @@
         </p:nvSpPr>
         <p:spPr>
           <a:xfrm>
-            <a:off x="1762554" y="1328486"/>
+            <a:off x="1826353" y="1750795"/>
             <a:ext cx="5146470" cy="841800"/>
           </a:xfrm>
           <a:prstGeom prst="rect">

--- a/A3_AI.pptx
+++ b/A3_AI.pptx
@@ -35252,7 +35252,7 @@
         </p:nvSpPr>
         <p:spPr>
           <a:xfrm>
-            <a:off x="4329793" y="1341875"/>
+            <a:off x="4308692" y="1401958"/>
             <a:ext cx="4753159" cy="2585145"/>
           </a:xfrm>
           <a:prstGeom prst="rect">
@@ -35544,50 +35544,6 @@
                 <a:latin typeface="+mj-lt"/>
               </a:rPr>
               <a:t>Quanto mais próxima de 1, melhor o desempenho do modelo.</a:t>
-            </a:r>
-          </a:p>
-          <a:p>
-            <a:pPr algn="l"/>
-            <a:endParaRPr lang="pt-BR" sz="1400" dirty="0">
-              <a:latin typeface="+mj-lt"/>
-            </a:endParaRPr>
-          </a:p>
-          <a:p>
-            <a:pPr algn="l"/>
-            <a:endParaRPr lang="pt-BR" sz="1400" dirty="0">
-              <a:latin typeface="+mj-lt"/>
-            </a:endParaRPr>
-          </a:p>
-          <a:p>
-            <a:pPr algn="l"/>
-            <a:r>
-              <a:rPr lang="pt-BR" sz="1400" dirty="0">
-                <a:latin typeface="+mj-lt"/>
-              </a:rPr>
-              <a:t>	• </a:t>
-            </a:r>
-            <a:r>
-              <a:rPr lang="pt-BR" sz="1400" b="1" dirty="0">
-                <a:latin typeface="+mj-lt"/>
-              </a:rPr>
-              <a:t>Recall</a:t>
-            </a:r>
-            <a:r>
-              <a:rPr lang="pt-BR" sz="1400" dirty="0">
-                <a:latin typeface="+mj-lt"/>
-              </a:rPr>
-              <a:t>: Mede a proporção de positivos reais corretamente identificados.</a:t>
-            </a:r>
-            <a:br>
-              <a:rPr lang="pt-BR" sz="1400" dirty="0">
-                <a:latin typeface="+mj-lt"/>
-              </a:rPr>
-            </a:br>
-            <a:r>
-              <a:rPr lang="pt-BR" sz="1400" dirty="0">
-                <a:latin typeface="+mj-lt"/>
-              </a:rPr>
-              <a:t>É crucial para minimizar fraudes não detectadas (falsos negativos).</a:t>
             </a:r>
           </a:p>
         </p:txBody>
@@ -35901,55 +35857,310 @@
               </a:rPr>
               <a:t>Considera falsos positivos e negativos, sendo útil em detecção de fraudes.</a:t>
             </a:r>
-          </a:p>
-          <a:p>
-            <a:pPr marL="285750" indent="-285750" algn="l">
-              <a:buFont typeface="Arial" panose="020B0604020202020204" pitchFamily="34" charset="0"/>
-              <a:buChar char="•"/>
-            </a:pPr>
             <a:endParaRPr lang="pt-BR" sz="1400" b="1" dirty="0">
               <a:latin typeface="+mj-lt"/>
             </a:endParaRPr>
           </a:p>
-          <a:p>
-            <a:pPr marL="285750" indent="-285750" algn="l">
-              <a:buFont typeface="Arial" panose="020B0604020202020204" pitchFamily="34" charset="0"/>
-              <a:buChar char="•"/>
-            </a:pPr>
-            <a:endParaRPr lang="pt-BR" sz="1400" b="1" dirty="0">
-              <a:latin typeface="+mj-lt"/>
-            </a:endParaRPr>
-          </a:p>
+        </p:txBody>
+      </p:sp>
+      <p:sp>
+        <p:nvSpPr>
+          <p:cNvPr id="4" name="Google Shape;681;p36">
+            <a:extLst>
+              <a:ext uri="{FF2B5EF4-FFF2-40B4-BE49-F238E27FC236}">
+                <a16:creationId xmlns:a16="http://schemas.microsoft.com/office/drawing/2014/main" id="{62DF5382-538F-FE9C-5861-71C106AF49A4}"/>
+              </a:ext>
+            </a:extLst>
+          </p:cNvPr>
+          <p:cNvSpPr txBox="1">
+            <a:spLocks/>
+          </p:cNvSpPr>
+          <p:nvPr/>
+        </p:nvSpPr>
+        <p:spPr>
+          <a:xfrm>
+            <a:off x="2292031" y="2694530"/>
+            <a:ext cx="4559938" cy="2748431"/>
+          </a:xfrm>
+          <a:prstGeom prst="rect">
+            <a:avLst/>
+          </a:prstGeom>
+          <a:noFill/>
+          <a:ln>
+            <a:noFill/>
+          </a:ln>
+        </p:spPr>
+        <p:txBody>
+          <a:bodyPr spcFirstLastPara="1" wrap="square" lIns="91425" tIns="91425" rIns="91425" bIns="91425" anchor="t" anchorCtr="0">
+            <a:noAutofit/>
+          </a:bodyPr>
+          <a:lstStyle>
+            <a:defPPr marR="0" lvl="0" algn="l" rtl="0">
+              <a:lnSpc>
+                <a:spcPct val="100000"/>
+              </a:lnSpc>
+              <a:spcBef>
+                <a:spcPts val="0"/>
+              </a:spcBef>
+              <a:spcAft>
+                <a:spcPts val="0"/>
+              </a:spcAft>
+            </a:defPPr>
+            <a:lvl1pPr marL="457200" marR="0" lvl="0" indent="-304800" algn="ctr" rtl="0">
+              <a:lnSpc>
+                <a:spcPct val="100000"/>
+              </a:lnSpc>
+              <a:spcBef>
+                <a:spcPts val="0"/>
+              </a:spcBef>
+              <a:spcAft>
+                <a:spcPts val="0"/>
+              </a:spcAft>
+              <a:buClr>
+                <a:schemeClr val="dk1"/>
+              </a:buClr>
+              <a:buSzPts val="1200"/>
+              <a:buFont typeface="Space Grotesk"/>
+              <a:buNone/>
+              <a:defRPr sz="1200" b="0" i="0" u="none" strike="noStrike" cap="none">
+                <a:solidFill>
+                  <a:schemeClr val="dk1"/>
+                </a:solidFill>
+                <a:latin typeface="Space Grotesk"/>
+                <a:ea typeface="Space Grotesk"/>
+                <a:cs typeface="Space Grotesk"/>
+                <a:sym typeface="Space Grotesk"/>
+              </a:defRPr>
+            </a:lvl1pPr>
+            <a:lvl2pPr marL="914400" marR="0" lvl="1" indent="-304800" algn="ctr" rtl="0">
+              <a:lnSpc>
+                <a:spcPct val="100000"/>
+              </a:lnSpc>
+              <a:spcBef>
+                <a:spcPts val="0"/>
+              </a:spcBef>
+              <a:spcAft>
+                <a:spcPts val="0"/>
+              </a:spcAft>
+              <a:buClr>
+                <a:schemeClr val="dk1"/>
+              </a:buClr>
+              <a:buSzPts val="1200"/>
+              <a:buFont typeface="Space Grotesk"/>
+              <a:buNone/>
+              <a:defRPr sz="1200" b="0" i="0" u="none" strike="noStrike" cap="none">
+                <a:solidFill>
+                  <a:schemeClr val="dk1"/>
+                </a:solidFill>
+                <a:latin typeface="Space Grotesk"/>
+                <a:ea typeface="Space Grotesk"/>
+                <a:cs typeface="Space Grotesk"/>
+                <a:sym typeface="Space Grotesk"/>
+              </a:defRPr>
+            </a:lvl2pPr>
+            <a:lvl3pPr marL="1371600" marR="0" lvl="2" indent="-304800" algn="ctr" rtl="0">
+              <a:lnSpc>
+                <a:spcPct val="100000"/>
+              </a:lnSpc>
+              <a:spcBef>
+                <a:spcPts val="0"/>
+              </a:spcBef>
+              <a:spcAft>
+                <a:spcPts val="0"/>
+              </a:spcAft>
+              <a:buClr>
+                <a:schemeClr val="dk1"/>
+              </a:buClr>
+              <a:buSzPts val="1200"/>
+              <a:buFont typeface="Space Grotesk"/>
+              <a:buNone/>
+              <a:defRPr sz="1200" b="0" i="0" u="none" strike="noStrike" cap="none">
+                <a:solidFill>
+                  <a:schemeClr val="dk1"/>
+                </a:solidFill>
+                <a:latin typeface="Space Grotesk"/>
+                <a:ea typeface="Space Grotesk"/>
+                <a:cs typeface="Space Grotesk"/>
+                <a:sym typeface="Space Grotesk"/>
+              </a:defRPr>
+            </a:lvl3pPr>
+            <a:lvl4pPr marL="1828800" marR="0" lvl="3" indent="-304800" algn="ctr" rtl="0">
+              <a:lnSpc>
+                <a:spcPct val="100000"/>
+              </a:lnSpc>
+              <a:spcBef>
+                <a:spcPts val="0"/>
+              </a:spcBef>
+              <a:spcAft>
+                <a:spcPts val="0"/>
+              </a:spcAft>
+              <a:buClr>
+                <a:schemeClr val="dk1"/>
+              </a:buClr>
+              <a:buSzPts val="1200"/>
+              <a:buFont typeface="Space Grotesk"/>
+              <a:buNone/>
+              <a:defRPr sz="1200" b="0" i="0" u="none" strike="noStrike" cap="none">
+                <a:solidFill>
+                  <a:schemeClr val="dk1"/>
+                </a:solidFill>
+                <a:latin typeface="Space Grotesk"/>
+                <a:ea typeface="Space Grotesk"/>
+                <a:cs typeface="Space Grotesk"/>
+                <a:sym typeface="Space Grotesk"/>
+              </a:defRPr>
+            </a:lvl4pPr>
+            <a:lvl5pPr marL="2286000" marR="0" lvl="4" indent="-304800" algn="ctr" rtl="0">
+              <a:lnSpc>
+                <a:spcPct val="100000"/>
+              </a:lnSpc>
+              <a:spcBef>
+                <a:spcPts val="0"/>
+              </a:spcBef>
+              <a:spcAft>
+                <a:spcPts val="0"/>
+              </a:spcAft>
+              <a:buClr>
+                <a:schemeClr val="dk1"/>
+              </a:buClr>
+              <a:buSzPts val="1200"/>
+              <a:buFont typeface="Space Grotesk"/>
+              <a:buNone/>
+              <a:defRPr sz="1200" b="0" i="0" u="none" strike="noStrike" cap="none">
+                <a:solidFill>
+                  <a:schemeClr val="dk1"/>
+                </a:solidFill>
+                <a:latin typeface="Space Grotesk"/>
+                <a:ea typeface="Space Grotesk"/>
+                <a:cs typeface="Space Grotesk"/>
+                <a:sym typeface="Space Grotesk"/>
+              </a:defRPr>
+            </a:lvl5pPr>
+            <a:lvl6pPr marL="2743200" marR="0" lvl="5" indent="-304800" algn="ctr" rtl="0">
+              <a:lnSpc>
+                <a:spcPct val="100000"/>
+              </a:lnSpc>
+              <a:spcBef>
+                <a:spcPts val="0"/>
+              </a:spcBef>
+              <a:spcAft>
+                <a:spcPts val="0"/>
+              </a:spcAft>
+              <a:buClr>
+                <a:schemeClr val="dk1"/>
+              </a:buClr>
+              <a:buSzPts val="1200"/>
+              <a:buFont typeface="Space Grotesk"/>
+              <a:buNone/>
+              <a:defRPr sz="1200" b="0" i="0" u="none" strike="noStrike" cap="none">
+                <a:solidFill>
+                  <a:schemeClr val="dk1"/>
+                </a:solidFill>
+                <a:latin typeface="Space Grotesk"/>
+                <a:ea typeface="Space Grotesk"/>
+                <a:cs typeface="Space Grotesk"/>
+                <a:sym typeface="Space Grotesk"/>
+              </a:defRPr>
+            </a:lvl6pPr>
+            <a:lvl7pPr marL="3200400" marR="0" lvl="6" indent="-304800" algn="ctr" rtl="0">
+              <a:lnSpc>
+                <a:spcPct val="100000"/>
+              </a:lnSpc>
+              <a:spcBef>
+                <a:spcPts val="0"/>
+              </a:spcBef>
+              <a:spcAft>
+                <a:spcPts val="0"/>
+              </a:spcAft>
+              <a:buClr>
+                <a:schemeClr val="dk1"/>
+              </a:buClr>
+              <a:buSzPts val="1200"/>
+              <a:buFont typeface="Space Grotesk"/>
+              <a:buNone/>
+              <a:defRPr sz="1200" b="0" i="0" u="none" strike="noStrike" cap="none">
+                <a:solidFill>
+                  <a:schemeClr val="dk1"/>
+                </a:solidFill>
+                <a:latin typeface="Space Grotesk"/>
+                <a:ea typeface="Space Grotesk"/>
+                <a:cs typeface="Space Grotesk"/>
+                <a:sym typeface="Space Grotesk"/>
+              </a:defRPr>
+            </a:lvl7pPr>
+            <a:lvl8pPr marL="3657600" marR="0" lvl="7" indent="-304800" algn="ctr" rtl="0">
+              <a:lnSpc>
+                <a:spcPct val="100000"/>
+              </a:lnSpc>
+              <a:spcBef>
+                <a:spcPts val="0"/>
+              </a:spcBef>
+              <a:spcAft>
+                <a:spcPts val="0"/>
+              </a:spcAft>
+              <a:buClr>
+                <a:schemeClr val="dk1"/>
+              </a:buClr>
+              <a:buSzPts val="1200"/>
+              <a:buFont typeface="Space Grotesk"/>
+              <a:buNone/>
+              <a:defRPr sz="1200" b="0" i="0" u="none" strike="noStrike" cap="none">
+                <a:solidFill>
+                  <a:schemeClr val="dk1"/>
+                </a:solidFill>
+                <a:latin typeface="Space Grotesk"/>
+                <a:ea typeface="Space Grotesk"/>
+                <a:cs typeface="Space Grotesk"/>
+                <a:sym typeface="Space Grotesk"/>
+              </a:defRPr>
+            </a:lvl8pPr>
+            <a:lvl9pPr marL="4114800" marR="0" lvl="8" indent="-304800" algn="ctr" rtl="0">
+              <a:lnSpc>
+                <a:spcPct val="100000"/>
+              </a:lnSpc>
+              <a:spcBef>
+                <a:spcPts val="0"/>
+              </a:spcBef>
+              <a:spcAft>
+                <a:spcPts val="0"/>
+              </a:spcAft>
+              <a:buClr>
+                <a:schemeClr val="dk1"/>
+              </a:buClr>
+              <a:buSzPts val="1200"/>
+              <a:buFont typeface="Space Grotesk"/>
+              <a:buNone/>
+              <a:defRPr sz="1200" b="0" i="0" u="none" strike="noStrike" cap="none">
+                <a:solidFill>
+                  <a:schemeClr val="dk1"/>
+                </a:solidFill>
+                <a:latin typeface="Space Grotesk"/>
+                <a:ea typeface="Space Grotesk"/>
+                <a:cs typeface="Space Grotesk"/>
+                <a:sym typeface="Space Grotesk"/>
+              </a:defRPr>
+            </a:lvl9pPr>
+          </a:lstStyle>
           <a:p>
             <a:pPr marL="0" indent="0" algn="l"/>
             <a:r>
-              <a:rPr lang="pt-BR" sz="1400" dirty="0">
-                <a:latin typeface="+mj-lt"/>
-              </a:rPr>
+              <a:rPr lang="pt-BR" sz="1400" dirty="0"/>
               <a:t>• </a:t>
             </a:r>
             <a:r>
-              <a:rPr lang="pt-BR" sz="1400" b="1" dirty="0">
-                <a:latin typeface="+mj-lt"/>
-              </a:rPr>
-              <a:t>Curva ROC</a:t>
+              <a:rPr lang="pt-BR" sz="1400" b="1" dirty="0"/>
+              <a:t>Recall</a:t>
             </a:r>
             <a:r>
-              <a:rPr lang="pt-BR" sz="1400" dirty="0">
-                <a:latin typeface="+mj-lt"/>
-              </a:rPr>
-              <a:t>: Plota TPR contra FPR em diferentes limiares de decisão.</a:t>
+              <a:rPr lang="pt-BR" sz="1400" dirty="0"/>
+              <a:t>: Mede a proporção de positivos reais corretamente identificados.</a:t>
             </a:r>
             <a:br>
-              <a:rPr lang="pt-BR" sz="1400" dirty="0">
-                <a:latin typeface="+mj-lt"/>
-              </a:rPr>
+              <a:rPr lang="pt-BR" sz="1400" dirty="0"/>
             </a:br>
             <a:r>
-              <a:rPr lang="pt-BR" sz="1400" dirty="0">
-                <a:latin typeface="+mj-lt"/>
-              </a:rPr>
-              <a:t>Permite avaliar visualmente a capacidade do modelo de distinguir entre classes.</a:t>
+              <a:rPr lang="pt-BR" sz="1400" dirty="0"/>
+              <a:t>É crucial para minimizar fraudes não detectadas (falsos negativos).</a:t>
             </a:r>
             <a:endParaRPr lang="pt-BR" sz="1400" b="1" dirty="0">
               <a:latin typeface="+mj-lt"/>
@@ -36031,10 +36242,10 @@
       </p:sp>
       <p:pic>
         <p:nvPicPr>
-          <p:cNvPr id="2" name="Imagem 1" descr="Tabela&#10;&#10;O conteúdo gerado por IA pode estar incorreto.">
+          <p:cNvPr id="4" name="Imagem 3">
             <a:extLst>
               <a:ext uri="{FF2B5EF4-FFF2-40B4-BE49-F238E27FC236}">
-                <a16:creationId xmlns:a16="http://schemas.microsoft.com/office/drawing/2014/main" id="{0414BFEF-4872-CF3A-7C73-AEAB5A98EC48}"/>
+                <a16:creationId xmlns:a16="http://schemas.microsoft.com/office/drawing/2014/main" id="{47704691-913B-F2D5-A52E-109C7BF2ACE4}"/>
               </a:ext>
             </a:extLst>
           </p:cNvPr>
@@ -36051,8 +36262,8 @@
         </p:blipFill>
         <p:spPr>
           <a:xfrm>
-            <a:off x="246988" y="1504844"/>
-            <a:ext cx="8650023" cy="2133811"/>
+            <a:off x="2102125" y="1639205"/>
+            <a:ext cx="4741808" cy="2317020"/>
           </a:xfrm>
           <a:prstGeom prst="rect">
             <a:avLst/>

--- a/A3_AI.pptx
+++ b/A3_AI.pptx
@@ -41304,43 +41304,6 @@
           </a:p>
         </p:txBody>
       </p:sp>
-      <p:pic>
-        <p:nvPicPr>
-          <p:cNvPr id="13" name="Imagem 12" descr="Interface gráfica do usuário, Texto, Aplicativo&#10;&#10;O conteúdo gerado por IA pode estar incorreto.">
-            <a:extLst>
-              <a:ext uri="{FF2B5EF4-FFF2-40B4-BE49-F238E27FC236}">
-                <a16:creationId xmlns:a16="http://schemas.microsoft.com/office/drawing/2014/main" id="{C08E543F-4608-4AAD-B2FF-3245CCAEBFFA}"/>
-              </a:ext>
-            </a:extLst>
-          </p:cNvPr>
-          <p:cNvPicPr>
-            <a:picLocks noChangeAspect="1"/>
-          </p:cNvPicPr>
-          <p:nvPr/>
-        </p:nvPicPr>
-        <p:blipFill>
-          <a:blip r:embed="rId3"/>
-          <a:stretch>
-            <a:fillRect/>
-          </a:stretch>
-        </p:blipFill>
-        <p:spPr>
-          <a:xfrm>
-            <a:off x="855855" y="1010253"/>
-            <a:ext cx="7710900" cy="2318461"/>
-          </a:xfrm>
-          <a:prstGeom prst="rect">
-            <a:avLst/>
-          </a:prstGeom>
-          <a:effectLst>
-            <a:outerShdw blurRad="63500" sx="102000" sy="102000" algn="ctr" rotWithShape="0">
-              <a:prstClr val="black">
-                <a:alpha val="40000"/>
-              </a:prstClr>
-            </a:outerShdw>
-          </a:effectLst>
-        </p:spPr>
-      </p:pic>
       <p:sp>
         <p:nvSpPr>
           <p:cNvPr id="20" name="Google Shape;662;p35">
@@ -41748,6 +41711,43 @@
           </a:p>
         </p:txBody>
       </p:sp>
+      <p:pic>
+        <p:nvPicPr>
+          <p:cNvPr id="3" name="Imagem 2">
+            <a:extLst>
+              <a:ext uri="{FF2B5EF4-FFF2-40B4-BE49-F238E27FC236}">
+                <a16:creationId xmlns:a16="http://schemas.microsoft.com/office/drawing/2014/main" id="{D3B7D591-916E-A405-6E7F-DE2E16C2EA08}"/>
+              </a:ext>
+            </a:extLst>
+          </p:cNvPr>
+          <p:cNvPicPr>
+            <a:picLocks noChangeAspect="1"/>
+          </p:cNvPicPr>
+          <p:nvPr/>
+        </p:nvPicPr>
+        <p:blipFill>
+          <a:blip r:embed="rId3"/>
+          <a:stretch>
+            <a:fillRect/>
+          </a:stretch>
+        </p:blipFill>
+        <p:spPr>
+          <a:xfrm>
+            <a:off x="805350" y="824918"/>
+            <a:ext cx="7414764" cy="2597931"/>
+          </a:xfrm>
+          <a:prstGeom prst="rect">
+            <a:avLst/>
+          </a:prstGeom>
+          <a:effectLst>
+            <a:outerShdw blurRad="63500" sx="102000" sy="102000" algn="ctr" rotWithShape="0">
+              <a:prstClr val="black">
+                <a:alpha val="40000"/>
+              </a:prstClr>
+            </a:outerShdw>
+          </a:effectLst>
+        </p:spPr>
+      </p:pic>
     </p:spTree>
   </p:cSld>
   <p:clrMapOvr>
